--- a/doc/www-screens.pptx
+++ b/doc/www-screens.pptx
@@ -3040,36 +3040,6 @@
           <a:chExt cx="0" cy="0"/>
         </a:xfrm>
       </p:grpSpPr>
-      <p:pic>
-        <p:nvPicPr>
-          <p:cNvPr id="4" name="Picture 3"/>
-          <p:cNvPicPr>
-            <a:picLocks noChangeAspect="1"/>
-          </p:cNvPicPr>
-          <p:nvPr/>
-        </p:nvPicPr>
-        <p:blipFill>
-          <a:blip r:embed="rId2">
-            <a:extLst>
-              <a:ext uri="{28A0092B-C50C-407E-A947-70E740481C1C}">
-                <a14:useLocalDpi xmlns:a14="http://schemas.microsoft.com/office/drawing/2010/main" val="0"/>
-              </a:ext>
-            </a:extLst>
-          </a:blip>
-          <a:stretch>
-            <a:fillRect/>
-          </a:stretch>
-        </p:blipFill>
-        <p:spPr>
-          <a:xfrm>
-            <a:off x="683568" y="2564904"/>
-            <a:ext cx="2279716" cy="1865222"/>
-          </a:xfrm>
-          <a:prstGeom prst="rect">
-            <a:avLst/>
-          </a:prstGeom>
-        </p:spPr>
-      </p:pic>
       <p:sp>
         <p:nvSpPr>
           <p:cNvPr id="5" name="Rectangle 4"/>
@@ -3078,7 +3048,7 @@
         </p:nvSpPr>
         <p:spPr>
           <a:xfrm>
-            <a:off x="2991280" y="2967335"/>
+            <a:off x="4330928" y="2983003"/>
             <a:ext cx="3161443" cy="923330"/>
           </a:xfrm>
           <a:prstGeom prst="rect">
@@ -3144,6 +3114,36 @@
           </a:p>
         </p:txBody>
       </p:sp>
+      <p:pic>
+        <p:nvPicPr>
+          <p:cNvPr id="6" name="Picture 5"/>
+          <p:cNvPicPr>
+            <a:picLocks noChangeAspect="1"/>
+          </p:cNvPicPr>
+          <p:nvPr/>
+        </p:nvPicPr>
+        <p:blipFill>
+          <a:blip r:embed="rId2" cstate="print">
+            <a:extLst>
+              <a:ext uri="{28A0092B-C50C-407E-A947-70E740481C1C}">
+                <a14:useLocalDpi xmlns:a14="http://schemas.microsoft.com/office/drawing/2010/main" val="0"/>
+              </a:ext>
+            </a:extLst>
+          </a:blip>
+          <a:stretch>
+            <a:fillRect/>
+          </a:stretch>
+        </p:blipFill>
+        <p:spPr>
+          <a:xfrm>
+            <a:off x="1807192" y="2436556"/>
+            <a:ext cx="2726750" cy="2216941"/>
+          </a:xfrm>
+          <a:prstGeom prst="rect">
+            <a:avLst/>
+          </a:prstGeom>
+        </p:spPr>
+      </p:pic>
     </p:spTree>
     <p:extLst>
       <p:ext uri="{BB962C8B-B14F-4D97-AF65-F5344CB8AC3E}">
@@ -3245,13 +3245,141 @@
           <a:lstStyle/>
           <a:p>
             <a:pPr algn="ctr"/>
-            <a:endParaRPr lang="en-US"/>
+            <a:endParaRPr lang="en-US" dirty="0"/>
+          </a:p>
+        </p:txBody>
+      </p:sp>
+      <p:sp>
+        <p:nvSpPr>
+          <p:cNvPr id="7" name="Rounded Rectangle 6"/>
+          <p:cNvSpPr/>
+          <p:nvPr/>
+        </p:nvSpPr>
+        <p:spPr>
+          <a:xfrm>
+            <a:off x="3978988" y="3255206"/>
+            <a:ext cx="2448272" cy="360040"/>
+          </a:xfrm>
+          <a:prstGeom prst="roundRect">
+            <a:avLst/>
+          </a:prstGeom>
+          <a:solidFill>
+            <a:schemeClr val="bg1">
+              <a:lumMod val="85000"/>
+            </a:schemeClr>
+          </a:solidFill>
+          <a:ln>
+            <a:solidFill>
+              <a:schemeClr val="tx1">
+                <a:lumMod val="65000"/>
+                <a:lumOff val="35000"/>
+              </a:schemeClr>
+            </a:solidFill>
+          </a:ln>
+        </p:spPr>
+        <p:style>
+          <a:lnRef idx="2">
+            <a:schemeClr val="accent1">
+              <a:shade val="50000"/>
+            </a:schemeClr>
+          </a:lnRef>
+          <a:fillRef idx="1">
+            <a:schemeClr val="accent1"/>
+          </a:fillRef>
+          <a:effectRef idx="0">
+            <a:schemeClr val="accent1"/>
+          </a:effectRef>
+          <a:fontRef idx="minor">
+            <a:schemeClr val="lt1"/>
+          </a:fontRef>
+        </p:style>
+        <p:txBody>
+          <a:bodyPr rtlCol="0" anchor="ctr"/>
+          <a:lstStyle/>
+          <a:p>
+            <a:r>
+              <a:rPr lang="en-US" dirty="0" smtClean="0">
+                <a:solidFill>
+                  <a:srgbClr val="002060"/>
+                </a:solidFill>
+              </a:rPr>
+              <a:t>Phone no.</a:t>
+            </a:r>
+            <a:endParaRPr lang="en-US" dirty="0">
+              <a:solidFill>
+                <a:srgbClr val="002060"/>
+              </a:solidFill>
+            </a:endParaRPr>
+          </a:p>
+        </p:txBody>
+      </p:sp>
+      <p:sp>
+        <p:nvSpPr>
+          <p:cNvPr id="9" name="Rounded Rectangle 8"/>
+          <p:cNvSpPr/>
+          <p:nvPr/>
+        </p:nvSpPr>
+        <p:spPr>
+          <a:xfrm>
+            <a:off x="3995936" y="3842289"/>
+            <a:ext cx="2448272" cy="360040"/>
+          </a:xfrm>
+          <a:prstGeom prst="roundRect">
+            <a:avLst/>
+          </a:prstGeom>
+          <a:solidFill>
+            <a:schemeClr val="bg1">
+              <a:lumMod val="85000"/>
+            </a:schemeClr>
+          </a:solidFill>
+          <a:ln>
+            <a:solidFill>
+              <a:schemeClr val="tx1">
+                <a:lumMod val="65000"/>
+                <a:lumOff val="35000"/>
+              </a:schemeClr>
+            </a:solidFill>
+          </a:ln>
+        </p:spPr>
+        <p:style>
+          <a:lnRef idx="2">
+            <a:schemeClr val="accent1">
+              <a:shade val="50000"/>
+            </a:schemeClr>
+          </a:lnRef>
+          <a:fillRef idx="1">
+            <a:schemeClr val="accent1"/>
+          </a:fillRef>
+          <a:effectRef idx="0">
+            <a:schemeClr val="accent1"/>
+          </a:effectRef>
+          <a:fontRef idx="minor">
+            <a:schemeClr val="lt1"/>
+          </a:fontRef>
+        </p:style>
+        <p:txBody>
+          <a:bodyPr rtlCol="0" anchor="ctr"/>
+          <a:lstStyle/>
+          <a:p>
+            <a:r>
+              <a:rPr lang="en-US" dirty="0" smtClean="0">
+                <a:solidFill>
+                  <a:srgbClr val="002060"/>
+                </a:solidFill>
+              </a:rPr>
+              <a:t>Password</a:t>
+            </a:r>
+            <a:endParaRPr lang="en-US" dirty="0">
+              <a:solidFill>
+                <a:srgbClr val="002060"/>
+              </a:solidFill>
+            </a:endParaRPr>
           </a:p>
         </p:txBody>
       </p:sp>
       <p:pic>
         <p:nvPicPr>
-          <p:cNvPr id="6" name="Picture 5"/>
+          <p:cNvPr id="8" name="Picture 7"/>
           <p:cNvPicPr>
             <a:picLocks noChangeAspect="1"/>
           </p:cNvPicPr>
@@ -3271,8 +3399,8 @@
         </p:blipFill>
         <p:spPr>
           <a:xfrm>
-            <a:off x="2488366" y="3255206"/>
-            <a:ext cx="1157595" cy="947123"/>
+            <a:off x="1844045" y="3068960"/>
+            <a:ext cx="1719843" cy="1398291"/>
           </a:xfrm>
           <a:prstGeom prst="rect">
             <a:avLst/>
@@ -3281,141 +3409,13 @@
       </p:pic>
       <p:sp>
         <p:nvSpPr>
-          <p:cNvPr id="7" name="Rounded Rectangle 6"/>
+          <p:cNvPr id="2" name="Rectangle 1"/>
           <p:cNvSpPr/>
           <p:nvPr/>
         </p:nvSpPr>
         <p:spPr>
           <a:xfrm>
-            <a:off x="3978988" y="3255206"/>
-            <a:ext cx="2448272" cy="360040"/>
-          </a:xfrm>
-          <a:prstGeom prst="roundRect">
-            <a:avLst/>
-          </a:prstGeom>
-          <a:solidFill>
-            <a:schemeClr val="bg1">
-              <a:lumMod val="85000"/>
-            </a:schemeClr>
-          </a:solidFill>
-          <a:ln>
-            <a:solidFill>
-              <a:schemeClr val="tx1">
-                <a:lumMod val="65000"/>
-                <a:lumOff val="35000"/>
-              </a:schemeClr>
-            </a:solidFill>
-          </a:ln>
-        </p:spPr>
-        <p:style>
-          <a:lnRef idx="2">
-            <a:schemeClr val="accent1">
-              <a:shade val="50000"/>
-            </a:schemeClr>
-          </a:lnRef>
-          <a:fillRef idx="1">
-            <a:schemeClr val="accent1"/>
-          </a:fillRef>
-          <a:effectRef idx="0">
-            <a:schemeClr val="accent1"/>
-          </a:effectRef>
-          <a:fontRef idx="minor">
-            <a:schemeClr val="lt1"/>
-          </a:fontRef>
-        </p:style>
-        <p:txBody>
-          <a:bodyPr rtlCol="0" anchor="ctr"/>
-          <a:lstStyle/>
-          <a:p>
-            <a:r>
-              <a:rPr lang="en-US" dirty="0" smtClean="0">
-                <a:solidFill>
-                  <a:srgbClr val="002060"/>
-                </a:solidFill>
-              </a:rPr>
-              <a:t>Phone no.</a:t>
-            </a:r>
-            <a:endParaRPr lang="en-US" dirty="0">
-              <a:solidFill>
-                <a:srgbClr val="002060"/>
-              </a:solidFill>
-            </a:endParaRPr>
-          </a:p>
-        </p:txBody>
-      </p:sp>
-      <p:sp>
-        <p:nvSpPr>
-          <p:cNvPr id="9" name="Rounded Rectangle 8"/>
-          <p:cNvSpPr/>
-          <p:nvPr/>
-        </p:nvSpPr>
-        <p:spPr>
-          <a:xfrm>
-            <a:off x="3995936" y="3842289"/>
-            <a:ext cx="2448272" cy="360040"/>
-          </a:xfrm>
-          <a:prstGeom prst="roundRect">
-            <a:avLst/>
-          </a:prstGeom>
-          <a:solidFill>
-            <a:schemeClr val="bg1">
-              <a:lumMod val="85000"/>
-            </a:schemeClr>
-          </a:solidFill>
-          <a:ln>
-            <a:solidFill>
-              <a:schemeClr val="tx1">
-                <a:lumMod val="65000"/>
-                <a:lumOff val="35000"/>
-              </a:schemeClr>
-            </a:solidFill>
-          </a:ln>
-        </p:spPr>
-        <p:style>
-          <a:lnRef idx="2">
-            <a:schemeClr val="accent1">
-              <a:shade val="50000"/>
-            </a:schemeClr>
-          </a:lnRef>
-          <a:fillRef idx="1">
-            <a:schemeClr val="accent1"/>
-          </a:fillRef>
-          <a:effectRef idx="0">
-            <a:schemeClr val="accent1"/>
-          </a:effectRef>
-          <a:fontRef idx="minor">
-            <a:schemeClr val="lt1"/>
-          </a:fontRef>
-        </p:style>
-        <p:txBody>
-          <a:bodyPr rtlCol="0" anchor="ctr"/>
-          <a:lstStyle/>
-          <a:p>
-            <a:r>
-              <a:rPr lang="en-US" dirty="0" smtClean="0">
-                <a:solidFill>
-                  <a:srgbClr val="002060"/>
-                </a:solidFill>
-              </a:rPr>
-              <a:t>Password</a:t>
-            </a:r>
-            <a:endParaRPr lang="en-US" dirty="0">
-              <a:solidFill>
-                <a:srgbClr val="002060"/>
-              </a:solidFill>
-            </a:endParaRPr>
-          </a:p>
-        </p:txBody>
-      </p:sp>
-      <p:sp>
-        <p:nvSpPr>
-          <p:cNvPr id="12" name="Rectangle 11"/>
-          <p:cNvSpPr/>
-          <p:nvPr/>
-        </p:nvSpPr>
-        <p:spPr>
-          <a:xfrm>
-            <a:off x="5439490" y="4325378"/>
+            <a:off x="3995936" y="4277495"/>
             <a:ext cx="949298" cy="369332"/>
           </a:xfrm>
           <a:prstGeom prst="rect">
@@ -3426,85 +3426,103 @@
         <p:txBody>
           <a:bodyPr wrap="none" lIns="91440" tIns="45720" rIns="91440" bIns="45720">
             <a:spAutoFit/>
+            <a:scene3d>
+              <a:camera prst="orthographicFront"/>
+              <a:lightRig rig="flat" dir="t">
+                <a:rot lat="0" lon="0" rev="18900000"/>
+              </a:lightRig>
+            </a:scene3d>
+            <a:sp3d extrusionH="31750" contourW="6350" prstMaterial="powder">
+              <a:bevelT w="19050" h="19050" prst="angle"/>
+              <a:contourClr>
+                <a:schemeClr val="accent3">
+                  <a:tint val="100000"/>
+                  <a:shade val="100000"/>
+                  <a:satMod val="100000"/>
+                  <a:hueMod val="100000"/>
+                </a:schemeClr>
+              </a:contourClr>
+            </a:sp3d>
           </a:bodyPr>
           <a:lstStyle/>
           <a:p>
             <a:pPr algn="ctr"/>
             <a:r>
-              <a:rPr lang="en-US" b="1" dirty="0" smtClean="0">
-                <a:ln w="10541" cmpd="sng">
-                  <a:solidFill>
-                    <a:schemeClr val="accent1">
-                      <a:shade val="88000"/>
-                      <a:satMod val="110000"/>
-                    </a:schemeClr>
-                  </a:solidFill>
-                  <a:prstDash val="solid"/>
-                </a:ln>
-                <a:gradFill>
-                  <a:gsLst>
-                    <a:gs pos="0">
-                      <a:schemeClr val="accent1">
-                        <a:tint val="40000"/>
-                        <a:satMod val="250000"/>
-                      </a:schemeClr>
-                    </a:gs>
-                    <a:gs pos="9000">
-                      <a:schemeClr val="accent1">
-                        <a:tint val="52000"/>
-                        <a:satMod val="300000"/>
-                      </a:schemeClr>
-                    </a:gs>
-                    <a:gs pos="50000">
-                      <a:schemeClr val="accent1">
-                        <a:shade val="20000"/>
-                        <a:satMod val="300000"/>
-                      </a:schemeClr>
-                    </a:gs>
-                    <a:gs pos="79000">
-                      <a:schemeClr val="accent1">
-                        <a:tint val="52000"/>
-                        <a:satMod val="300000"/>
-                      </a:schemeClr>
-                    </a:gs>
-                    <a:gs pos="100000">
-                      <a:schemeClr val="accent1">
-                        <a:tint val="40000"/>
-                        <a:satMod val="250000"/>
-                      </a:schemeClr>
-                    </a:gs>
-                  </a:gsLst>
-                  <a:lin ang="5400000"/>
-                </a:gradFill>
+              <a:rPr lang="en-US" b="1" cap="none" spc="0" dirty="0" smtClean="0">
+                <a:ln/>
+                <a:solidFill>
+                  <a:srgbClr val="002060"/>
+                </a:solidFill>
+                <a:effectLst/>
               </a:rPr>
               <a:t>Signup</a:t>
             </a:r>
-            <a:endParaRPr lang="en-US" b="1" cap="none" spc="100" dirty="0">
-              <a:ln w="18000">
+            <a:endParaRPr lang="en-US" b="1" cap="none" spc="0" dirty="0">
+              <a:ln/>
+              <a:solidFill>
+                <a:srgbClr val="002060"/>
+              </a:solidFill>
+              <a:effectLst/>
+            </a:endParaRPr>
+          </a:p>
+        </p:txBody>
+      </p:sp>
+      <p:sp>
+        <p:nvSpPr>
+          <p:cNvPr id="10" name="Rectangle 9"/>
+          <p:cNvSpPr/>
+          <p:nvPr/>
+        </p:nvSpPr>
+        <p:spPr>
+          <a:xfrm>
+            <a:off x="5503923" y="4277495"/>
+            <a:ext cx="869149" cy="369332"/>
+          </a:xfrm>
+          <a:prstGeom prst="rect">
+            <a:avLst/>
+          </a:prstGeom>
+          <a:noFill/>
+        </p:spPr>
+        <p:txBody>
+          <a:bodyPr wrap="none" lIns="91440" tIns="45720" rIns="91440" bIns="45720">
+            <a:spAutoFit/>
+            <a:scene3d>
+              <a:camera prst="orthographicFront"/>
+              <a:lightRig rig="flat" dir="t">
+                <a:rot lat="0" lon="0" rev="18900000"/>
+              </a:lightRig>
+            </a:scene3d>
+            <a:sp3d extrusionH="31750" contourW="6350" prstMaterial="powder">
+              <a:bevelT w="19050" h="19050" prst="angle"/>
+              <a:contourClr>
+                <a:schemeClr val="accent3">
+                  <a:tint val="100000"/>
+                  <a:shade val="100000"/>
+                  <a:satMod val="100000"/>
+                  <a:hueMod val="100000"/>
+                </a:schemeClr>
+              </a:contourClr>
+            </a:sp3d>
+          </a:bodyPr>
+          <a:lstStyle/>
+          <a:p>
+            <a:pPr algn="ctr"/>
+            <a:r>
+              <a:rPr lang="en-US" b="1" cap="none" spc="0" dirty="0" err="1" smtClean="0">
+                <a:ln/>
                 <a:solidFill>
-                  <a:schemeClr val="accent1">
-                    <a:satMod val="200000"/>
-                    <a:tint val="72000"/>
-                  </a:schemeClr>
+                  <a:srgbClr val="002060"/>
                 </a:solidFill>
-                <a:prstDash val="solid"/>
-              </a:ln>
+                <a:effectLst/>
+              </a:rPr>
+              <a:t>Signin</a:t>
+            </a:r>
+            <a:endParaRPr lang="en-US" b="1" cap="none" spc="0" dirty="0">
+              <a:ln/>
               <a:solidFill>
-                <a:schemeClr val="accent1">
-                  <a:satMod val="280000"/>
-                  <a:tint val="100000"/>
-                  <a:alpha val="5700"/>
-                </a:schemeClr>
+                <a:srgbClr val="002060"/>
               </a:solidFill>
-              <a:effectLst>
-                <a:outerShdw blurRad="25000" dist="20000" dir="16020000" algn="tl">
-                  <a:schemeClr val="accent1">
-                    <a:satMod val="200000"/>
-                    <a:shade val="1000"/>
-                    <a:alpha val="60000"/>
-                  </a:schemeClr>
-                </a:outerShdw>
-              </a:effectLst>
+              <a:effectLst/>
             </a:endParaRPr>
           </a:p>
         </p:txBody>
@@ -3614,9 +3632,308 @@
           </a:p>
         </p:txBody>
       </p:sp>
+      <p:sp>
+        <p:nvSpPr>
+          <p:cNvPr id="6" name="Rounded Rectangle 5"/>
+          <p:cNvSpPr/>
+          <p:nvPr/>
+        </p:nvSpPr>
+        <p:spPr>
+          <a:xfrm>
+            <a:off x="4283968" y="2852936"/>
+            <a:ext cx="2448272" cy="360040"/>
+          </a:xfrm>
+          <a:prstGeom prst="roundRect">
+            <a:avLst/>
+          </a:prstGeom>
+          <a:solidFill>
+            <a:schemeClr val="bg1">
+              <a:lumMod val="85000"/>
+            </a:schemeClr>
+          </a:solidFill>
+          <a:ln>
+            <a:solidFill>
+              <a:schemeClr val="tx1">
+                <a:lumMod val="65000"/>
+                <a:lumOff val="35000"/>
+              </a:schemeClr>
+            </a:solidFill>
+          </a:ln>
+        </p:spPr>
+        <p:style>
+          <a:lnRef idx="2">
+            <a:schemeClr val="accent1">
+              <a:shade val="50000"/>
+            </a:schemeClr>
+          </a:lnRef>
+          <a:fillRef idx="1">
+            <a:schemeClr val="accent1"/>
+          </a:fillRef>
+          <a:effectRef idx="0">
+            <a:schemeClr val="accent1"/>
+          </a:effectRef>
+          <a:fontRef idx="minor">
+            <a:schemeClr val="lt1"/>
+          </a:fontRef>
+        </p:style>
+        <p:txBody>
+          <a:bodyPr rtlCol="0" anchor="ctr"/>
+          <a:lstStyle/>
+          <a:p>
+            <a:r>
+              <a:rPr lang="en-US" dirty="0" smtClean="0">
+                <a:solidFill>
+                  <a:srgbClr val="002060"/>
+                </a:solidFill>
+              </a:rPr>
+              <a:t>Service</a:t>
+            </a:r>
+            <a:endParaRPr lang="en-US" dirty="0">
+              <a:solidFill>
+                <a:srgbClr val="002060"/>
+              </a:solidFill>
+            </a:endParaRPr>
+          </a:p>
+        </p:txBody>
+      </p:sp>
+      <p:sp>
+        <p:nvSpPr>
+          <p:cNvPr id="7" name="Rounded Rectangle 6"/>
+          <p:cNvSpPr/>
+          <p:nvPr/>
+        </p:nvSpPr>
+        <p:spPr>
+          <a:xfrm>
+            <a:off x="4283968" y="3679281"/>
+            <a:ext cx="1080120" cy="360040"/>
+          </a:xfrm>
+          <a:prstGeom prst="roundRect">
+            <a:avLst/>
+          </a:prstGeom>
+          <a:solidFill>
+            <a:schemeClr val="bg1">
+              <a:lumMod val="85000"/>
+            </a:schemeClr>
+          </a:solidFill>
+          <a:ln>
+            <a:solidFill>
+              <a:schemeClr val="tx1">
+                <a:lumMod val="65000"/>
+                <a:lumOff val="35000"/>
+              </a:schemeClr>
+            </a:solidFill>
+          </a:ln>
+        </p:spPr>
+        <p:style>
+          <a:lnRef idx="2">
+            <a:schemeClr val="accent1">
+              <a:shade val="50000"/>
+            </a:schemeClr>
+          </a:lnRef>
+          <a:fillRef idx="1">
+            <a:schemeClr val="accent1"/>
+          </a:fillRef>
+          <a:effectRef idx="0">
+            <a:schemeClr val="accent1"/>
+          </a:effectRef>
+          <a:fontRef idx="minor">
+            <a:schemeClr val="lt1"/>
+          </a:fontRef>
+        </p:style>
+        <p:txBody>
+          <a:bodyPr rtlCol="0" anchor="ctr"/>
+          <a:lstStyle/>
+          <a:p>
+            <a:pPr algn="ctr"/>
+            <a:r>
+              <a:rPr lang="en-US" dirty="0" smtClean="0">
+                <a:solidFill>
+                  <a:srgbClr val="002060"/>
+                </a:solidFill>
+              </a:rPr>
+              <a:t>from</a:t>
+            </a:r>
+            <a:endParaRPr lang="en-US" dirty="0">
+              <a:solidFill>
+                <a:srgbClr val="002060"/>
+              </a:solidFill>
+            </a:endParaRPr>
+          </a:p>
+        </p:txBody>
+      </p:sp>
+      <p:sp>
+        <p:nvSpPr>
+          <p:cNvPr id="8" name="Rounded Rectangle 7"/>
+          <p:cNvSpPr/>
+          <p:nvPr/>
+        </p:nvSpPr>
+        <p:spPr>
+          <a:xfrm>
+            <a:off x="4283968" y="4437112"/>
+            <a:ext cx="2448272" cy="360040"/>
+          </a:xfrm>
+          <a:prstGeom prst="roundRect">
+            <a:avLst/>
+          </a:prstGeom>
+          <a:solidFill>
+            <a:schemeClr val="bg1">
+              <a:lumMod val="85000"/>
+            </a:schemeClr>
+          </a:solidFill>
+          <a:ln>
+            <a:solidFill>
+              <a:schemeClr val="tx1">
+                <a:lumMod val="65000"/>
+                <a:lumOff val="35000"/>
+              </a:schemeClr>
+            </a:solidFill>
+          </a:ln>
+        </p:spPr>
+        <p:style>
+          <a:lnRef idx="2">
+            <a:schemeClr val="accent1">
+              <a:shade val="50000"/>
+            </a:schemeClr>
+          </a:lnRef>
+          <a:fillRef idx="1">
+            <a:schemeClr val="accent1"/>
+          </a:fillRef>
+          <a:effectRef idx="0">
+            <a:schemeClr val="accent1"/>
+          </a:effectRef>
+          <a:fontRef idx="minor">
+            <a:schemeClr val="lt1"/>
+          </a:fontRef>
+        </p:style>
+        <p:txBody>
+          <a:bodyPr rtlCol="0" anchor="ctr"/>
+          <a:lstStyle/>
+          <a:p>
+            <a:pPr algn="ctr"/>
+            <a:r>
+              <a:rPr lang="en-US" dirty="0" smtClean="0">
+                <a:solidFill>
+                  <a:srgbClr val="002060"/>
+                </a:solidFill>
+              </a:rPr>
+              <a:t>Present address</a:t>
+            </a:r>
+            <a:endParaRPr lang="en-US" dirty="0">
+              <a:solidFill>
+                <a:srgbClr val="002060"/>
+              </a:solidFill>
+            </a:endParaRPr>
+          </a:p>
+        </p:txBody>
+      </p:sp>
+      <p:sp>
+        <p:nvSpPr>
+          <p:cNvPr id="9" name="Rounded Rectangle 8"/>
+          <p:cNvSpPr/>
+          <p:nvPr/>
+        </p:nvSpPr>
+        <p:spPr>
+          <a:xfrm>
+            <a:off x="5652120" y="3679281"/>
+            <a:ext cx="1080120" cy="360040"/>
+          </a:xfrm>
+          <a:prstGeom prst="roundRect">
+            <a:avLst/>
+          </a:prstGeom>
+          <a:solidFill>
+            <a:schemeClr val="bg1">
+              <a:lumMod val="85000"/>
+            </a:schemeClr>
+          </a:solidFill>
+          <a:ln>
+            <a:solidFill>
+              <a:schemeClr val="tx1">
+                <a:lumMod val="65000"/>
+                <a:lumOff val="35000"/>
+              </a:schemeClr>
+            </a:solidFill>
+          </a:ln>
+        </p:spPr>
+        <p:style>
+          <a:lnRef idx="2">
+            <a:schemeClr val="accent1">
+              <a:shade val="50000"/>
+            </a:schemeClr>
+          </a:lnRef>
+          <a:fillRef idx="1">
+            <a:schemeClr val="accent1"/>
+          </a:fillRef>
+          <a:effectRef idx="0">
+            <a:schemeClr val="accent1"/>
+          </a:effectRef>
+          <a:fontRef idx="minor">
+            <a:schemeClr val="lt1"/>
+          </a:fontRef>
+        </p:style>
+        <p:txBody>
+          <a:bodyPr rtlCol="0" anchor="ctr"/>
+          <a:lstStyle/>
+          <a:p>
+            <a:pPr algn="ctr"/>
+            <a:r>
+              <a:rPr lang="en-US" dirty="0" smtClean="0">
+                <a:solidFill>
+                  <a:srgbClr val="002060"/>
+                </a:solidFill>
+              </a:rPr>
+              <a:t>to</a:t>
+            </a:r>
+            <a:endParaRPr lang="en-US" dirty="0">
+              <a:solidFill>
+                <a:srgbClr val="002060"/>
+              </a:solidFill>
+            </a:endParaRPr>
+          </a:p>
+        </p:txBody>
+      </p:sp>
+      <p:sp>
+        <p:nvSpPr>
+          <p:cNvPr id="10" name="Isosceles Triangle 9"/>
+          <p:cNvSpPr/>
+          <p:nvPr/>
+        </p:nvSpPr>
+        <p:spPr>
+          <a:xfrm rot="10800000">
+            <a:off x="6192179" y="2888937"/>
+            <a:ext cx="438231" cy="288035"/>
+          </a:xfrm>
+          <a:prstGeom prst="triangle">
+            <a:avLst/>
+          </a:prstGeom>
+        </p:spPr>
+        <p:style>
+          <a:lnRef idx="2">
+            <a:schemeClr val="accent1">
+              <a:shade val="50000"/>
+            </a:schemeClr>
+          </a:lnRef>
+          <a:fillRef idx="1">
+            <a:schemeClr val="accent1"/>
+          </a:fillRef>
+          <a:effectRef idx="0">
+            <a:schemeClr val="accent1"/>
+          </a:effectRef>
+          <a:fontRef idx="minor">
+            <a:schemeClr val="lt1"/>
+          </a:fontRef>
+        </p:style>
+        <p:txBody>
+          <a:bodyPr rtlCol="0" anchor="ctr"/>
+          <a:lstStyle/>
+          <a:p>
+            <a:pPr algn="ctr"/>
+            <a:endParaRPr lang="en-US"/>
+          </a:p>
+        </p:txBody>
+      </p:sp>
       <p:pic>
         <p:nvPicPr>
-          <p:cNvPr id="5" name="Picture 4"/>
+          <p:cNvPr id="11" name="Picture 10"/>
           <p:cNvPicPr>
             <a:picLocks noChangeAspect="1"/>
           </p:cNvPicPr>
@@ -3636,313 +3953,14 @@
         </p:blipFill>
         <p:spPr>
           <a:xfrm>
-            <a:off x="2506103" y="3435226"/>
-            <a:ext cx="1139858" cy="932611"/>
+            <a:off x="2123728" y="3038821"/>
+            <a:ext cx="1719843" cy="1398291"/>
           </a:xfrm>
           <a:prstGeom prst="rect">
             <a:avLst/>
           </a:prstGeom>
         </p:spPr>
       </p:pic>
-      <p:sp>
-        <p:nvSpPr>
-          <p:cNvPr id="6" name="Rounded Rectangle 5"/>
-          <p:cNvSpPr/>
-          <p:nvPr/>
-        </p:nvSpPr>
-        <p:spPr>
-          <a:xfrm>
-            <a:off x="4283968" y="2852936"/>
-            <a:ext cx="2448272" cy="360040"/>
-          </a:xfrm>
-          <a:prstGeom prst="roundRect">
-            <a:avLst/>
-          </a:prstGeom>
-          <a:solidFill>
-            <a:schemeClr val="bg1">
-              <a:lumMod val="85000"/>
-            </a:schemeClr>
-          </a:solidFill>
-          <a:ln>
-            <a:solidFill>
-              <a:schemeClr val="tx1">
-                <a:lumMod val="65000"/>
-                <a:lumOff val="35000"/>
-              </a:schemeClr>
-            </a:solidFill>
-          </a:ln>
-        </p:spPr>
-        <p:style>
-          <a:lnRef idx="2">
-            <a:schemeClr val="accent1">
-              <a:shade val="50000"/>
-            </a:schemeClr>
-          </a:lnRef>
-          <a:fillRef idx="1">
-            <a:schemeClr val="accent1"/>
-          </a:fillRef>
-          <a:effectRef idx="0">
-            <a:schemeClr val="accent1"/>
-          </a:effectRef>
-          <a:fontRef idx="minor">
-            <a:schemeClr val="lt1"/>
-          </a:fontRef>
-        </p:style>
-        <p:txBody>
-          <a:bodyPr rtlCol="0" anchor="ctr"/>
-          <a:lstStyle/>
-          <a:p>
-            <a:r>
-              <a:rPr lang="en-US" dirty="0" smtClean="0">
-                <a:solidFill>
-                  <a:srgbClr val="002060"/>
-                </a:solidFill>
-              </a:rPr>
-              <a:t>Service</a:t>
-            </a:r>
-            <a:endParaRPr lang="en-US" dirty="0">
-              <a:solidFill>
-                <a:srgbClr val="002060"/>
-              </a:solidFill>
-            </a:endParaRPr>
-          </a:p>
-        </p:txBody>
-      </p:sp>
-      <p:sp>
-        <p:nvSpPr>
-          <p:cNvPr id="7" name="Rounded Rectangle 6"/>
-          <p:cNvSpPr/>
-          <p:nvPr/>
-        </p:nvSpPr>
-        <p:spPr>
-          <a:xfrm>
-            <a:off x="4283968" y="3679281"/>
-            <a:ext cx="1080120" cy="360040"/>
-          </a:xfrm>
-          <a:prstGeom prst="roundRect">
-            <a:avLst/>
-          </a:prstGeom>
-          <a:solidFill>
-            <a:schemeClr val="bg1">
-              <a:lumMod val="85000"/>
-            </a:schemeClr>
-          </a:solidFill>
-          <a:ln>
-            <a:solidFill>
-              <a:schemeClr val="tx1">
-                <a:lumMod val="65000"/>
-                <a:lumOff val="35000"/>
-              </a:schemeClr>
-            </a:solidFill>
-          </a:ln>
-        </p:spPr>
-        <p:style>
-          <a:lnRef idx="2">
-            <a:schemeClr val="accent1">
-              <a:shade val="50000"/>
-            </a:schemeClr>
-          </a:lnRef>
-          <a:fillRef idx="1">
-            <a:schemeClr val="accent1"/>
-          </a:fillRef>
-          <a:effectRef idx="0">
-            <a:schemeClr val="accent1"/>
-          </a:effectRef>
-          <a:fontRef idx="minor">
-            <a:schemeClr val="lt1"/>
-          </a:fontRef>
-        </p:style>
-        <p:txBody>
-          <a:bodyPr rtlCol="0" anchor="ctr"/>
-          <a:lstStyle/>
-          <a:p>
-            <a:pPr algn="ctr"/>
-            <a:r>
-              <a:rPr lang="en-US" dirty="0" smtClean="0">
-                <a:solidFill>
-                  <a:srgbClr val="002060"/>
-                </a:solidFill>
-              </a:rPr>
-              <a:t>from</a:t>
-            </a:r>
-            <a:endParaRPr lang="en-US" dirty="0">
-              <a:solidFill>
-                <a:srgbClr val="002060"/>
-              </a:solidFill>
-            </a:endParaRPr>
-          </a:p>
-        </p:txBody>
-      </p:sp>
-      <p:sp>
-        <p:nvSpPr>
-          <p:cNvPr id="8" name="Rounded Rectangle 7"/>
-          <p:cNvSpPr/>
-          <p:nvPr/>
-        </p:nvSpPr>
-        <p:spPr>
-          <a:xfrm>
-            <a:off x="4283968" y="4437112"/>
-            <a:ext cx="2448272" cy="360040"/>
-          </a:xfrm>
-          <a:prstGeom prst="roundRect">
-            <a:avLst/>
-          </a:prstGeom>
-          <a:solidFill>
-            <a:schemeClr val="bg1">
-              <a:lumMod val="85000"/>
-            </a:schemeClr>
-          </a:solidFill>
-          <a:ln>
-            <a:solidFill>
-              <a:schemeClr val="tx1">
-                <a:lumMod val="65000"/>
-                <a:lumOff val="35000"/>
-              </a:schemeClr>
-            </a:solidFill>
-          </a:ln>
-        </p:spPr>
-        <p:style>
-          <a:lnRef idx="2">
-            <a:schemeClr val="accent1">
-              <a:shade val="50000"/>
-            </a:schemeClr>
-          </a:lnRef>
-          <a:fillRef idx="1">
-            <a:schemeClr val="accent1"/>
-          </a:fillRef>
-          <a:effectRef idx="0">
-            <a:schemeClr val="accent1"/>
-          </a:effectRef>
-          <a:fontRef idx="minor">
-            <a:schemeClr val="lt1"/>
-          </a:fontRef>
-        </p:style>
-        <p:txBody>
-          <a:bodyPr rtlCol="0" anchor="ctr"/>
-          <a:lstStyle/>
-          <a:p>
-            <a:pPr algn="ctr"/>
-            <a:r>
-              <a:rPr lang="en-US" dirty="0" smtClean="0">
-                <a:solidFill>
-                  <a:srgbClr val="002060"/>
-                </a:solidFill>
-              </a:rPr>
-              <a:t>Present address</a:t>
-            </a:r>
-            <a:endParaRPr lang="en-US" dirty="0">
-              <a:solidFill>
-                <a:srgbClr val="002060"/>
-              </a:solidFill>
-            </a:endParaRPr>
-          </a:p>
-        </p:txBody>
-      </p:sp>
-      <p:sp>
-        <p:nvSpPr>
-          <p:cNvPr id="9" name="Rounded Rectangle 8"/>
-          <p:cNvSpPr/>
-          <p:nvPr/>
-        </p:nvSpPr>
-        <p:spPr>
-          <a:xfrm>
-            <a:off x="5652120" y="3679281"/>
-            <a:ext cx="1080120" cy="360040"/>
-          </a:xfrm>
-          <a:prstGeom prst="roundRect">
-            <a:avLst/>
-          </a:prstGeom>
-          <a:solidFill>
-            <a:schemeClr val="bg1">
-              <a:lumMod val="85000"/>
-            </a:schemeClr>
-          </a:solidFill>
-          <a:ln>
-            <a:solidFill>
-              <a:schemeClr val="tx1">
-                <a:lumMod val="65000"/>
-                <a:lumOff val="35000"/>
-              </a:schemeClr>
-            </a:solidFill>
-          </a:ln>
-        </p:spPr>
-        <p:style>
-          <a:lnRef idx="2">
-            <a:schemeClr val="accent1">
-              <a:shade val="50000"/>
-            </a:schemeClr>
-          </a:lnRef>
-          <a:fillRef idx="1">
-            <a:schemeClr val="accent1"/>
-          </a:fillRef>
-          <a:effectRef idx="0">
-            <a:schemeClr val="accent1"/>
-          </a:effectRef>
-          <a:fontRef idx="minor">
-            <a:schemeClr val="lt1"/>
-          </a:fontRef>
-        </p:style>
-        <p:txBody>
-          <a:bodyPr rtlCol="0" anchor="ctr"/>
-          <a:lstStyle/>
-          <a:p>
-            <a:pPr algn="ctr"/>
-            <a:r>
-              <a:rPr lang="en-US" dirty="0" smtClean="0">
-                <a:solidFill>
-                  <a:srgbClr val="002060"/>
-                </a:solidFill>
-              </a:rPr>
-              <a:t>to</a:t>
-            </a:r>
-            <a:endParaRPr lang="en-US" dirty="0">
-              <a:solidFill>
-                <a:srgbClr val="002060"/>
-              </a:solidFill>
-            </a:endParaRPr>
-          </a:p>
-        </p:txBody>
-      </p:sp>
-      <p:sp>
-        <p:nvSpPr>
-          <p:cNvPr id="10" name="Isosceles Triangle 9"/>
-          <p:cNvSpPr/>
-          <p:nvPr/>
-        </p:nvSpPr>
-        <p:spPr>
-          <a:xfrm rot="10800000">
-            <a:off x="6192179" y="2888937"/>
-            <a:ext cx="438231" cy="288035"/>
-          </a:xfrm>
-          <a:prstGeom prst="triangle">
-            <a:avLst/>
-          </a:prstGeom>
-        </p:spPr>
-        <p:style>
-          <a:lnRef idx="2">
-            <a:schemeClr val="accent1">
-              <a:shade val="50000"/>
-            </a:schemeClr>
-          </a:lnRef>
-          <a:fillRef idx="1">
-            <a:schemeClr val="accent1"/>
-          </a:fillRef>
-          <a:effectRef idx="0">
-            <a:schemeClr val="accent1"/>
-          </a:effectRef>
-          <a:fontRef idx="minor">
-            <a:schemeClr val="lt1"/>
-          </a:fontRef>
-        </p:style>
-        <p:txBody>
-          <a:bodyPr rtlCol="0" anchor="ctr"/>
-          <a:lstStyle/>
-          <a:p>
-            <a:pPr algn="ctr"/>
-            <a:endParaRPr lang="en-US"/>
-          </a:p>
-        </p:txBody>
-      </p:sp>
     </p:spTree>
     <p:extLst>
       <p:ext uri="{BB962C8B-B14F-4D97-AF65-F5344CB8AC3E}">
@@ -4048,9 +4066,310 @@
           </a:p>
         </p:txBody>
       </p:sp>
+      <p:sp>
+        <p:nvSpPr>
+          <p:cNvPr id="6" name="Rounded Rectangle 5"/>
+          <p:cNvSpPr/>
+          <p:nvPr/>
+        </p:nvSpPr>
+        <p:spPr>
+          <a:xfrm>
+            <a:off x="1270754" y="3657001"/>
+            <a:ext cx="1800200" cy="360040"/>
+          </a:xfrm>
+          <a:prstGeom prst="roundRect">
+            <a:avLst/>
+          </a:prstGeom>
+          <a:solidFill>
+            <a:schemeClr val="bg1">
+              <a:lumMod val="85000"/>
+            </a:schemeClr>
+          </a:solidFill>
+          <a:ln>
+            <a:solidFill>
+              <a:schemeClr val="tx1">
+                <a:lumMod val="65000"/>
+                <a:lumOff val="35000"/>
+              </a:schemeClr>
+            </a:solidFill>
+          </a:ln>
+        </p:spPr>
+        <p:style>
+          <a:lnRef idx="2">
+            <a:schemeClr val="accent1">
+              <a:shade val="50000"/>
+            </a:schemeClr>
+          </a:lnRef>
+          <a:fillRef idx="1">
+            <a:schemeClr val="accent1"/>
+          </a:fillRef>
+          <a:effectRef idx="0">
+            <a:schemeClr val="accent1"/>
+          </a:effectRef>
+          <a:fontRef idx="minor">
+            <a:schemeClr val="lt1"/>
+          </a:fontRef>
+        </p:style>
+        <p:txBody>
+          <a:bodyPr rtlCol="0" anchor="ctr"/>
+          <a:lstStyle/>
+          <a:p>
+            <a:r>
+              <a:rPr lang="en-US" dirty="0" smtClean="0">
+                <a:solidFill>
+                  <a:srgbClr val="002060"/>
+                </a:solidFill>
+              </a:rPr>
+              <a:t>Phone no.</a:t>
+            </a:r>
+            <a:endParaRPr lang="en-US" dirty="0">
+              <a:solidFill>
+                <a:srgbClr val="002060"/>
+              </a:solidFill>
+            </a:endParaRPr>
+          </a:p>
+        </p:txBody>
+      </p:sp>
+      <p:sp>
+        <p:nvSpPr>
+          <p:cNvPr id="7" name="Rounded Rectangle 6"/>
+          <p:cNvSpPr/>
+          <p:nvPr/>
+        </p:nvSpPr>
+        <p:spPr>
+          <a:xfrm>
+            <a:off x="1270754" y="4151682"/>
+            <a:ext cx="1800200" cy="360040"/>
+          </a:xfrm>
+          <a:prstGeom prst="roundRect">
+            <a:avLst/>
+          </a:prstGeom>
+          <a:solidFill>
+            <a:schemeClr val="bg1">
+              <a:lumMod val="85000"/>
+            </a:schemeClr>
+          </a:solidFill>
+          <a:ln>
+            <a:solidFill>
+              <a:schemeClr val="tx1">
+                <a:lumMod val="65000"/>
+                <a:lumOff val="35000"/>
+              </a:schemeClr>
+            </a:solidFill>
+          </a:ln>
+        </p:spPr>
+        <p:style>
+          <a:lnRef idx="2">
+            <a:schemeClr val="accent1">
+              <a:shade val="50000"/>
+            </a:schemeClr>
+          </a:lnRef>
+          <a:fillRef idx="1">
+            <a:schemeClr val="accent1"/>
+          </a:fillRef>
+          <a:effectRef idx="0">
+            <a:schemeClr val="accent1"/>
+          </a:effectRef>
+          <a:fontRef idx="minor">
+            <a:schemeClr val="lt1"/>
+          </a:fontRef>
+        </p:style>
+        <p:txBody>
+          <a:bodyPr rtlCol="0" anchor="ctr"/>
+          <a:lstStyle/>
+          <a:p>
+            <a:r>
+              <a:rPr lang="en-US" dirty="0" smtClean="0">
+                <a:solidFill>
+                  <a:srgbClr val="002060"/>
+                </a:solidFill>
+              </a:rPr>
+              <a:t>Password</a:t>
+            </a:r>
+            <a:endParaRPr lang="en-US" dirty="0">
+              <a:solidFill>
+                <a:srgbClr val="002060"/>
+              </a:solidFill>
+            </a:endParaRPr>
+          </a:p>
+        </p:txBody>
+      </p:sp>
+      <p:sp>
+        <p:nvSpPr>
+          <p:cNvPr id="8" name="Rounded Rectangle 7"/>
+          <p:cNvSpPr/>
+          <p:nvPr/>
+        </p:nvSpPr>
+        <p:spPr>
+          <a:xfrm rot="5400000">
+            <a:off x="5148064" y="1352745"/>
+            <a:ext cx="2438400" cy="4608512"/>
+          </a:xfrm>
+          <a:prstGeom prst="roundRect">
+            <a:avLst>
+              <a:gd name="adj" fmla="val 4324"/>
+            </a:avLst>
+          </a:prstGeom>
+          <a:solidFill>
+            <a:schemeClr val="bg1"/>
+          </a:solidFill>
+        </p:spPr>
+        <p:style>
+          <a:lnRef idx="2">
+            <a:schemeClr val="accent1">
+              <a:shade val="50000"/>
+            </a:schemeClr>
+          </a:lnRef>
+          <a:fillRef idx="1">
+            <a:schemeClr val="accent1"/>
+          </a:fillRef>
+          <a:effectRef idx="0">
+            <a:schemeClr val="accent1"/>
+          </a:effectRef>
+          <a:fontRef idx="minor">
+            <a:schemeClr val="lt1"/>
+          </a:fontRef>
+        </p:style>
+        <p:txBody>
+          <a:bodyPr rtlCol="0" anchor="ctr"/>
+          <a:lstStyle/>
+          <a:p>
+            <a:pPr algn="ctr"/>
+            <a:endParaRPr lang="en-US"/>
+          </a:p>
+        </p:txBody>
+      </p:sp>
+      <p:sp>
+        <p:nvSpPr>
+          <p:cNvPr id="10" name="Rounded Rectangle 9"/>
+          <p:cNvSpPr/>
+          <p:nvPr/>
+        </p:nvSpPr>
+        <p:spPr>
+          <a:xfrm>
+            <a:off x="6160393" y="3147582"/>
+            <a:ext cx="1800200" cy="360040"/>
+          </a:xfrm>
+          <a:prstGeom prst="roundRect">
+            <a:avLst/>
+          </a:prstGeom>
+          <a:solidFill>
+            <a:schemeClr val="bg1">
+              <a:lumMod val="85000"/>
+            </a:schemeClr>
+          </a:solidFill>
+          <a:ln>
+            <a:solidFill>
+              <a:schemeClr val="tx1">
+                <a:lumMod val="65000"/>
+                <a:lumOff val="35000"/>
+              </a:schemeClr>
+            </a:solidFill>
+          </a:ln>
+        </p:spPr>
+        <p:style>
+          <a:lnRef idx="2">
+            <a:schemeClr val="accent1">
+              <a:shade val="50000"/>
+            </a:schemeClr>
+          </a:lnRef>
+          <a:fillRef idx="1">
+            <a:schemeClr val="accent1"/>
+          </a:fillRef>
+          <a:effectRef idx="0">
+            <a:schemeClr val="accent1"/>
+          </a:effectRef>
+          <a:fontRef idx="minor">
+            <a:schemeClr val="lt1"/>
+          </a:fontRef>
+        </p:style>
+        <p:txBody>
+          <a:bodyPr rtlCol="0" anchor="ctr"/>
+          <a:lstStyle/>
+          <a:p>
+            <a:r>
+              <a:rPr lang="en-US" dirty="0" smtClean="0">
+                <a:solidFill>
+                  <a:srgbClr val="002060"/>
+                </a:solidFill>
+              </a:rPr>
+              <a:t>Phone no.</a:t>
+            </a:r>
+            <a:endParaRPr lang="en-US" dirty="0">
+              <a:solidFill>
+                <a:srgbClr val="002060"/>
+              </a:solidFill>
+            </a:endParaRPr>
+          </a:p>
+        </p:txBody>
+      </p:sp>
+      <p:sp>
+        <p:nvSpPr>
+          <p:cNvPr id="11" name="Rounded Rectangle 10"/>
+          <p:cNvSpPr/>
+          <p:nvPr/>
+        </p:nvSpPr>
+        <p:spPr>
+          <a:xfrm>
+            <a:off x="6160393" y="3743478"/>
+            <a:ext cx="1800200" cy="360040"/>
+          </a:xfrm>
+          <a:prstGeom prst="roundRect">
+            <a:avLst/>
+          </a:prstGeom>
+          <a:solidFill>
+            <a:schemeClr val="bg1">
+              <a:lumMod val="85000"/>
+            </a:schemeClr>
+          </a:solidFill>
+          <a:ln>
+            <a:solidFill>
+              <a:schemeClr val="tx1">
+                <a:lumMod val="65000"/>
+                <a:lumOff val="35000"/>
+              </a:schemeClr>
+            </a:solidFill>
+          </a:ln>
+        </p:spPr>
+        <p:style>
+          <a:lnRef idx="2">
+            <a:schemeClr val="accent1">
+              <a:shade val="50000"/>
+            </a:schemeClr>
+          </a:lnRef>
+          <a:fillRef idx="1">
+            <a:schemeClr val="accent1"/>
+          </a:fillRef>
+          <a:effectRef idx="0">
+            <a:schemeClr val="accent1"/>
+          </a:effectRef>
+          <a:fontRef idx="minor">
+            <a:schemeClr val="lt1"/>
+          </a:fontRef>
+        </p:style>
+        <p:txBody>
+          <a:bodyPr rtlCol="0" anchor="ctr"/>
+          <a:lstStyle/>
+          <a:p>
+            <a:r>
+              <a:rPr lang="en-US" dirty="0" smtClean="0">
+                <a:solidFill>
+                  <a:srgbClr val="002060"/>
+                </a:solidFill>
+              </a:rPr>
+              <a:t>Password</a:t>
+            </a:r>
+            <a:endParaRPr lang="en-US" dirty="0">
+              <a:solidFill>
+                <a:srgbClr val="002060"/>
+              </a:solidFill>
+            </a:endParaRPr>
+          </a:p>
+        </p:txBody>
+      </p:sp>
       <p:pic>
         <p:nvPicPr>
-          <p:cNvPr id="5" name="Picture 4"/>
+          <p:cNvPr id="14" name="Picture 13"/>
           <p:cNvPicPr>
             <a:picLocks noChangeAspect="1"/>
           </p:cNvPicPr>
@@ -4070,197 +4389,24 @@
         </p:blipFill>
         <p:spPr>
           <a:xfrm>
-            <a:off x="1558786" y="2462643"/>
-            <a:ext cx="1157595" cy="947123"/>
+            <a:off x="1412758" y="1916832"/>
+            <a:ext cx="1431050" cy="1163492"/>
           </a:xfrm>
           <a:prstGeom prst="rect">
             <a:avLst/>
           </a:prstGeom>
         </p:spPr>
       </p:pic>
-      <p:sp>
-        <p:nvSpPr>
-          <p:cNvPr id="6" name="Rounded Rectangle 5"/>
-          <p:cNvSpPr/>
-          <p:nvPr/>
-        </p:nvSpPr>
-        <p:spPr>
-          <a:xfrm>
-            <a:off x="1270754" y="3657001"/>
-            <a:ext cx="1800200" cy="360040"/>
-          </a:xfrm>
-          <a:prstGeom prst="roundRect">
-            <a:avLst/>
-          </a:prstGeom>
-          <a:solidFill>
-            <a:schemeClr val="bg1">
-              <a:lumMod val="85000"/>
-            </a:schemeClr>
-          </a:solidFill>
-          <a:ln>
-            <a:solidFill>
-              <a:schemeClr val="tx1">
-                <a:lumMod val="65000"/>
-                <a:lumOff val="35000"/>
-              </a:schemeClr>
-            </a:solidFill>
-          </a:ln>
-        </p:spPr>
-        <p:style>
-          <a:lnRef idx="2">
-            <a:schemeClr val="accent1">
-              <a:shade val="50000"/>
-            </a:schemeClr>
-          </a:lnRef>
-          <a:fillRef idx="1">
-            <a:schemeClr val="accent1"/>
-          </a:fillRef>
-          <a:effectRef idx="0">
-            <a:schemeClr val="accent1"/>
-          </a:effectRef>
-          <a:fontRef idx="minor">
-            <a:schemeClr val="lt1"/>
-          </a:fontRef>
-        </p:style>
-        <p:txBody>
-          <a:bodyPr rtlCol="0" anchor="ctr"/>
-          <a:lstStyle/>
-          <a:p>
-            <a:r>
-              <a:rPr lang="en-US" dirty="0" smtClean="0">
-                <a:solidFill>
-                  <a:srgbClr val="002060"/>
-                </a:solidFill>
-              </a:rPr>
-              <a:t>Phone no.</a:t>
-            </a:r>
-            <a:endParaRPr lang="en-US" dirty="0">
-              <a:solidFill>
-                <a:srgbClr val="002060"/>
-              </a:solidFill>
-            </a:endParaRPr>
-          </a:p>
-        </p:txBody>
-      </p:sp>
-      <p:sp>
-        <p:nvSpPr>
-          <p:cNvPr id="7" name="Rounded Rectangle 6"/>
-          <p:cNvSpPr/>
-          <p:nvPr/>
-        </p:nvSpPr>
-        <p:spPr>
-          <a:xfrm>
-            <a:off x="1270754" y="4151682"/>
-            <a:ext cx="1800200" cy="360040"/>
-          </a:xfrm>
-          <a:prstGeom prst="roundRect">
-            <a:avLst/>
-          </a:prstGeom>
-          <a:solidFill>
-            <a:schemeClr val="bg1">
-              <a:lumMod val="85000"/>
-            </a:schemeClr>
-          </a:solidFill>
-          <a:ln>
-            <a:solidFill>
-              <a:schemeClr val="tx1">
-                <a:lumMod val="65000"/>
-                <a:lumOff val="35000"/>
-              </a:schemeClr>
-            </a:solidFill>
-          </a:ln>
-        </p:spPr>
-        <p:style>
-          <a:lnRef idx="2">
-            <a:schemeClr val="accent1">
-              <a:shade val="50000"/>
-            </a:schemeClr>
-          </a:lnRef>
-          <a:fillRef idx="1">
-            <a:schemeClr val="accent1"/>
-          </a:fillRef>
-          <a:effectRef idx="0">
-            <a:schemeClr val="accent1"/>
-          </a:effectRef>
-          <a:fontRef idx="minor">
-            <a:schemeClr val="lt1"/>
-          </a:fontRef>
-        </p:style>
-        <p:txBody>
-          <a:bodyPr rtlCol="0" anchor="ctr"/>
-          <a:lstStyle/>
-          <a:p>
-            <a:r>
-              <a:rPr lang="en-US" dirty="0" smtClean="0">
-                <a:solidFill>
-                  <a:srgbClr val="002060"/>
-                </a:solidFill>
-              </a:rPr>
-              <a:t>Password</a:t>
-            </a:r>
-            <a:endParaRPr lang="en-US" dirty="0">
-              <a:solidFill>
-                <a:srgbClr val="002060"/>
-              </a:solidFill>
-            </a:endParaRPr>
-          </a:p>
-        </p:txBody>
-      </p:sp>
-      <p:sp>
-        <p:nvSpPr>
-          <p:cNvPr id="8" name="Rounded Rectangle 7"/>
-          <p:cNvSpPr/>
-          <p:nvPr/>
-        </p:nvSpPr>
-        <p:spPr>
-          <a:xfrm rot="5400000">
-            <a:off x="5148064" y="1352745"/>
-            <a:ext cx="2438400" cy="4608512"/>
-          </a:xfrm>
-          <a:prstGeom prst="roundRect">
-            <a:avLst>
-              <a:gd name="adj" fmla="val 4324"/>
-            </a:avLst>
-          </a:prstGeom>
-          <a:solidFill>
-            <a:schemeClr val="bg1"/>
-          </a:solidFill>
-        </p:spPr>
-        <p:style>
-          <a:lnRef idx="2">
-            <a:schemeClr val="accent1">
-              <a:shade val="50000"/>
-            </a:schemeClr>
-          </a:lnRef>
-          <a:fillRef idx="1">
-            <a:schemeClr val="accent1"/>
-          </a:fillRef>
-          <a:effectRef idx="0">
-            <a:schemeClr val="accent1"/>
-          </a:effectRef>
-          <a:fontRef idx="minor">
-            <a:schemeClr val="lt1"/>
-          </a:fontRef>
-        </p:style>
-        <p:txBody>
-          <a:bodyPr rtlCol="0" anchor="ctr"/>
-          <a:lstStyle/>
-          <a:p>
-            <a:pPr algn="ctr"/>
-            <a:endParaRPr lang="en-US"/>
-          </a:p>
-        </p:txBody>
-      </p:sp>
       <p:pic>
         <p:nvPicPr>
-          <p:cNvPr id="9" name="Picture 8"/>
+          <p:cNvPr id="15" name="Picture 14"/>
           <p:cNvPicPr>
             <a:picLocks noChangeAspect="1"/>
           </p:cNvPicPr>
           <p:nvPr/>
         </p:nvPicPr>
         <p:blipFill>
-          <a:blip r:embed="rId2" cstate="print">
+          <a:blip r:embed="rId3" cstate="print">
             <a:extLst>
               <a:ext uri="{28A0092B-C50C-407E-A947-70E740481C1C}">
                 <a14:useLocalDpi xmlns:a14="http://schemas.microsoft.com/office/drawing/2010/main" val="0"/>
@@ -4273,8 +4419,8 @@
         </p:blipFill>
         <p:spPr>
           <a:xfrm>
-            <a:off x="4860032" y="3162036"/>
-            <a:ext cx="1157595" cy="947123"/>
+            <a:off x="4427984" y="3062798"/>
+            <a:ext cx="1456421" cy="1184120"/>
           </a:xfrm>
           <a:prstGeom prst="rect">
             <a:avLst/>
@@ -4283,141 +4429,13 @@
       </p:pic>
       <p:sp>
         <p:nvSpPr>
-          <p:cNvPr id="10" name="Rounded Rectangle 9"/>
+          <p:cNvPr id="16" name="Rectangle 15"/>
           <p:cNvSpPr/>
           <p:nvPr/>
         </p:nvSpPr>
         <p:spPr>
           <a:xfrm>
-            <a:off x="6160393" y="3147582"/>
-            <a:ext cx="1800200" cy="360040"/>
-          </a:xfrm>
-          <a:prstGeom prst="roundRect">
-            <a:avLst/>
-          </a:prstGeom>
-          <a:solidFill>
-            <a:schemeClr val="bg1">
-              <a:lumMod val="85000"/>
-            </a:schemeClr>
-          </a:solidFill>
-          <a:ln>
-            <a:solidFill>
-              <a:schemeClr val="tx1">
-                <a:lumMod val="65000"/>
-                <a:lumOff val="35000"/>
-              </a:schemeClr>
-            </a:solidFill>
-          </a:ln>
-        </p:spPr>
-        <p:style>
-          <a:lnRef idx="2">
-            <a:schemeClr val="accent1">
-              <a:shade val="50000"/>
-            </a:schemeClr>
-          </a:lnRef>
-          <a:fillRef idx="1">
-            <a:schemeClr val="accent1"/>
-          </a:fillRef>
-          <a:effectRef idx="0">
-            <a:schemeClr val="accent1"/>
-          </a:effectRef>
-          <a:fontRef idx="minor">
-            <a:schemeClr val="lt1"/>
-          </a:fontRef>
-        </p:style>
-        <p:txBody>
-          <a:bodyPr rtlCol="0" anchor="ctr"/>
-          <a:lstStyle/>
-          <a:p>
-            <a:r>
-              <a:rPr lang="en-US" dirty="0" smtClean="0">
-                <a:solidFill>
-                  <a:srgbClr val="002060"/>
-                </a:solidFill>
-              </a:rPr>
-              <a:t>Phone no.</a:t>
-            </a:r>
-            <a:endParaRPr lang="en-US" dirty="0">
-              <a:solidFill>
-                <a:srgbClr val="002060"/>
-              </a:solidFill>
-            </a:endParaRPr>
-          </a:p>
-        </p:txBody>
-      </p:sp>
-      <p:sp>
-        <p:nvSpPr>
-          <p:cNvPr id="11" name="Rounded Rectangle 10"/>
-          <p:cNvSpPr/>
-          <p:nvPr/>
-        </p:nvSpPr>
-        <p:spPr>
-          <a:xfrm>
-            <a:off x="6160393" y="3743478"/>
-            <a:ext cx="1800200" cy="360040"/>
-          </a:xfrm>
-          <a:prstGeom prst="roundRect">
-            <a:avLst/>
-          </a:prstGeom>
-          <a:solidFill>
-            <a:schemeClr val="bg1">
-              <a:lumMod val="85000"/>
-            </a:schemeClr>
-          </a:solidFill>
-          <a:ln>
-            <a:solidFill>
-              <a:schemeClr val="tx1">
-                <a:lumMod val="65000"/>
-                <a:lumOff val="35000"/>
-              </a:schemeClr>
-            </a:solidFill>
-          </a:ln>
-        </p:spPr>
-        <p:style>
-          <a:lnRef idx="2">
-            <a:schemeClr val="accent1">
-              <a:shade val="50000"/>
-            </a:schemeClr>
-          </a:lnRef>
-          <a:fillRef idx="1">
-            <a:schemeClr val="accent1"/>
-          </a:fillRef>
-          <a:effectRef idx="0">
-            <a:schemeClr val="accent1"/>
-          </a:effectRef>
-          <a:fontRef idx="minor">
-            <a:schemeClr val="lt1"/>
-          </a:fontRef>
-        </p:style>
-        <p:txBody>
-          <a:bodyPr rtlCol="0" anchor="ctr"/>
-          <a:lstStyle/>
-          <a:p>
-            <a:r>
-              <a:rPr lang="en-US" dirty="0" smtClean="0">
-                <a:solidFill>
-                  <a:srgbClr val="002060"/>
-                </a:solidFill>
-              </a:rPr>
-              <a:t>Password</a:t>
-            </a:r>
-            <a:endParaRPr lang="en-US" dirty="0">
-              <a:solidFill>
-                <a:srgbClr val="002060"/>
-              </a:solidFill>
-            </a:endParaRPr>
-          </a:p>
-        </p:txBody>
-      </p:sp>
-      <p:sp>
-        <p:nvSpPr>
-          <p:cNvPr id="12" name="Rectangle 11"/>
-          <p:cNvSpPr/>
-          <p:nvPr/>
-        </p:nvSpPr>
-        <p:spPr>
-          <a:xfrm>
-            <a:off x="2078304" y="4676085"/>
+            <a:off x="6084168" y="4169500"/>
             <a:ext cx="949298" cy="369332"/>
           </a:xfrm>
           <a:prstGeom prst="rect">
@@ -4428,99 +4446,57 @@
         <p:txBody>
           <a:bodyPr wrap="none" lIns="91440" tIns="45720" rIns="91440" bIns="45720">
             <a:spAutoFit/>
+            <a:scene3d>
+              <a:camera prst="orthographicFront"/>
+              <a:lightRig rig="flat" dir="t">
+                <a:rot lat="0" lon="0" rev="18900000"/>
+              </a:lightRig>
+            </a:scene3d>
+            <a:sp3d extrusionH="31750" contourW="6350" prstMaterial="powder">
+              <a:bevelT w="19050" h="19050" prst="angle"/>
+              <a:contourClr>
+                <a:schemeClr val="accent3">
+                  <a:tint val="100000"/>
+                  <a:shade val="100000"/>
+                  <a:satMod val="100000"/>
+                  <a:hueMod val="100000"/>
+                </a:schemeClr>
+              </a:contourClr>
+            </a:sp3d>
           </a:bodyPr>
           <a:lstStyle/>
           <a:p>
             <a:pPr algn="ctr"/>
             <a:r>
-              <a:rPr lang="en-US" b="1" dirty="0" smtClean="0">
-                <a:ln w="10541" cmpd="sng">
-                  <a:solidFill>
-                    <a:schemeClr val="accent1">
-                      <a:shade val="88000"/>
-                      <a:satMod val="110000"/>
-                    </a:schemeClr>
-                  </a:solidFill>
-                  <a:prstDash val="solid"/>
-                </a:ln>
-                <a:gradFill>
-                  <a:gsLst>
-                    <a:gs pos="0">
-                      <a:schemeClr val="accent1">
-                        <a:tint val="40000"/>
-                        <a:satMod val="250000"/>
-                      </a:schemeClr>
-                    </a:gs>
-                    <a:gs pos="9000">
-                      <a:schemeClr val="accent1">
-                        <a:tint val="52000"/>
-                        <a:satMod val="300000"/>
-                      </a:schemeClr>
-                    </a:gs>
-                    <a:gs pos="50000">
-                      <a:schemeClr val="accent1">
-                        <a:shade val="20000"/>
-                        <a:satMod val="300000"/>
-                      </a:schemeClr>
-                    </a:gs>
-                    <a:gs pos="79000">
-                      <a:schemeClr val="accent1">
-                        <a:tint val="52000"/>
-                        <a:satMod val="300000"/>
-                      </a:schemeClr>
-                    </a:gs>
-                    <a:gs pos="100000">
-                      <a:schemeClr val="accent1">
-                        <a:tint val="40000"/>
-                        <a:satMod val="250000"/>
-                      </a:schemeClr>
-                    </a:gs>
-                  </a:gsLst>
-                  <a:lin ang="5400000"/>
-                </a:gradFill>
+              <a:rPr lang="en-US" b="1" cap="none" spc="0" dirty="0" smtClean="0">
+                <a:ln/>
+                <a:solidFill>
+                  <a:srgbClr val="002060"/>
+                </a:solidFill>
+                <a:effectLst/>
               </a:rPr>
               <a:t>Signup</a:t>
             </a:r>
-            <a:endParaRPr lang="en-US" b="1" cap="none" spc="100" dirty="0">
-              <a:ln w="18000">
-                <a:solidFill>
-                  <a:schemeClr val="accent1">
-                    <a:satMod val="200000"/>
-                    <a:tint val="72000"/>
-                  </a:schemeClr>
-                </a:solidFill>
-                <a:prstDash val="solid"/>
-              </a:ln>
+            <a:endParaRPr lang="en-US" b="1" cap="none" spc="0" dirty="0">
+              <a:ln/>
               <a:solidFill>
-                <a:schemeClr val="accent1">
-                  <a:satMod val="280000"/>
-                  <a:tint val="100000"/>
-                  <a:alpha val="5700"/>
-                </a:schemeClr>
+                <a:srgbClr val="002060"/>
               </a:solidFill>
-              <a:effectLst>
-                <a:outerShdw blurRad="25000" dist="20000" dir="16020000" algn="tl">
-                  <a:schemeClr val="accent1">
-                    <a:satMod val="200000"/>
-                    <a:shade val="1000"/>
-                    <a:alpha val="60000"/>
-                  </a:schemeClr>
-                </a:outerShdw>
-              </a:effectLst>
+              <a:effectLst/>
             </a:endParaRPr>
           </a:p>
         </p:txBody>
       </p:sp>
       <p:sp>
         <p:nvSpPr>
-          <p:cNvPr id="13" name="Rectangle 12"/>
+          <p:cNvPr id="17" name="Rectangle 16"/>
           <p:cNvSpPr/>
           <p:nvPr/>
         </p:nvSpPr>
         <p:spPr>
           <a:xfrm>
-            <a:off x="7011295" y="4168296"/>
-            <a:ext cx="949298" cy="369332"/>
+            <a:off x="7087227" y="4169500"/>
+            <a:ext cx="869149" cy="369332"/>
           </a:xfrm>
           <a:prstGeom prst="rect">
             <a:avLst/>
@@ -4530,85 +4506,163 @@
         <p:txBody>
           <a:bodyPr wrap="none" lIns="91440" tIns="45720" rIns="91440" bIns="45720">
             <a:spAutoFit/>
+            <a:scene3d>
+              <a:camera prst="orthographicFront"/>
+              <a:lightRig rig="flat" dir="t">
+                <a:rot lat="0" lon="0" rev="18900000"/>
+              </a:lightRig>
+            </a:scene3d>
+            <a:sp3d extrusionH="31750" contourW="6350" prstMaterial="powder">
+              <a:bevelT w="19050" h="19050" prst="angle"/>
+              <a:contourClr>
+                <a:schemeClr val="accent3">
+                  <a:tint val="100000"/>
+                  <a:shade val="100000"/>
+                  <a:satMod val="100000"/>
+                  <a:hueMod val="100000"/>
+                </a:schemeClr>
+              </a:contourClr>
+            </a:sp3d>
           </a:bodyPr>
           <a:lstStyle/>
           <a:p>
             <a:pPr algn="ctr"/>
             <a:r>
-              <a:rPr lang="en-US" b="1" dirty="0" smtClean="0">
-                <a:ln w="10541" cmpd="sng">
-                  <a:solidFill>
-                    <a:schemeClr val="accent1">
-                      <a:shade val="88000"/>
-                      <a:satMod val="110000"/>
-                    </a:schemeClr>
-                  </a:solidFill>
-                  <a:prstDash val="solid"/>
-                </a:ln>
-                <a:gradFill>
-                  <a:gsLst>
-                    <a:gs pos="0">
-                      <a:schemeClr val="accent1">
-                        <a:tint val="40000"/>
-                        <a:satMod val="250000"/>
-                      </a:schemeClr>
-                    </a:gs>
-                    <a:gs pos="9000">
-                      <a:schemeClr val="accent1">
-                        <a:tint val="52000"/>
-                        <a:satMod val="300000"/>
-                      </a:schemeClr>
-                    </a:gs>
-                    <a:gs pos="50000">
-                      <a:schemeClr val="accent1">
-                        <a:shade val="20000"/>
-                        <a:satMod val="300000"/>
-                      </a:schemeClr>
-                    </a:gs>
-                    <a:gs pos="79000">
-                      <a:schemeClr val="accent1">
-                        <a:tint val="52000"/>
-                        <a:satMod val="300000"/>
-                      </a:schemeClr>
-                    </a:gs>
-                    <a:gs pos="100000">
-                      <a:schemeClr val="accent1">
-                        <a:tint val="40000"/>
-                        <a:satMod val="250000"/>
-                      </a:schemeClr>
-                    </a:gs>
-                  </a:gsLst>
-                  <a:lin ang="5400000"/>
-                </a:gradFill>
+              <a:rPr lang="en-US" b="1" cap="none" spc="0" dirty="0" err="1" smtClean="0">
+                <a:ln/>
+                <a:solidFill>
+                  <a:srgbClr val="002060"/>
+                </a:solidFill>
+                <a:effectLst/>
+              </a:rPr>
+              <a:t>Signin</a:t>
+            </a:r>
+            <a:endParaRPr lang="en-US" b="1" cap="none" spc="0" dirty="0">
+              <a:ln/>
+              <a:solidFill>
+                <a:srgbClr val="002060"/>
+              </a:solidFill>
+              <a:effectLst/>
+            </a:endParaRPr>
+          </a:p>
+        </p:txBody>
+      </p:sp>
+      <p:sp>
+        <p:nvSpPr>
+          <p:cNvPr id="18" name="Rectangle 17"/>
+          <p:cNvSpPr/>
+          <p:nvPr/>
+        </p:nvSpPr>
+        <p:spPr>
+          <a:xfrm>
+            <a:off x="1221556" y="4571836"/>
+            <a:ext cx="949298" cy="369332"/>
+          </a:xfrm>
+          <a:prstGeom prst="rect">
+            <a:avLst/>
+          </a:prstGeom>
+          <a:noFill/>
+        </p:spPr>
+        <p:txBody>
+          <a:bodyPr wrap="none" lIns="91440" tIns="45720" rIns="91440" bIns="45720">
+            <a:spAutoFit/>
+            <a:scene3d>
+              <a:camera prst="orthographicFront"/>
+              <a:lightRig rig="flat" dir="t">
+                <a:rot lat="0" lon="0" rev="18900000"/>
+              </a:lightRig>
+            </a:scene3d>
+            <a:sp3d extrusionH="31750" contourW="6350" prstMaterial="powder">
+              <a:bevelT w="19050" h="19050" prst="angle"/>
+              <a:contourClr>
+                <a:schemeClr val="accent3">
+                  <a:tint val="100000"/>
+                  <a:shade val="100000"/>
+                  <a:satMod val="100000"/>
+                  <a:hueMod val="100000"/>
+                </a:schemeClr>
+              </a:contourClr>
+            </a:sp3d>
+          </a:bodyPr>
+          <a:lstStyle/>
+          <a:p>
+            <a:pPr algn="ctr"/>
+            <a:r>
+              <a:rPr lang="en-US" b="1" cap="none" spc="0" dirty="0" smtClean="0">
+                <a:ln/>
+                <a:solidFill>
+                  <a:srgbClr val="002060"/>
+                </a:solidFill>
+                <a:effectLst/>
               </a:rPr>
               <a:t>Signup</a:t>
             </a:r>
-            <a:endParaRPr lang="en-US" b="1" cap="none" spc="100" dirty="0">
-              <a:ln w="18000">
+            <a:endParaRPr lang="en-US" b="1" cap="none" spc="0" dirty="0">
+              <a:ln/>
+              <a:solidFill>
+                <a:srgbClr val="002060"/>
+              </a:solidFill>
+              <a:effectLst/>
+            </a:endParaRPr>
+          </a:p>
+        </p:txBody>
+      </p:sp>
+      <p:sp>
+        <p:nvSpPr>
+          <p:cNvPr id="19" name="Rectangle 18"/>
+          <p:cNvSpPr/>
+          <p:nvPr/>
+        </p:nvSpPr>
+        <p:spPr>
+          <a:xfrm>
+            <a:off x="2201805" y="4581128"/>
+            <a:ext cx="869149" cy="369332"/>
+          </a:xfrm>
+          <a:prstGeom prst="rect">
+            <a:avLst/>
+          </a:prstGeom>
+          <a:noFill/>
+        </p:spPr>
+        <p:txBody>
+          <a:bodyPr wrap="none" lIns="91440" tIns="45720" rIns="91440" bIns="45720">
+            <a:spAutoFit/>
+            <a:scene3d>
+              <a:camera prst="orthographicFront"/>
+              <a:lightRig rig="flat" dir="t">
+                <a:rot lat="0" lon="0" rev="18900000"/>
+              </a:lightRig>
+            </a:scene3d>
+            <a:sp3d extrusionH="31750" contourW="6350" prstMaterial="powder">
+              <a:bevelT w="19050" h="19050" prst="angle"/>
+              <a:contourClr>
+                <a:schemeClr val="accent3">
+                  <a:tint val="100000"/>
+                  <a:shade val="100000"/>
+                  <a:satMod val="100000"/>
+                  <a:hueMod val="100000"/>
+                </a:schemeClr>
+              </a:contourClr>
+            </a:sp3d>
+          </a:bodyPr>
+          <a:lstStyle/>
+          <a:p>
+            <a:pPr algn="ctr"/>
+            <a:r>
+              <a:rPr lang="en-US" b="1" cap="none" spc="0" dirty="0" err="1" smtClean="0">
+                <a:ln/>
                 <a:solidFill>
-                  <a:schemeClr val="accent1">
-                    <a:satMod val="200000"/>
-                    <a:tint val="72000"/>
-                  </a:schemeClr>
+                  <a:srgbClr val="002060"/>
                 </a:solidFill>
-                <a:prstDash val="solid"/>
-              </a:ln>
+                <a:effectLst/>
+              </a:rPr>
+              <a:t>Signin</a:t>
+            </a:r>
+            <a:endParaRPr lang="en-US" b="1" cap="none" spc="0" dirty="0">
+              <a:ln/>
               <a:solidFill>
-                <a:schemeClr val="accent1">
-                  <a:satMod val="280000"/>
-                  <a:tint val="100000"/>
-                  <a:alpha val="5700"/>
-                </a:schemeClr>
+                <a:srgbClr val="002060"/>
               </a:solidFill>
-              <a:effectLst>
-                <a:outerShdw blurRad="25000" dist="20000" dir="16020000" algn="tl">
-                  <a:schemeClr val="accent1">
-                    <a:satMod val="200000"/>
-                    <a:shade val="1000"/>
-                    <a:alpha val="60000"/>
-                  </a:schemeClr>
-                </a:outerShdw>
-              </a:effectLst>
+              <a:effectLst/>
             </a:endParaRPr>
           </a:p>
         </p:txBody>
@@ -4759,9 +4813,607 @@
           </a:p>
         </p:txBody>
       </p:sp>
+      <p:sp>
+        <p:nvSpPr>
+          <p:cNvPr id="7" name="Rounded Rectangle 6"/>
+          <p:cNvSpPr/>
+          <p:nvPr/>
+        </p:nvSpPr>
+        <p:spPr>
+          <a:xfrm>
+            <a:off x="1137009" y="3728390"/>
+            <a:ext cx="2127326" cy="360040"/>
+          </a:xfrm>
+          <a:prstGeom prst="roundRect">
+            <a:avLst/>
+          </a:prstGeom>
+          <a:solidFill>
+            <a:schemeClr val="bg1">
+              <a:lumMod val="85000"/>
+            </a:schemeClr>
+          </a:solidFill>
+          <a:ln>
+            <a:solidFill>
+              <a:schemeClr val="tx1">
+                <a:lumMod val="65000"/>
+                <a:lumOff val="35000"/>
+              </a:schemeClr>
+            </a:solidFill>
+          </a:ln>
+        </p:spPr>
+        <p:style>
+          <a:lnRef idx="2">
+            <a:schemeClr val="accent1">
+              <a:shade val="50000"/>
+            </a:schemeClr>
+          </a:lnRef>
+          <a:fillRef idx="1">
+            <a:schemeClr val="accent1"/>
+          </a:fillRef>
+          <a:effectRef idx="0">
+            <a:schemeClr val="accent1"/>
+          </a:effectRef>
+          <a:fontRef idx="minor">
+            <a:schemeClr val="lt1"/>
+          </a:fontRef>
+        </p:style>
+        <p:txBody>
+          <a:bodyPr rtlCol="0" anchor="ctr"/>
+          <a:lstStyle/>
+          <a:p>
+            <a:r>
+              <a:rPr lang="en-US" dirty="0" smtClean="0">
+                <a:solidFill>
+                  <a:srgbClr val="002060"/>
+                </a:solidFill>
+              </a:rPr>
+              <a:t>Service</a:t>
+            </a:r>
+            <a:endParaRPr lang="en-US" dirty="0">
+              <a:solidFill>
+                <a:srgbClr val="002060"/>
+              </a:solidFill>
+            </a:endParaRPr>
+          </a:p>
+        </p:txBody>
+      </p:sp>
+      <p:sp>
+        <p:nvSpPr>
+          <p:cNvPr id="8" name="Rounded Rectangle 7"/>
+          <p:cNvSpPr/>
+          <p:nvPr/>
+        </p:nvSpPr>
+        <p:spPr>
+          <a:xfrm>
+            <a:off x="1151672" y="4210633"/>
+            <a:ext cx="1010845" cy="360040"/>
+          </a:xfrm>
+          <a:prstGeom prst="roundRect">
+            <a:avLst/>
+          </a:prstGeom>
+          <a:solidFill>
+            <a:schemeClr val="bg1">
+              <a:lumMod val="85000"/>
+            </a:schemeClr>
+          </a:solidFill>
+          <a:ln>
+            <a:solidFill>
+              <a:schemeClr val="tx1">
+                <a:lumMod val="65000"/>
+                <a:lumOff val="35000"/>
+              </a:schemeClr>
+            </a:solidFill>
+          </a:ln>
+        </p:spPr>
+        <p:style>
+          <a:lnRef idx="2">
+            <a:schemeClr val="accent1">
+              <a:shade val="50000"/>
+            </a:schemeClr>
+          </a:lnRef>
+          <a:fillRef idx="1">
+            <a:schemeClr val="accent1"/>
+          </a:fillRef>
+          <a:effectRef idx="0">
+            <a:schemeClr val="accent1"/>
+          </a:effectRef>
+          <a:fontRef idx="minor">
+            <a:schemeClr val="lt1"/>
+          </a:fontRef>
+        </p:style>
+        <p:txBody>
+          <a:bodyPr rtlCol="0" anchor="ctr"/>
+          <a:lstStyle/>
+          <a:p>
+            <a:pPr algn="ctr"/>
+            <a:r>
+              <a:rPr lang="en-US" dirty="0" smtClean="0">
+                <a:solidFill>
+                  <a:srgbClr val="002060"/>
+                </a:solidFill>
+              </a:rPr>
+              <a:t>from</a:t>
+            </a:r>
+            <a:endParaRPr lang="en-US" dirty="0">
+              <a:solidFill>
+                <a:srgbClr val="002060"/>
+              </a:solidFill>
+            </a:endParaRPr>
+          </a:p>
+        </p:txBody>
+      </p:sp>
+      <p:sp>
+        <p:nvSpPr>
+          <p:cNvPr id="9" name="Rounded Rectangle 8"/>
+          <p:cNvSpPr/>
+          <p:nvPr/>
+        </p:nvSpPr>
+        <p:spPr>
+          <a:xfrm>
+            <a:off x="1137009" y="4776986"/>
+            <a:ext cx="2127326" cy="360040"/>
+          </a:xfrm>
+          <a:prstGeom prst="roundRect">
+            <a:avLst/>
+          </a:prstGeom>
+          <a:solidFill>
+            <a:schemeClr val="bg1">
+              <a:lumMod val="85000"/>
+            </a:schemeClr>
+          </a:solidFill>
+          <a:ln>
+            <a:solidFill>
+              <a:schemeClr val="tx1">
+                <a:lumMod val="65000"/>
+                <a:lumOff val="35000"/>
+              </a:schemeClr>
+            </a:solidFill>
+          </a:ln>
+        </p:spPr>
+        <p:style>
+          <a:lnRef idx="2">
+            <a:schemeClr val="accent1">
+              <a:shade val="50000"/>
+            </a:schemeClr>
+          </a:lnRef>
+          <a:fillRef idx="1">
+            <a:schemeClr val="accent1"/>
+          </a:fillRef>
+          <a:effectRef idx="0">
+            <a:schemeClr val="accent1"/>
+          </a:effectRef>
+          <a:fontRef idx="minor">
+            <a:schemeClr val="lt1"/>
+          </a:fontRef>
+        </p:style>
+        <p:txBody>
+          <a:bodyPr rtlCol="0" anchor="ctr"/>
+          <a:lstStyle/>
+          <a:p>
+            <a:pPr algn="ctr"/>
+            <a:r>
+              <a:rPr lang="en-US" dirty="0" smtClean="0">
+                <a:solidFill>
+                  <a:srgbClr val="002060"/>
+                </a:solidFill>
+              </a:rPr>
+              <a:t>Present address</a:t>
+            </a:r>
+            <a:endParaRPr lang="en-US" dirty="0">
+              <a:solidFill>
+                <a:srgbClr val="002060"/>
+              </a:solidFill>
+            </a:endParaRPr>
+          </a:p>
+        </p:txBody>
+      </p:sp>
+      <p:sp>
+        <p:nvSpPr>
+          <p:cNvPr id="10" name="Rounded Rectangle 9"/>
+          <p:cNvSpPr/>
+          <p:nvPr/>
+        </p:nvSpPr>
+        <p:spPr>
+          <a:xfrm>
+            <a:off x="2378396" y="4210545"/>
+            <a:ext cx="858230" cy="360040"/>
+          </a:xfrm>
+          <a:prstGeom prst="roundRect">
+            <a:avLst/>
+          </a:prstGeom>
+          <a:solidFill>
+            <a:schemeClr val="bg1">
+              <a:lumMod val="85000"/>
+            </a:schemeClr>
+          </a:solidFill>
+          <a:ln>
+            <a:solidFill>
+              <a:schemeClr val="tx1">
+                <a:lumMod val="65000"/>
+                <a:lumOff val="35000"/>
+              </a:schemeClr>
+            </a:solidFill>
+          </a:ln>
+        </p:spPr>
+        <p:style>
+          <a:lnRef idx="2">
+            <a:schemeClr val="accent1">
+              <a:shade val="50000"/>
+            </a:schemeClr>
+          </a:lnRef>
+          <a:fillRef idx="1">
+            <a:schemeClr val="accent1"/>
+          </a:fillRef>
+          <a:effectRef idx="0">
+            <a:schemeClr val="accent1"/>
+          </a:effectRef>
+          <a:fontRef idx="minor">
+            <a:schemeClr val="lt1"/>
+          </a:fontRef>
+        </p:style>
+        <p:txBody>
+          <a:bodyPr rtlCol="0" anchor="ctr"/>
+          <a:lstStyle/>
+          <a:p>
+            <a:pPr algn="ctr"/>
+            <a:r>
+              <a:rPr lang="en-US" dirty="0" smtClean="0">
+                <a:solidFill>
+                  <a:srgbClr val="002060"/>
+                </a:solidFill>
+              </a:rPr>
+              <a:t>to</a:t>
+            </a:r>
+            <a:endParaRPr lang="en-US" dirty="0">
+              <a:solidFill>
+                <a:srgbClr val="002060"/>
+              </a:solidFill>
+            </a:endParaRPr>
+          </a:p>
+        </p:txBody>
+      </p:sp>
+      <p:sp>
+        <p:nvSpPr>
+          <p:cNvPr id="11" name="Isosceles Triangle 10"/>
+          <p:cNvSpPr/>
+          <p:nvPr/>
+        </p:nvSpPr>
+        <p:spPr>
+          <a:xfrm rot="10800000">
+            <a:off x="2700059" y="3764391"/>
+            <a:ext cx="438231" cy="288035"/>
+          </a:xfrm>
+          <a:prstGeom prst="triangle">
+            <a:avLst/>
+          </a:prstGeom>
+        </p:spPr>
+        <p:style>
+          <a:lnRef idx="2">
+            <a:schemeClr val="accent1">
+              <a:shade val="50000"/>
+            </a:schemeClr>
+          </a:lnRef>
+          <a:fillRef idx="1">
+            <a:schemeClr val="accent1"/>
+          </a:fillRef>
+          <a:effectRef idx="0">
+            <a:schemeClr val="accent1"/>
+          </a:effectRef>
+          <a:fontRef idx="minor">
+            <a:schemeClr val="lt1"/>
+          </a:fontRef>
+        </p:style>
+        <p:txBody>
+          <a:bodyPr rtlCol="0" anchor="ctr"/>
+          <a:lstStyle/>
+          <a:p>
+            <a:pPr algn="ctr"/>
+            <a:endParaRPr lang="en-US"/>
+          </a:p>
+        </p:txBody>
+      </p:sp>
+      <p:sp>
+        <p:nvSpPr>
+          <p:cNvPr id="13" name="Rounded Rectangle 12"/>
+          <p:cNvSpPr/>
+          <p:nvPr/>
+        </p:nvSpPr>
+        <p:spPr>
+          <a:xfrm>
+            <a:off x="5652120" y="2980908"/>
+            <a:ext cx="2127326" cy="360040"/>
+          </a:xfrm>
+          <a:prstGeom prst="roundRect">
+            <a:avLst/>
+          </a:prstGeom>
+          <a:solidFill>
+            <a:schemeClr val="bg1">
+              <a:lumMod val="85000"/>
+            </a:schemeClr>
+          </a:solidFill>
+          <a:ln>
+            <a:solidFill>
+              <a:schemeClr val="tx1">
+                <a:lumMod val="65000"/>
+                <a:lumOff val="35000"/>
+              </a:schemeClr>
+            </a:solidFill>
+          </a:ln>
+        </p:spPr>
+        <p:style>
+          <a:lnRef idx="2">
+            <a:schemeClr val="accent1">
+              <a:shade val="50000"/>
+            </a:schemeClr>
+          </a:lnRef>
+          <a:fillRef idx="1">
+            <a:schemeClr val="accent1"/>
+          </a:fillRef>
+          <a:effectRef idx="0">
+            <a:schemeClr val="accent1"/>
+          </a:effectRef>
+          <a:fontRef idx="minor">
+            <a:schemeClr val="lt1"/>
+          </a:fontRef>
+        </p:style>
+        <p:txBody>
+          <a:bodyPr rtlCol="0" anchor="ctr"/>
+          <a:lstStyle/>
+          <a:p>
+            <a:r>
+              <a:rPr lang="en-US" dirty="0" smtClean="0">
+                <a:solidFill>
+                  <a:srgbClr val="002060"/>
+                </a:solidFill>
+              </a:rPr>
+              <a:t>Service</a:t>
+            </a:r>
+            <a:endParaRPr lang="en-US" dirty="0">
+              <a:solidFill>
+                <a:srgbClr val="002060"/>
+              </a:solidFill>
+            </a:endParaRPr>
+          </a:p>
+        </p:txBody>
+      </p:sp>
+      <p:sp>
+        <p:nvSpPr>
+          <p:cNvPr id="14" name="Rounded Rectangle 13"/>
+          <p:cNvSpPr/>
+          <p:nvPr/>
+        </p:nvSpPr>
+        <p:spPr>
+          <a:xfrm>
+            <a:off x="5666783" y="3463151"/>
+            <a:ext cx="1010845" cy="360040"/>
+          </a:xfrm>
+          <a:prstGeom prst="roundRect">
+            <a:avLst/>
+          </a:prstGeom>
+          <a:solidFill>
+            <a:schemeClr val="bg1">
+              <a:lumMod val="85000"/>
+            </a:schemeClr>
+          </a:solidFill>
+          <a:ln>
+            <a:solidFill>
+              <a:schemeClr val="tx1">
+                <a:lumMod val="65000"/>
+                <a:lumOff val="35000"/>
+              </a:schemeClr>
+            </a:solidFill>
+          </a:ln>
+        </p:spPr>
+        <p:style>
+          <a:lnRef idx="2">
+            <a:schemeClr val="accent1">
+              <a:shade val="50000"/>
+            </a:schemeClr>
+          </a:lnRef>
+          <a:fillRef idx="1">
+            <a:schemeClr val="accent1"/>
+          </a:fillRef>
+          <a:effectRef idx="0">
+            <a:schemeClr val="accent1"/>
+          </a:effectRef>
+          <a:fontRef idx="minor">
+            <a:schemeClr val="lt1"/>
+          </a:fontRef>
+        </p:style>
+        <p:txBody>
+          <a:bodyPr rtlCol="0" anchor="ctr"/>
+          <a:lstStyle/>
+          <a:p>
+            <a:pPr algn="ctr"/>
+            <a:r>
+              <a:rPr lang="en-US" dirty="0" smtClean="0">
+                <a:solidFill>
+                  <a:srgbClr val="002060"/>
+                </a:solidFill>
+              </a:rPr>
+              <a:t>from</a:t>
+            </a:r>
+            <a:endParaRPr lang="en-US" dirty="0">
+              <a:solidFill>
+                <a:srgbClr val="002060"/>
+              </a:solidFill>
+            </a:endParaRPr>
+          </a:p>
+        </p:txBody>
+      </p:sp>
+      <p:sp>
+        <p:nvSpPr>
+          <p:cNvPr id="15" name="Rounded Rectangle 14"/>
+          <p:cNvSpPr/>
+          <p:nvPr/>
+        </p:nvSpPr>
+        <p:spPr>
+          <a:xfrm>
+            <a:off x="5652120" y="4029504"/>
+            <a:ext cx="2127326" cy="360040"/>
+          </a:xfrm>
+          <a:prstGeom prst="roundRect">
+            <a:avLst/>
+          </a:prstGeom>
+          <a:solidFill>
+            <a:schemeClr val="bg1">
+              <a:lumMod val="85000"/>
+            </a:schemeClr>
+          </a:solidFill>
+          <a:ln>
+            <a:solidFill>
+              <a:schemeClr val="tx1">
+                <a:lumMod val="65000"/>
+                <a:lumOff val="35000"/>
+              </a:schemeClr>
+            </a:solidFill>
+          </a:ln>
+        </p:spPr>
+        <p:style>
+          <a:lnRef idx="2">
+            <a:schemeClr val="accent1">
+              <a:shade val="50000"/>
+            </a:schemeClr>
+          </a:lnRef>
+          <a:fillRef idx="1">
+            <a:schemeClr val="accent1"/>
+          </a:fillRef>
+          <a:effectRef idx="0">
+            <a:schemeClr val="accent1"/>
+          </a:effectRef>
+          <a:fontRef idx="minor">
+            <a:schemeClr val="lt1"/>
+          </a:fontRef>
+        </p:style>
+        <p:txBody>
+          <a:bodyPr rtlCol="0" anchor="ctr"/>
+          <a:lstStyle/>
+          <a:p>
+            <a:pPr algn="ctr"/>
+            <a:r>
+              <a:rPr lang="en-US" dirty="0" smtClean="0">
+                <a:solidFill>
+                  <a:srgbClr val="002060"/>
+                </a:solidFill>
+              </a:rPr>
+              <a:t>Present address</a:t>
+            </a:r>
+            <a:endParaRPr lang="en-US" dirty="0">
+              <a:solidFill>
+                <a:srgbClr val="002060"/>
+              </a:solidFill>
+            </a:endParaRPr>
+          </a:p>
+        </p:txBody>
+      </p:sp>
+      <p:sp>
+        <p:nvSpPr>
+          <p:cNvPr id="16" name="Rounded Rectangle 15"/>
+          <p:cNvSpPr/>
+          <p:nvPr/>
+        </p:nvSpPr>
+        <p:spPr>
+          <a:xfrm>
+            <a:off x="6893507" y="3463063"/>
+            <a:ext cx="858230" cy="360040"/>
+          </a:xfrm>
+          <a:prstGeom prst="roundRect">
+            <a:avLst/>
+          </a:prstGeom>
+          <a:solidFill>
+            <a:schemeClr val="bg1">
+              <a:lumMod val="85000"/>
+            </a:schemeClr>
+          </a:solidFill>
+          <a:ln>
+            <a:solidFill>
+              <a:schemeClr val="tx1">
+                <a:lumMod val="65000"/>
+                <a:lumOff val="35000"/>
+              </a:schemeClr>
+            </a:solidFill>
+          </a:ln>
+        </p:spPr>
+        <p:style>
+          <a:lnRef idx="2">
+            <a:schemeClr val="accent1">
+              <a:shade val="50000"/>
+            </a:schemeClr>
+          </a:lnRef>
+          <a:fillRef idx="1">
+            <a:schemeClr val="accent1"/>
+          </a:fillRef>
+          <a:effectRef idx="0">
+            <a:schemeClr val="accent1"/>
+          </a:effectRef>
+          <a:fontRef idx="minor">
+            <a:schemeClr val="lt1"/>
+          </a:fontRef>
+        </p:style>
+        <p:txBody>
+          <a:bodyPr rtlCol="0" anchor="ctr"/>
+          <a:lstStyle/>
+          <a:p>
+            <a:pPr algn="ctr"/>
+            <a:r>
+              <a:rPr lang="en-US" dirty="0" smtClean="0">
+                <a:solidFill>
+                  <a:srgbClr val="002060"/>
+                </a:solidFill>
+              </a:rPr>
+              <a:t>to</a:t>
+            </a:r>
+            <a:endParaRPr lang="en-US" dirty="0">
+              <a:solidFill>
+                <a:srgbClr val="002060"/>
+              </a:solidFill>
+            </a:endParaRPr>
+          </a:p>
+        </p:txBody>
+      </p:sp>
+      <p:sp>
+        <p:nvSpPr>
+          <p:cNvPr id="17" name="Isosceles Triangle 16"/>
+          <p:cNvSpPr/>
+          <p:nvPr/>
+        </p:nvSpPr>
+        <p:spPr>
+          <a:xfrm rot="10800000">
+            <a:off x="7215170" y="3016909"/>
+            <a:ext cx="438231" cy="288035"/>
+          </a:xfrm>
+          <a:prstGeom prst="triangle">
+            <a:avLst/>
+          </a:prstGeom>
+        </p:spPr>
+        <p:style>
+          <a:lnRef idx="2">
+            <a:schemeClr val="accent1">
+              <a:shade val="50000"/>
+            </a:schemeClr>
+          </a:lnRef>
+          <a:fillRef idx="1">
+            <a:schemeClr val="accent1"/>
+          </a:fillRef>
+          <a:effectRef idx="0">
+            <a:schemeClr val="accent1"/>
+          </a:effectRef>
+          <a:fontRef idx="minor">
+            <a:schemeClr val="lt1"/>
+          </a:fontRef>
+        </p:style>
+        <p:txBody>
+          <a:bodyPr rtlCol="0" anchor="ctr"/>
+          <a:lstStyle/>
+          <a:p>
+            <a:pPr algn="ctr"/>
+            <a:endParaRPr lang="en-US"/>
+          </a:p>
+        </p:txBody>
+      </p:sp>
       <p:pic>
         <p:nvPicPr>
-          <p:cNvPr id="6" name="Picture 5"/>
+          <p:cNvPr id="18" name="Picture 17"/>
           <p:cNvPicPr>
             <a:picLocks noChangeAspect="1"/>
           </p:cNvPicPr>
@@ -4781,316 +5433,17 @@
         </p:blipFill>
         <p:spPr>
           <a:xfrm>
-            <a:off x="1592588" y="2200764"/>
-            <a:ext cx="1139858" cy="932611"/>
+            <a:off x="1472461" y="2120824"/>
+            <a:ext cx="1456421" cy="1184120"/>
           </a:xfrm>
           <a:prstGeom prst="rect">
             <a:avLst/>
           </a:prstGeom>
         </p:spPr>
       </p:pic>
-      <p:sp>
-        <p:nvSpPr>
-          <p:cNvPr id="7" name="Rounded Rectangle 6"/>
-          <p:cNvSpPr/>
-          <p:nvPr/>
-        </p:nvSpPr>
-        <p:spPr>
-          <a:xfrm>
-            <a:off x="1137009" y="3728390"/>
-            <a:ext cx="2127326" cy="360040"/>
-          </a:xfrm>
-          <a:prstGeom prst="roundRect">
-            <a:avLst/>
-          </a:prstGeom>
-          <a:solidFill>
-            <a:schemeClr val="bg1">
-              <a:lumMod val="85000"/>
-            </a:schemeClr>
-          </a:solidFill>
-          <a:ln>
-            <a:solidFill>
-              <a:schemeClr val="tx1">
-                <a:lumMod val="65000"/>
-                <a:lumOff val="35000"/>
-              </a:schemeClr>
-            </a:solidFill>
-          </a:ln>
-        </p:spPr>
-        <p:style>
-          <a:lnRef idx="2">
-            <a:schemeClr val="accent1">
-              <a:shade val="50000"/>
-            </a:schemeClr>
-          </a:lnRef>
-          <a:fillRef idx="1">
-            <a:schemeClr val="accent1"/>
-          </a:fillRef>
-          <a:effectRef idx="0">
-            <a:schemeClr val="accent1"/>
-          </a:effectRef>
-          <a:fontRef idx="minor">
-            <a:schemeClr val="lt1"/>
-          </a:fontRef>
-        </p:style>
-        <p:txBody>
-          <a:bodyPr rtlCol="0" anchor="ctr"/>
-          <a:lstStyle/>
-          <a:p>
-            <a:r>
-              <a:rPr lang="en-US" dirty="0" smtClean="0">
-                <a:solidFill>
-                  <a:srgbClr val="002060"/>
-                </a:solidFill>
-              </a:rPr>
-              <a:t>Service</a:t>
-            </a:r>
-            <a:endParaRPr lang="en-US" dirty="0">
-              <a:solidFill>
-                <a:srgbClr val="002060"/>
-              </a:solidFill>
-            </a:endParaRPr>
-          </a:p>
-        </p:txBody>
-      </p:sp>
-      <p:sp>
-        <p:nvSpPr>
-          <p:cNvPr id="8" name="Rounded Rectangle 7"/>
-          <p:cNvSpPr/>
-          <p:nvPr/>
-        </p:nvSpPr>
-        <p:spPr>
-          <a:xfrm>
-            <a:off x="1151672" y="4210633"/>
-            <a:ext cx="1010845" cy="360040"/>
-          </a:xfrm>
-          <a:prstGeom prst="roundRect">
-            <a:avLst/>
-          </a:prstGeom>
-          <a:solidFill>
-            <a:schemeClr val="bg1">
-              <a:lumMod val="85000"/>
-            </a:schemeClr>
-          </a:solidFill>
-          <a:ln>
-            <a:solidFill>
-              <a:schemeClr val="tx1">
-                <a:lumMod val="65000"/>
-                <a:lumOff val="35000"/>
-              </a:schemeClr>
-            </a:solidFill>
-          </a:ln>
-        </p:spPr>
-        <p:style>
-          <a:lnRef idx="2">
-            <a:schemeClr val="accent1">
-              <a:shade val="50000"/>
-            </a:schemeClr>
-          </a:lnRef>
-          <a:fillRef idx="1">
-            <a:schemeClr val="accent1"/>
-          </a:fillRef>
-          <a:effectRef idx="0">
-            <a:schemeClr val="accent1"/>
-          </a:effectRef>
-          <a:fontRef idx="minor">
-            <a:schemeClr val="lt1"/>
-          </a:fontRef>
-        </p:style>
-        <p:txBody>
-          <a:bodyPr rtlCol="0" anchor="ctr"/>
-          <a:lstStyle/>
-          <a:p>
-            <a:pPr algn="ctr"/>
-            <a:r>
-              <a:rPr lang="en-US" dirty="0" smtClean="0">
-                <a:solidFill>
-                  <a:srgbClr val="002060"/>
-                </a:solidFill>
-              </a:rPr>
-              <a:t>from</a:t>
-            </a:r>
-            <a:endParaRPr lang="en-US" dirty="0">
-              <a:solidFill>
-                <a:srgbClr val="002060"/>
-              </a:solidFill>
-            </a:endParaRPr>
-          </a:p>
-        </p:txBody>
-      </p:sp>
-      <p:sp>
-        <p:nvSpPr>
-          <p:cNvPr id="9" name="Rounded Rectangle 8"/>
-          <p:cNvSpPr/>
-          <p:nvPr/>
-        </p:nvSpPr>
-        <p:spPr>
-          <a:xfrm>
-            <a:off x="1137009" y="4776986"/>
-            <a:ext cx="2127326" cy="360040"/>
-          </a:xfrm>
-          <a:prstGeom prst="roundRect">
-            <a:avLst/>
-          </a:prstGeom>
-          <a:solidFill>
-            <a:schemeClr val="bg1">
-              <a:lumMod val="85000"/>
-            </a:schemeClr>
-          </a:solidFill>
-          <a:ln>
-            <a:solidFill>
-              <a:schemeClr val="tx1">
-                <a:lumMod val="65000"/>
-                <a:lumOff val="35000"/>
-              </a:schemeClr>
-            </a:solidFill>
-          </a:ln>
-        </p:spPr>
-        <p:style>
-          <a:lnRef idx="2">
-            <a:schemeClr val="accent1">
-              <a:shade val="50000"/>
-            </a:schemeClr>
-          </a:lnRef>
-          <a:fillRef idx="1">
-            <a:schemeClr val="accent1"/>
-          </a:fillRef>
-          <a:effectRef idx="0">
-            <a:schemeClr val="accent1"/>
-          </a:effectRef>
-          <a:fontRef idx="minor">
-            <a:schemeClr val="lt1"/>
-          </a:fontRef>
-        </p:style>
-        <p:txBody>
-          <a:bodyPr rtlCol="0" anchor="ctr"/>
-          <a:lstStyle/>
-          <a:p>
-            <a:pPr algn="ctr"/>
-            <a:r>
-              <a:rPr lang="en-US" dirty="0" smtClean="0">
-                <a:solidFill>
-                  <a:srgbClr val="002060"/>
-                </a:solidFill>
-              </a:rPr>
-              <a:t>Present address</a:t>
-            </a:r>
-            <a:endParaRPr lang="en-US" dirty="0">
-              <a:solidFill>
-                <a:srgbClr val="002060"/>
-              </a:solidFill>
-            </a:endParaRPr>
-          </a:p>
-        </p:txBody>
-      </p:sp>
-      <p:sp>
-        <p:nvSpPr>
-          <p:cNvPr id="10" name="Rounded Rectangle 9"/>
-          <p:cNvSpPr/>
-          <p:nvPr/>
-        </p:nvSpPr>
-        <p:spPr>
-          <a:xfrm>
-            <a:off x="2378396" y="4210545"/>
-            <a:ext cx="858230" cy="360040"/>
-          </a:xfrm>
-          <a:prstGeom prst="roundRect">
-            <a:avLst/>
-          </a:prstGeom>
-          <a:solidFill>
-            <a:schemeClr val="bg1">
-              <a:lumMod val="85000"/>
-            </a:schemeClr>
-          </a:solidFill>
-          <a:ln>
-            <a:solidFill>
-              <a:schemeClr val="tx1">
-                <a:lumMod val="65000"/>
-                <a:lumOff val="35000"/>
-              </a:schemeClr>
-            </a:solidFill>
-          </a:ln>
-        </p:spPr>
-        <p:style>
-          <a:lnRef idx="2">
-            <a:schemeClr val="accent1">
-              <a:shade val="50000"/>
-            </a:schemeClr>
-          </a:lnRef>
-          <a:fillRef idx="1">
-            <a:schemeClr val="accent1"/>
-          </a:fillRef>
-          <a:effectRef idx="0">
-            <a:schemeClr val="accent1"/>
-          </a:effectRef>
-          <a:fontRef idx="minor">
-            <a:schemeClr val="lt1"/>
-          </a:fontRef>
-        </p:style>
-        <p:txBody>
-          <a:bodyPr rtlCol="0" anchor="ctr"/>
-          <a:lstStyle/>
-          <a:p>
-            <a:pPr algn="ctr"/>
-            <a:r>
-              <a:rPr lang="en-US" dirty="0" smtClean="0">
-                <a:solidFill>
-                  <a:srgbClr val="002060"/>
-                </a:solidFill>
-              </a:rPr>
-              <a:t>to</a:t>
-            </a:r>
-            <a:endParaRPr lang="en-US" dirty="0">
-              <a:solidFill>
-                <a:srgbClr val="002060"/>
-              </a:solidFill>
-            </a:endParaRPr>
-          </a:p>
-        </p:txBody>
-      </p:sp>
-      <p:sp>
-        <p:nvSpPr>
-          <p:cNvPr id="11" name="Isosceles Triangle 10"/>
-          <p:cNvSpPr/>
-          <p:nvPr/>
-        </p:nvSpPr>
-        <p:spPr>
-          <a:xfrm rot="10800000">
-            <a:off x="2700059" y="3764391"/>
-            <a:ext cx="438231" cy="288035"/>
-          </a:xfrm>
-          <a:prstGeom prst="triangle">
-            <a:avLst/>
-          </a:prstGeom>
-        </p:spPr>
-        <p:style>
-          <a:lnRef idx="2">
-            <a:schemeClr val="accent1">
-              <a:shade val="50000"/>
-            </a:schemeClr>
-          </a:lnRef>
-          <a:fillRef idx="1">
-            <a:schemeClr val="accent1"/>
-          </a:fillRef>
-          <a:effectRef idx="0">
-            <a:schemeClr val="accent1"/>
-          </a:effectRef>
-          <a:fontRef idx="minor">
-            <a:schemeClr val="lt1"/>
-          </a:fontRef>
-        </p:style>
-        <p:txBody>
-          <a:bodyPr rtlCol="0" anchor="ctr"/>
-          <a:lstStyle/>
-          <a:p>
-            <a:pPr algn="ctr"/>
-            <a:endParaRPr lang="en-US"/>
-          </a:p>
-        </p:txBody>
-      </p:sp>
       <p:pic>
         <p:nvPicPr>
-          <p:cNvPr id="12" name="Picture 11"/>
+          <p:cNvPr id="19" name="Picture 18"/>
           <p:cNvPicPr>
             <a:picLocks noChangeAspect="1"/>
           </p:cNvPicPr>
@@ -5110,313 +5463,14 @@
         </p:blipFill>
         <p:spPr>
           <a:xfrm>
-            <a:off x="4211960" y="3152545"/>
-            <a:ext cx="1139858" cy="932611"/>
+            <a:off x="4195699" y="3099756"/>
+            <a:ext cx="1456421" cy="1184120"/>
           </a:xfrm>
           <a:prstGeom prst="rect">
             <a:avLst/>
           </a:prstGeom>
         </p:spPr>
       </p:pic>
-      <p:sp>
-        <p:nvSpPr>
-          <p:cNvPr id="13" name="Rounded Rectangle 12"/>
-          <p:cNvSpPr/>
-          <p:nvPr/>
-        </p:nvSpPr>
-        <p:spPr>
-          <a:xfrm>
-            <a:off x="5652120" y="2980908"/>
-            <a:ext cx="2127326" cy="360040"/>
-          </a:xfrm>
-          <a:prstGeom prst="roundRect">
-            <a:avLst/>
-          </a:prstGeom>
-          <a:solidFill>
-            <a:schemeClr val="bg1">
-              <a:lumMod val="85000"/>
-            </a:schemeClr>
-          </a:solidFill>
-          <a:ln>
-            <a:solidFill>
-              <a:schemeClr val="tx1">
-                <a:lumMod val="65000"/>
-                <a:lumOff val="35000"/>
-              </a:schemeClr>
-            </a:solidFill>
-          </a:ln>
-        </p:spPr>
-        <p:style>
-          <a:lnRef idx="2">
-            <a:schemeClr val="accent1">
-              <a:shade val="50000"/>
-            </a:schemeClr>
-          </a:lnRef>
-          <a:fillRef idx="1">
-            <a:schemeClr val="accent1"/>
-          </a:fillRef>
-          <a:effectRef idx="0">
-            <a:schemeClr val="accent1"/>
-          </a:effectRef>
-          <a:fontRef idx="minor">
-            <a:schemeClr val="lt1"/>
-          </a:fontRef>
-        </p:style>
-        <p:txBody>
-          <a:bodyPr rtlCol="0" anchor="ctr"/>
-          <a:lstStyle/>
-          <a:p>
-            <a:r>
-              <a:rPr lang="en-US" dirty="0" smtClean="0">
-                <a:solidFill>
-                  <a:srgbClr val="002060"/>
-                </a:solidFill>
-              </a:rPr>
-              <a:t>Service</a:t>
-            </a:r>
-            <a:endParaRPr lang="en-US" dirty="0">
-              <a:solidFill>
-                <a:srgbClr val="002060"/>
-              </a:solidFill>
-            </a:endParaRPr>
-          </a:p>
-        </p:txBody>
-      </p:sp>
-      <p:sp>
-        <p:nvSpPr>
-          <p:cNvPr id="14" name="Rounded Rectangle 13"/>
-          <p:cNvSpPr/>
-          <p:nvPr/>
-        </p:nvSpPr>
-        <p:spPr>
-          <a:xfrm>
-            <a:off x="5666783" y="3463151"/>
-            <a:ext cx="1010845" cy="360040"/>
-          </a:xfrm>
-          <a:prstGeom prst="roundRect">
-            <a:avLst/>
-          </a:prstGeom>
-          <a:solidFill>
-            <a:schemeClr val="bg1">
-              <a:lumMod val="85000"/>
-            </a:schemeClr>
-          </a:solidFill>
-          <a:ln>
-            <a:solidFill>
-              <a:schemeClr val="tx1">
-                <a:lumMod val="65000"/>
-                <a:lumOff val="35000"/>
-              </a:schemeClr>
-            </a:solidFill>
-          </a:ln>
-        </p:spPr>
-        <p:style>
-          <a:lnRef idx="2">
-            <a:schemeClr val="accent1">
-              <a:shade val="50000"/>
-            </a:schemeClr>
-          </a:lnRef>
-          <a:fillRef idx="1">
-            <a:schemeClr val="accent1"/>
-          </a:fillRef>
-          <a:effectRef idx="0">
-            <a:schemeClr val="accent1"/>
-          </a:effectRef>
-          <a:fontRef idx="minor">
-            <a:schemeClr val="lt1"/>
-          </a:fontRef>
-        </p:style>
-        <p:txBody>
-          <a:bodyPr rtlCol="0" anchor="ctr"/>
-          <a:lstStyle/>
-          <a:p>
-            <a:pPr algn="ctr"/>
-            <a:r>
-              <a:rPr lang="en-US" dirty="0" smtClean="0">
-                <a:solidFill>
-                  <a:srgbClr val="002060"/>
-                </a:solidFill>
-              </a:rPr>
-              <a:t>from</a:t>
-            </a:r>
-            <a:endParaRPr lang="en-US" dirty="0">
-              <a:solidFill>
-                <a:srgbClr val="002060"/>
-              </a:solidFill>
-            </a:endParaRPr>
-          </a:p>
-        </p:txBody>
-      </p:sp>
-      <p:sp>
-        <p:nvSpPr>
-          <p:cNvPr id="15" name="Rounded Rectangle 14"/>
-          <p:cNvSpPr/>
-          <p:nvPr/>
-        </p:nvSpPr>
-        <p:spPr>
-          <a:xfrm>
-            <a:off x="5652120" y="4029504"/>
-            <a:ext cx="2127326" cy="360040"/>
-          </a:xfrm>
-          <a:prstGeom prst="roundRect">
-            <a:avLst/>
-          </a:prstGeom>
-          <a:solidFill>
-            <a:schemeClr val="bg1">
-              <a:lumMod val="85000"/>
-            </a:schemeClr>
-          </a:solidFill>
-          <a:ln>
-            <a:solidFill>
-              <a:schemeClr val="tx1">
-                <a:lumMod val="65000"/>
-                <a:lumOff val="35000"/>
-              </a:schemeClr>
-            </a:solidFill>
-          </a:ln>
-        </p:spPr>
-        <p:style>
-          <a:lnRef idx="2">
-            <a:schemeClr val="accent1">
-              <a:shade val="50000"/>
-            </a:schemeClr>
-          </a:lnRef>
-          <a:fillRef idx="1">
-            <a:schemeClr val="accent1"/>
-          </a:fillRef>
-          <a:effectRef idx="0">
-            <a:schemeClr val="accent1"/>
-          </a:effectRef>
-          <a:fontRef idx="minor">
-            <a:schemeClr val="lt1"/>
-          </a:fontRef>
-        </p:style>
-        <p:txBody>
-          <a:bodyPr rtlCol="0" anchor="ctr"/>
-          <a:lstStyle/>
-          <a:p>
-            <a:pPr algn="ctr"/>
-            <a:r>
-              <a:rPr lang="en-US" dirty="0" smtClean="0">
-                <a:solidFill>
-                  <a:srgbClr val="002060"/>
-                </a:solidFill>
-              </a:rPr>
-              <a:t>Present address</a:t>
-            </a:r>
-            <a:endParaRPr lang="en-US" dirty="0">
-              <a:solidFill>
-                <a:srgbClr val="002060"/>
-              </a:solidFill>
-            </a:endParaRPr>
-          </a:p>
-        </p:txBody>
-      </p:sp>
-      <p:sp>
-        <p:nvSpPr>
-          <p:cNvPr id="16" name="Rounded Rectangle 15"/>
-          <p:cNvSpPr/>
-          <p:nvPr/>
-        </p:nvSpPr>
-        <p:spPr>
-          <a:xfrm>
-            <a:off x="6893507" y="3463063"/>
-            <a:ext cx="858230" cy="360040"/>
-          </a:xfrm>
-          <a:prstGeom prst="roundRect">
-            <a:avLst/>
-          </a:prstGeom>
-          <a:solidFill>
-            <a:schemeClr val="bg1">
-              <a:lumMod val="85000"/>
-            </a:schemeClr>
-          </a:solidFill>
-          <a:ln>
-            <a:solidFill>
-              <a:schemeClr val="tx1">
-                <a:lumMod val="65000"/>
-                <a:lumOff val="35000"/>
-              </a:schemeClr>
-            </a:solidFill>
-          </a:ln>
-        </p:spPr>
-        <p:style>
-          <a:lnRef idx="2">
-            <a:schemeClr val="accent1">
-              <a:shade val="50000"/>
-            </a:schemeClr>
-          </a:lnRef>
-          <a:fillRef idx="1">
-            <a:schemeClr val="accent1"/>
-          </a:fillRef>
-          <a:effectRef idx="0">
-            <a:schemeClr val="accent1"/>
-          </a:effectRef>
-          <a:fontRef idx="minor">
-            <a:schemeClr val="lt1"/>
-          </a:fontRef>
-        </p:style>
-        <p:txBody>
-          <a:bodyPr rtlCol="0" anchor="ctr"/>
-          <a:lstStyle/>
-          <a:p>
-            <a:pPr algn="ctr"/>
-            <a:r>
-              <a:rPr lang="en-US" dirty="0" smtClean="0">
-                <a:solidFill>
-                  <a:srgbClr val="002060"/>
-                </a:solidFill>
-              </a:rPr>
-              <a:t>to</a:t>
-            </a:r>
-            <a:endParaRPr lang="en-US" dirty="0">
-              <a:solidFill>
-                <a:srgbClr val="002060"/>
-              </a:solidFill>
-            </a:endParaRPr>
-          </a:p>
-        </p:txBody>
-      </p:sp>
-      <p:sp>
-        <p:nvSpPr>
-          <p:cNvPr id="17" name="Isosceles Triangle 16"/>
-          <p:cNvSpPr/>
-          <p:nvPr/>
-        </p:nvSpPr>
-        <p:spPr>
-          <a:xfrm rot="10800000">
-            <a:off x="7215170" y="3016909"/>
-            <a:ext cx="438231" cy="288035"/>
-          </a:xfrm>
-          <a:prstGeom prst="triangle">
-            <a:avLst/>
-          </a:prstGeom>
-        </p:spPr>
-        <p:style>
-          <a:lnRef idx="2">
-            <a:schemeClr val="accent1">
-              <a:shade val="50000"/>
-            </a:schemeClr>
-          </a:lnRef>
-          <a:fillRef idx="1">
-            <a:schemeClr val="accent1"/>
-          </a:fillRef>
-          <a:effectRef idx="0">
-            <a:schemeClr val="accent1"/>
-          </a:effectRef>
-          <a:fontRef idx="minor">
-            <a:schemeClr val="lt1"/>
-          </a:fontRef>
-        </p:style>
-        <p:txBody>
-          <a:bodyPr rtlCol="0" anchor="ctr"/>
-          <a:lstStyle/>
-          <a:p>
-            <a:pPr algn="ctr"/>
-            <a:endParaRPr lang="en-US"/>
-          </a:p>
-        </p:txBody>
-      </p:sp>
     </p:spTree>
     <p:extLst>
       <p:ext uri="{BB962C8B-B14F-4D97-AF65-F5344CB8AC3E}">

--- a/doc/www-screens.pptx
+++ b/doc/www-screens.pptx
@@ -11,6 +11,8 @@
     <p:sldId id="259" r:id="rId5"/>
     <p:sldId id="260" r:id="rId6"/>
     <p:sldId id="261" r:id="rId7"/>
+    <p:sldId id="262" r:id="rId8"/>
+    <p:sldId id="263" r:id="rId9"/>
   </p:sldIdLst>
   <p:sldSz cx="9144000" cy="6858000" type="screen4x3"/>
   <p:notesSz cx="6858000" cy="9144000"/>
@@ -293,7 +295,7 @@
           <a:p>
             <a:fld id="{FB30EDBD-1C2D-4C1E-B459-B60219FAB484}" type="datetimeFigureOut">
               <a:rPr lang="ko-KR" altLang="en-US" smtClean="0"/>
-              <a:t>2015-10-06</a:t>
+              <a:t>2015-10-07</a:t>
             </a:fld>
             <a:endParaRPr lang="ko-KR" altLang="en-US"/>
           </a:p>
@@ -458,7 +460,7 @@
           <a:p>
             <a:fld id="{FB30EDBD-1C2D-4C1E-B459-B60219FAB484}" type="datetimeFigureOut">
               <a:rPr lang="ko-KR" altLang="en-US" smtClean="0"/>
-              <a:t>2015-10-06</a:t>
+              <a:t>2015-10-07</a:t>
             </a:fld>
             <a:endParaRPr lang="ko-KR" altLang="en-US"/>
           </a:p>
@@ -633,7 +635,7 @@
           <a:p>
             <a:fld id="{FB30EDBD-1C2D-4C1E-B459-B60219FAB484}" type="datetimeFigureOut">
               <a:rPr lang="ko-KR" altLang="en-US" smtClean="0"/>
-              <a:t>2015-10-06</a:t>
+              <a:t>2015-10-07</a:t>
             </a:fld>
             <a:endParaRPr lang="ko-KR" altLang="en-US"/>
           </a:p>
@@ -798,7 +800,7 @@
           <a:p>
             <a:fld id="{FB30EDBD-1C2D-4C1E-B459-B60219FAB484}" type="datetimeFigureOut">
               <a:rPr lang="ko-KR" altLang="en-US" smtClean="0"/>
-              <a:t>2015-10-06</a:t>
+              <a:t>2015-10-07</a:t>
             </a:fld>
             <a:endParaRPr lang="ko-KR" altLang="en-US"/>
           </a:p>
@@ -1039,7 +1041,7 @@
           <a:p>
             <a:fld id="{FB30EDBD-1C2D-4C1E-B459-B60219FAB484}" type="datetimeFigureOut">
               <a:rPr lang="ko-KR" altLang="en-US" smtClean="0"/>
-              <a:t>2015-10-06</a:t>
+              <a:t>2015-10-07</a:t>
             </a:fld>
             <a:endParaRPr lang="ko-KR" altLang="en-US"/>
           </a:p>
@@ -1322,7 +1324,7 @@
           <a:p>
             <a:fld id="{FB30EDBD-1C2D-4C1E-B459-B60219FAB484}" type="datetimeFigureOut">
               <a:rPr lang="ko-KR" altLang="en-US" smtClean="0"/>
-              <a:t>2015-10-06</a:t>
+              <a:t>2015-10-07</a:t>
             </a:fld>
             <a:endParaRPr lang="ko-KR" altLang="en-US"/>
           </a:p>
@@ -1739,7 +1741,7 @@
           <a:p>
             <a:fld id="{FB30EDBD-1C2D-4C1E-B459-B60219FAB484}" type="datetimeFigureOut">
               <a:rPr lang="ko-KR" altLang="en-US" smtClean="0"/>
-              <a:t>2015-10-06</a:t>
+              <a:t>2015-10-07</a:t>
             </a:fld>
             <a:endParaRPr lang="ko-KR" altLang="en-US"/>
           </a:p>
@@ -1852,7 +1854,7 @@
           <a:p>
             <a:fld id="{FB30EDBD-1C2D-4C1E-B459-B60219FAB484}" type="datetimeFigureOut">
               <a:rPr lang="ko-KR" altLang="en-US" smtClean="0"/>
-              <a:t>2015-10-06</a:t>
+              <a:t>2015-10-07</a:t>
             </a:fld>
             <a:endParaRPr lang="ko-KR" altLang="en-US"/>
           </a:p>
@@ -1942,7 +1944,7 @@
           <a:p>
             <a:fld id="{FB30EDBD-1C2D-4C1E-B459-B60219FAB484}" type="datetimeFigureOut">
               <a:rPr lang="ko-KR" altLang="en-US" smtClean="0"/>
-              <a:t>2015-10-06</a:t>
+              <a:t>2015-10-07</a:t>
             </a:fld>
             <a:endParaRPr lang="ko-KR" altLang="en-US"/>
           </a:p>
@@ -2214,7 +2216,7 @@
           <a:p>
             <a:fld id="{FB30EDBD-1C2D-4C1E-B459-B60219FAB484}" type="datetimeFigureOut">
               <a:rPr lang="ko-KR" altLang="en-US" smtClean="0"/>
-              <a:t>2015-10-06</a:t>
+              <a:t>2015-10-07</a:t>
             </a:fld>
             <a:endParaRPr lang="ko-KR" altLang="en-US"/>
           </a:p>
@@ -2462,7 +2464,7 @@
           <a:p>
             <a:fld id="{FB30EDBD-1C2D-4C1E-B459-B60219FAB484}" type="datetimeFigureOut">
               <a:rPr lang="ko-KR" altLang="en-US" smtClean="0"/>
-              <a:t>2015-10-06</a:t>
+              <a:t>2015-10-07</a:t>
             </a:fld>
             <a:endParaRPr lang="ko-KR" altLang="en-US"/>
           </a:p>
@@ -2670,7 +2672,7 @@
           <a:p>
             <a:fld id="{FB30EDBD-1C2D-4C1E-B459-B60219FAB484}" type="datetimeFigureOut">
               <a:rPr lang="ko-KR" altLang="en-US" smtClean="0"/>
-              <a:t>2015-10-06</a:t>
+              <a:t>2015-10-07</a:t>
             </a:fld>
             <a:endParaRPr lang="ko-KR" altLang="en-US"/>
           </a:p>
@@ -3198,7 +3200,11 @@
           <a:p>
             <a:r>
               <a:rPr lang="en-US" dirty="0" smtClean="0"/>
-              <a:t>Web/Desktop Interface 1</a:t>
+              <a:t>Web/Desktop </a:t>
+            </a:r>
+            <a:r>
+              <a:rPr lang="en-US" dirty="0" err="1" smtClean="0"/>
+              <a:t>signin</a:t>
             </a:r>
             <a:endParaRPr lang="en-US" dirty="0"/>
           </a:p>
@@ -3581,7 +3587,11 @@
           <a:p>
             <a:r>
               <a:rPr lang="en-US" dirty="0" smtClean="0"/>
-              <a:t>Web/Desktop Interface 2</a:t>
+              <a:t>Web/Desktop </a:t>
+            </a:r>
+            <a:r>
+              <a:rPr lang="en-US" dirty="0" smtClean="0"/>
+              <a:t>order</a:t>
             </a:r>
             <a:endParaRPr lang="en-US" dirty="0"/>
           </a:p>
@@ -3961,6 +3971,173 @@
           </a:prstGeom>
         </p:spPr>
       </p:pic>
+      <p:sp>
+        <p:nvSpPr>
+          <p:cNvPr id="3" name="Rectangle 2"/>
+          <p:cNvSpPr/>
+          <p:nvPr/>
+        </p:nvSpPr>
+        <p:spPr>
+          <a:xfrm>
+            <a:off x="6878714" y="1763316"/>
+            <a:ext cx="1128835" cy="400110"/>
+          </a:xfrm>
+          <a:prstGeom prst="rect">
+            <a:avLst/>
+          </a:prstGeom>
+          <a:noFill/>
+        </p:spPr>
+        <p:txBody>
+          <a:bodyPr wrap="none" lIns="91440" tIns="45720" rIns="91440" bIns="45720">
+            <a:spAutoFit/>
+          </a:bodyPr>
+          <a:lstStyle/>
+          <a:p>
+            <a:pPr algn="ctr"/>
+            <a:r>
+              <a:rPr lang="en-US" sz="2000" b="1" cap="none" spc="0" dirty="0" err="1" smtClean="0">
+                <a:ln w="10541" cmpd="sng">
+                  <a:solidFill>
+                    <a:schemeClr val="accent1">
+                      <a:shade val="88000"/>
+                      <a:satMod val="110000"/>
+                    </a:schemeClr>
+                  </a:solidFill>
+                  <a:prstDash val="solid"/>
+                </a:ln>
+                <a:gradFill>
+                  <a:gsLst>
+                    <a:gs pos="0">
+                      <a:schemeClr val="accent1">
+                        <a:tint val="40000"/>
+                        <a:satMod val="250000"/>
+                      </a:schemeClr>
+                    </a:gs>
+                    <a:gs pos="9000">
+                      <a:schemeClr val="accent1">
+                        <a:tint val="52000"/>
+                        <a:satMod val="300000"/>
+                      </a:schemeClr>
+                    </a:gs>
+                    <a:gs pos="50000">
+                      <a:schemeClr val="accent1">
+                        <a:shade val="20000"/>
+                        <a:satMod val="300000"/>
+                      </a:schemeClr>
+                    </a:gs>
+                    <a:gs pos="79000">
+                      <a:schemeClr val="accent1">
+                        <a:tint val="52000"/>
+                        <a:satMod val="300000"/>
+                      </a:schemeClr>
+                    </a:gs>
+                    <a:gs pos="100000">
+                      <a:schemeClr val="accent1">
+                        <a:tint val="40000"/>
+                        <a:satMod val="250000"/>
+                      </a:schemeClr>
+                    </a:gs>
+                  </a:gsLst>
+                  <a:lin ang="5400000"/>
+                </a:gradFill>
+                <a:effectLst/>
+              </a:rPr>
+              <a:t>Signout</a:t>
+            </a:r>
+            <a:endParaRPr lang="en-US" sz="5400" b="1" cap="none" spc="0" dirty="0">
+              <a:ln w="10541" cmpd="sng">
+                <a:solidFill>
+                  <a:schemeClr val="accent1">
+                    <a:shade val="88000"/>
+                    <a:satMod val="110000"/>
+                  </a:schemeClr>
+                </a:solidFill>
+                <a:prstDash val="solid"/>
+              </a:ln>
+              <a:gradFill>
+                <a:gsLst>
+                  <a:gs pos="0">
+                    <a:schemeClr val="accent1">
+                      <a:tint val="40000"/>
+                      <a:satMod val="250000"/>
+                    </a:schemeClr>
+                  </a:gs>
+                  <a:gs pos="9000">
+                    <a:schemeClr val="accent1">
+                      <a:tint val="52000"/>
+                      <a:satMod val="300000"/>
+                    </a:schemeClr>
+                  </a:gs>
+                  <a:gs pos="50000">
+                    <a:schemeClr val="accent1">
+                      <a:shade val="20000"/>
+                      <a:satMod val="300000"/>
+                    </a:schemeClr>
+                  </a:gs>
+                  <a:gs pos="79000">
+                    <a:schemeClr val="accent1">
+                      <a:tint val="52000"/>
+                      <a:satMod val="300000"/>
+                    </a:schemeClr>
+                  </a:gs>
+                  <a:gs pos="100000">
+                    <a:schemeClr val="accent1">
+                      <a:tint val="40000"/>
+                      <a:satMod val="250000"/>
+                    </a:schemeClr>
+                  </a:gs>
+                </a:gsLst>
+                <a:lin ang="5400000"/>
+              </a:gradFill>
+              <a:effectLst/>
+            </a:endParaRPr>
+          </a:p>
+        </p:txBody>
+      </p:sp>
+      <p:sp>
+        <p:nvSpPr>
+          <p:cNvPr id="5" name="Rounded Rectangle 4"/>
+          <p:cNvSpPr/>
+          <p:nvPr/>
+        </p:nvSpPr>
+        <p:spPr>
+          <a:xfrm>
+            <a:off x="5364088" y="5085184"/>
+            <a:ext cx="1368152" cy="360040"/>
+          </a:xfrm>
+          <a:prstGeom prst="roundRect">
+            <a:avLst/>
+          </a:prstGeom>
+        </p:spPr>
+        <p:style>
+          <a:lnRef idx="2">
+            <a:schemeClr val="accent1">
+              <a:shade val="50000"/>
+            </a:schemeClr>
+          </a:lnRef>
+          <a:fillRef idx="1">
+            <a:schemeClr val="accent1"/>
+          </a:fillRef>
+          <a:effectRef idx="0">
+            <a:schemeClr val="accent1"/>
+          </a:effectRef>
+          <a:fontRef idx="minor">
+            <a:schemeClr val="lt1"/>
+          </a:fontRef>
+        </p:style>
+        <p:txBody>
+          <a:bodyPr rtlCol="0" anchor="ctr"/>
+          <a:lstStyle/>
+          <a:p>
+            <a:pPr algn="ctr"/>
+            <a:r>
+              <a:rPr lang="en-US" dirty="0" smtClean="0"/>
+              <a:t>Order</a:t>
+            </a:r>
+            <a:endParaRPr lang="en-US" dirty="0"/>
+          </a:p>
+        </p:txBody>
+      </p:sp>
     </p:spTree>
     <p:extLst>
       <p:ext uri="{BB962C8B-B14F-4D97-AF65-F5344CB8AC3E}">
@@ -4015,7 +4192,11 @@
           <a:p>
             <a:r>
               <a:rPr lang="en-US" dirty="0" smtClean="0"/>
-              <a:t>App. Interface 1</a:t>
+              <a:t>App. </a:t>
+            </a:r>
+            <a:r>
+              <a:rPr lang="en-US" dirty="0" err="1" smtClean="0"/>
+              <a:t>signin</a:t>
             </a:r>
             <a:endParaRPr lang="en-US" dirty="0"/>
           </a:p>
@@ -4719,7 +4900,11 @@
           <a:bodyPr/>
           <a:lstStyle/>
           <a:p>
-            <a:endParaRPr lang="en-US"/>
+            <a:r>
+              <a:rPr lang="en-US" dirty="0" smtClean="0"/>
+              <a:t>App. Order</a:t>
+            </a:r>
+            <a:endParaRPr lang="en-US" dirty="0"/>
           </a:p>
         </p:txBody>
       </p:sp>
@@ -5120,7 +5305,7 @@
         </p:nvSpPr>
         <p:spPr>
           <a:xfrm>
-            <a:off x="5652120" y="2980908"/>
+            <a:off x="5880720" y="2866608"/>
             <a:ext cx="2127326" cy="360040"/>
           </a:xfrm>
           <a:prstGeom prst="roundRect">
@@ -5184,7 +5369,7 @@
         </p:nvSpPr>
         <p:spPr>
           <a:xfrm>
-            <a:off x="5666783" y="3463151"/>
+            <a:off x="5895383" y="3348851"/>
             <a:ext cx="1010845" cy="360040"/>
           </a:xfrm>
           <a:prstGeom prst="roundRect">
@@ -5249,7 +5434,7 @@
         </p:nvSpPr>
         <p:spPr>
           <a:xfrm>
-            <a:off x="5652120" y="4029504"/>
+            <a:off x="5880720" y="3915204"/>
             <a:ext cx="2127326" cy="360040"/>
           </a:xfrm>
           <a:prstGeom prst="roundRect">
@@ -5314,7 +5499,7 @@
         </p:nvSpPr>
         <p:spPr>
           <a:xfrm>
-            <a:off x="6893507" y="3463063"/>
+            <a:off x="7122107" y="3348763"/>
             <a:ext cx="858230" cy="360040"/>
           </a:xfrm>
           <a:prstGeom prst="roundRect">
@@ -5379,7 +5564,7 @@
         </p:nvSpPr>
         <p:spPr>
           <a:xfrm rot="10800000">
-            <a:off x="7215170" y="3016909"/>
+            <a:off x="7443770" y="2902609"/>
             <a:ext cx="438231" cy="288035"/>
           </a:xfrm>
           <a:prstGeom prst="triangle">
@@ -5471,6 +5656,94 @@
           </a:prstGeom>
         </p:spPr>
       </p:pic>
+      <p:sp>
+        <p:nvSpPr>
+          <p:cNvPr id="20" name="Rounded Rectangle 19"/>
+          <p:cNvSpPr/>
+          <p:nvPr/>
+        </p:nvSpPr>
+        <p:spPr>
+          <a:xfrm>
+            <a:off x="1896183" y="5265204"/>
+            <a:ext cx="1368152" cy="360040"/>
+          </a:xfrm>
+          <a:prstGeom prst="roundRect">
+            <a:avLst/>
+          </a:prstGeom>
+        </p:spPr>
+        <p:style>
+          <a:lnRef idx="2">
+            <a:schemeClr val="accent1">
+              <a:shade val="50000"/>
+            </a:schemeClr>
+          </a:lnRef>
+          <a:fillRef idx="1">
+            <a:schemeClr val="accent1"/>
+          </a:fillRef>
+          <a:effectRef idx="0">
+            <a:schemeClr val="accent1"/>
+          </a:effectRef>
+          <a:fontRef idx="minor">
+            <a:schemeClr val="lt1"/>
+          </a:fontRef>
+        </p:style>
+        <p:txBody>
+          <a:bodyPr rtlCol="0" anchor="ctr"/>
+          <a:lstStyle/>
+          <a:p>
+            <a:pPr algn="ctr"/>
+            <a:r>
+              <a:rPr lang="en-US" dirty="0" smtClean="0"/>
+              <a:t>Order</a:t>
+            </a:r>
+            <a:endParaRPr lang="en-US" dirty="0"/>
+          </a:p>
+        </p:txBody>
+      </p:sp>
+      <p:sp>
+        <p:nvSpPr>
+          <p:cNvPr id="21" name="Rounded Rectangle 20"/>
+          <p:cNvSpPr/>
+          <p:nvPr/>
+        </p:nvSpPr>
+        <p:spPr>
+          <a:xfrm>
+            <a:off x="6612185" y="4416460"/>
+            <a:ext cx="1368152" cy="360040"/>
+          </a:xfrm>
+          <a:prstGeom prst="roundRect">
+            <a:avLst/>
+          </a:prstGeom>
+        </p:spPr>
+        <p:style>
+          <a:lnRef idx="2">
+            <a:schemeClr val="accent1">
+              <a:shade val="50000"/>
+            </a:schemeClr>
+          </a:lnRef>
+          <a:fillRef idx="1">
+            <a:schemeClr val="accent1"/>
+          </a:fillRef>
+          <a:effectRef idx="0">
+            <a:schemeClr val="accent1"/>
+          </a:effectRef>
+          <a:fontRef idx="minor">
+            <a:schemeClr val="lt1"/>
+          </a:fontRef>
+        </p:style>
+        <p:txBody>
+          <a:bodyPr rtlCol="0" anchor="ctr"/>
+          <a:lstStyle/>
+          <a:p>
+            <a:pPr algn="ctr"/>
+            <a:r>
+              <a:rPr lang="en-US" dirty="0" smtClean="0"/>
+              <a:t>Order</a:t>
+            </a:r>
+            <a:endParaRPr lang="en-US" dirty="0"/>
+          </a:p>
+        </p:txBody>
+      </p:sp>
     </p:spTree>
     <p:extLst>
       <p:ext uri="{BB962C8B-B14F-4D97-AF65-F5344CB8AC3E}">
@@ -5640,6 +5913,1719 @@
     <p:extLst>
       <p:ext uri="{BB962C8B-B14F-4D97-AF65-F5344CB8AC3E}">
         <p14:creationId xmlns:p14="http://schemas.microsoft.com/office/powerpoint/2010/main" val="2329181655"/>
+      </p:ext>
+    </p:extLst>
+  </p:cSld>
+  <p:clrMapOvr>
+    <a:masterClrMapping/>
+  </p:clrMapOvr>
+  <p:timing>
+    <p:tnLst>
+      <p:par>
+        <p:cTn id="1" dur="indefinite" restart="never" nodeType="tmRoot"/>
+      </p:par>
+    </p:tnLst>
+  </p:timing>
+</p:sld>
+</file>
+
+<file path=ppt/slides/slide7.xml><?xml version="1.0" encoding="utf-8"?>
+<p:sld xmlns:a="http://schemas.openxmlformats.org/drawingml/2006/main" xmlns:r="http://schemas.openxmlformats.org/officeDocument/2006/relationships" xmlns:p="http://schemas.openxmlformats.org/presentationml/2006/main">
+  <p:cSld>
+    <p:spTree>
+      <p:nvGrpSpPr>
+        <p:cNvPr id="1" name=""/>
+        <p:cNvGrpSpPr/>
+        <p:nvPr/>
+      </p:nvGrpSpPr>
+      <p:grpSpPr>
+        <a:xfrm>
+          <a:off x="0" y="0"/>
+          <a:ext cx="0" cy="0"/>
+          <a:chOff x="0" y="0"/>
+          <a:chExt cx="0" cy="0"/>
+        </a:xfrm>
+      </p:grpSpPr>
+      <p:sp>
+        <p:nvSpPr>
+          <p:cNvPr id="17" name="Rounded Rectangle 16"/>
+          <p:cNvSpPr/>
+          <p:nvPr/>
+        </p:nvSpPr>
+        <p:spPr>
+          <a:xfrm>
+            <a:off x="390922" y="1538032"/>
+            <a:ext cx="7781478" cy="5131328"/>
+          </a:xfrm>
+          <a:prstGeom prst="roundRect">
+            <a:avLst>
+              <a:gd name="adj" fmla="val 4324"/>
+            </a:avLst>
+          </a:prstGeom>
+          <a:solidFill>
+            <a:schemeClr val="bg1"/>
+          </a:solidFill>
+        </p:spPr>
+        <p:style>
+          <a:lnRef idx="2">
+            <a:schemeClr val="accent1">
+              <a:shade val="50000"/>
+            </a:schemeClr>
+          </a:lnRef>
+          <a:fillRef idx="1">
+            <a:schemeClr val="accent1"/>
+          </a:fillRef>
+          <a:effectRef idx="0">
+            <a:schemeClr val="accent1"/>
+          </a:effectRef>
+          <a:fontRef idx="minor">
+            <a:schemeClr val="lt1"/>
+          </a:fontRef>
+        </p:style>
+        <p:txBody>
+          <a:bodyPr rtlCol="0" anchor="ctr"/>
+          <a:lstStyle/>
+          <a:p>
+            <a:pPr algn="ctr"/>
+            <a:endParaRPr lang="en-US"/>
+          </a:p>
+        </p:txBody>
+      </p:sp>
+      <p:sp>
+        <p:nvSpPr>
+          <p:cNvPr id="2" name="Title 1"/>
+          <p:cNvSpPr>
+            <a:spLocks noGrp="1"/>
+          </p:cNvSpPr>
+          <p:nvPr>
+            <p:ph type="title"/>
+          </p:nvPr>
+        </p:nvSpPr>
+        <p:spPr/>
+        <p:txBody>
+          <a:bodyPr/>
+          <a:lstStyle/>
+          <a:p>
+            <a:r>
+              <a:rPr lang="en-US" dirty="0" smtClean="0"/>
+              <a:t>Web/ Desktop Signup</a:t>
+            </a:r>
+            <a:endParaRPr lang="en-US" dirty="0"/>
+          </a:p>
+        </p:txBody>
+      </p:sp>
+      <p:pic>
+        <p:nvPicPr>
+          <p:cNvPr id="4" name="Picture 3"/>
+          <p:cNvPicPr>
+            <a:picLocks noChangeAspect="1"/>
+          </p:cNvPicPr>
+          <p:nvPr/>
+        </p:nvPicPr>
+        <p:blipFill>
+          <a:blip r:embed="rId2" cstate="print">
+            <a:extLst>
+              <a:ext uri="{28A0092B-C50C-407E-A947-70E740481C1C}">
+                <a14:useLocalDpi xmlns:a14="http://schemas.microsoft.com/office/drawing/2010/main" val="0"/>
+              </a:ext>
+            </a:extLst>
+          </a:blip>
+          <a:stretch>
+            <a:fillRect/>
+          </a:stretch>
+        </p:blipFill>
+        <p:spPr>
+          <a:xfrm>
+            <a:off x="1043608" y="3290843"/>
+            <a:ext cx="1440160" cy="1170899"/>
+          </a:xfrm>
+          <a:prstGeom prst="rect">
+            <a:avLst/>
+          </a:prstGeom>
+        </p:spPr>
+      </p:pic>
+      <p:sp>
+        <p:nvSpPr>
+          <p:cNvPr id="5" name="Rounded Rectangle 4"/>
+          <p:cNvSpPr/>
+          <p:nvPr/>
+        </p:nvSpPr>
+        <p:spPr>
+          <a:xfrm>
+            <a:off x="3312046" y="1757828"/>
+            <a:ext cx="3096344" cy="360040"/>
+          </a:xfrm>
+          <a:prstGeom prst="roundRect">
+            <a:avLst/>
+          </a:prstGeom>
+          <a:solidFill>
+            <a:schemeClr val="bg1">
+              <a:lumMod val="85000"/>
+            </a:schemeClr>
+          </a:solidFill>
+          <a:ln>
+            <a:solidFill>
+              <a:schemeClr val="tx1">
+                <a:lumMod val="65000"/>
+                <a:lumOff val="35000"/>
+              </a:schemeClr>
+            </a:solidFill>
+          </a:ln>
+        </p:spPr>
+        <p:style>
+          <a:lnRef idx="2">
+            <a:schemeClr val="accent1">
+              <a:shade val="50000"/>
+            </a:schemeClr>
+          </a:lnRef>
+          <a:fillRef idx="1">
+            <a:schemeClr val="accent1"/>
+          </a:fillRef>
+          <a:effectRef idx="0">
+            <a:schemeClr val="accent1"/>
+          </a:effectRef>
+          <a:fontRef idx="minor">
+            <a:schemeClr val="lt1"/>
+          </a:fontRef>
+        </p:style>
+        <p:txBody>
+          <a:bodyPr rtlCol="0" anchor="ctr"/>
+          <a:lstStyle/>
+          <a:p>
+            <a:r>
+              <a:rPr lang="en-US" dirty="0" smtClean="0">
+                <a:solidFill>
+                  <a:srgbClr val="002060"/>
+                </a:solidFill>
+              </a:rPr>
+              <a:t>Phone no.</a:t>
+            </a:r>
+            <a:endParaRPr lang="en-US" dirty="0">
+              <a:solidFill>
+                <a:srgbClr val="002060"/>
+              </a:solidFill>
+            </a:endParaRPr>
+          </a:p>
+        </p:txBody>
+      </p:sp>
+      <p:sp>
+        <p:nvSpPr>
+          <p:cNvPr id="6" name="Rounded Rectangle 5"/>
+          <p:cNvSpPr/>
+          <p:nvPr/>
+        </p:nvSpPr>
+        <p:spPr>
+          <a:xfrm>
+            <a:off x="3312046" y="2220374"/>
+            <a:ext cx="3096344" cy="360040"/>
+          </a:xfrm>
+          <a:prstGeom prst="roundRect">
+            <a:avLst/>
+          </a:prstGeom>
+          <a:solidFill>
+            <a:schemeClr val="bg1">
+              <a:lumMod val="85000"/>
+            </a:schemeClr>
+          </a:solidFill>
+          <a:ln>
+            <a:solidFill>
+              <a:schemeClr val="tx1">
+                <a:lumMod val="65000"/>
+                <a:lumOff val="35000"/>
+              </a:schemeClr>
+            </a:solidFill>
+          </a:ln>
+        </p:spPr>
+        <p:style>
+          <a:lnRef idx="2">
+            <a:schemeClr val="accent1">
+              <a:shade val="50000"/>
+            </a:schemeClr>
+          </a:lnRef>
+          <a:fillRef idx="1">
+            <a:schemeClr val="accent1"/>
+          </a:fillRef>
+          <a:effectRef idx="0">
+            <a:schemeClr val="accent1"/>
+          </a:effectRef>
+          <a:fontRef idx="minor">
+            <a:schemeClr val="lt1"/>
+          </a:fontRef>
+        </p:style>
+        <p:txBody>
+          <a:bodyPr rtlCol="0" anchor="ctr"/>
+          <a:lstStyle/>
+          <a:p>
+            <a:r>
+              <a:rPr lang="en-US" dirty="0" smtClean="0">
+                <a:solidFill>
+                  <a:srgbClr val="002060"/>
+                </a:solidFill>
+              </a:rPr>
+              <a:t>Password</a:t>
+            </a:r>
+            <a:endParaRPr lang="en-US" dirty="0">
+              <a:solidFill>
+                <a:srgbClr val="002060"/>
+              </a:solidFill>
+            </a:endParaRPr>
+          </a:p>
+        </p:txBody>
+      </p:sp>
+      <p:sp>
+        <p:nvSpPr>
+          <p:cNvPr id="7" name="Rounded Rectangle 6"/>
+          <p:cNvSpPr/>
+          <p:nvPr/>
+        </p:nvSpPr>
+        <p:spPr>
+          <a:xfrm>
+            <a:off x="3320008" y="2688472"/>
+            <a:ext cx="3088382" cy="360040"/>
+          </a:xfrm>
+          <a:prstGeom prst="roundRect">
+            <a:avLst/>
+          </a:prstGeom>
+          <a:solidFill>
+            <a:schemeClr val="bg1">
+              <a:lumMod val="85000"/>
+            </a:schemeClr>
+          </a:solidFill>
+          <a:ln>
+            <a:solidFill>
+              <a:schemeClr val="tx1">
+                <a:lumMod val="65000"/>
+                <a:lumOff val="35000"/>
+              </a:schemeClr>
+            </a:solidFill>
+          </a:ln>
+        </p:spPr>
+        <p:style>
+          <a:lnRef idx="2">
+            <a:schemeClr val="accent1">
+              <a:shade val="50000"/>
+            </a:schemeClr>
+          </a:lnRef>
+          <a:fillRef idx="1">
+            <a:schemeClr val="accent1"/>
+          </a:fillRef>
+          <a:effectRef idx="0">
+            <a:schemeClr val="accent1"/>
+          </a:effectRef>
+          <a:fontRef idx="minor">
+            <a:schemeClr val="lt1"/>
+          </a:fontRef>
+        </p:style>
+        <p:txBody>
+          <a:bodyPr rtlCol="0" anchor="ctr"/>
+          <a:lstStyle/>
+          <a:p>
+            <a:r>
+              <a:rPr lang="en-US" dirty="0" smtClean="0">
+                <a:solidFill>
+                  <a:srgbClr val="002060"/>
+                </a:solidFill>
+              </a:rPr>
+              <a:t>Confirm password</a:t>
+            </a:r>
+            <a:r>
+              <a:rPr lang="en-US" dirty="0" smtClean="0">
+                <a:solidFill>
+                  <a:srgbClr val="002060"/>
+                </a:solidFill>
+              </a:rPr>
+              <a:t>.</a:t>
+            </a:r>
+            <a:endParaRPr lang="en-US" dirty="0">
+              <a:solidFill>
+                <a:srgbClr val="002060"/>
+              </a:solidFill>
+            </a:endParaRPr>
+          </a:p>
+        </p:txBody>
+      </p:sp>
+      <p:sp>
+        <p:nvSpPr>
+          <p:cNvPr id="8" name="Rounded Rectangle 7"/>
+          <p:cNvSpPr/>
+          <p:nvPr/>
+        </p:nvSpPr>
+        <p:spPr>
+          <a:xfrm>
+            <a:off x="3320008" y="3703468"/>
+            <a:ext cx="3088382" cy="360040"/>
+          </a:xfrm>
+          <a:prstGeom prst="roundRect">
+            <a:avLst/>
+          </a:prstGeom>
+          <a:solidFill>
+            <a:schemeClr val="bg1">
+              <a:lumMod val="85000"/>
+            </a:schemeClr>
+          </a:solidFill>
+          <a:ln>
+            <a:solidFill>
+              <a:schemeClr val="tx1">
+                <a:lumMod val="65000"/>
+                <a:lumOff val="35000"/>
+              </a:schemeClr>
+            </a:solidFill>
+          </a:ln>
+        </p:spPr>
+        <p:style>
+          <a:lnRef idx="2">
+            <a:schemeClr val="accent1">
+              <a:shade val="50000"/>
+            </a:schemeClr>
+          </a:lnRef>
+          <a:fillRef idx="1">
+            <a:schemeClr val="accent1"/>
+          </a:fillRef>
+          <a:effectRef idx="0">
+            <a:schemeClr val="accent1"/>
+          </a:effectRef>
+          <a:fontRef idx="minor">
+            <a:schemeClr val="lt1"/>
+          </a:fontRef>
+        </p:style>
+        <p:txBody>
+          <a:bodyPr rtlCol="0" anchor="ctr"/>
+          <a:lstStyle/>
+          <a:p>
+            <a:r>
+              <a:rPr lang="en-US" dirty="0" smtClean="0">
+                <a:solidFill>
+                  <a:srgbClr val="002060"/>
+                </a:solidFill>
+              </a:rPr>
+              <a:t>Address: house no, street</a:t>
+            </a:r>
+            <a:endParaRPr lang="en-US" dirty="0">
+              <a:solidFill>
+                <a:srgbClr val="002060"/>
+              </a:solidFill>
+            </a:endParaRPr>
+          </a:p>
+        </p:txBody>
+      </p:sp>
+      <p:sp>
+        <p:nvSpPr>
+          <p:cNvPr id="9" name="Rounded Rectangle 8"/>
+          <p:cNvSpPr/>
+          <p:nvPr/>
+        </p:nvSpPr>
+        <p:spPr>
+          <a:xfrm>
+            <a:off x="3312046" y="4234958"/>
+            <a:ext cx="3088382" cy="360040"/>
+          </a:xfrm>
+          <a:prstGeom prst="roundRect">
+            <a:avLst/>
+          </a:prstGeom>
+          <a:solidFill>
+            <a:schemeClr val="bg1">
+              <a:lumMod val="85000"/>
+            </a:schemeClr>
+          </a:solidFill>
+          <a:ln>
+            <a:solidFill>
+              <a:schemeClr val="tx1">
+                <a:lumMod val="65000"/>
+                <a:lumOff val="35000"/>
+              </a:schemeClr>
+            </a:solidFill>
+          </a:ln>
+        </p:spPr>
+        <p:style>
+          <a:lnRef idx="2">
+            <a:schemeClr val="accent1">
+              <a:shade val="50000"/>
+            </a:schemeClr>
+          </a:lnRef>
+          <a:fillRef idx="1">
+            <a:schemeClr val="accent1"/>
+          </a:fillRef>
+          <a:effectRef idx="0">
+            <a:schemeClr val="accent1"/>
+          </a:effectRef>
+          <a:fontRef idx="minor">
+            <a:schemeClr val="lt1"/>
+          </a:fontRef>
+        </p:style>
+        <p:txBody>
+          <a:bodyPr rtlCol="0" anchor="ctr"/>
+          <a:lstStyle/>
+          <a:p>
+            <a:r>
+              <a:rPr lang="en-US" dirty="0" smtClean="0">
+                <a:solidFill>
+                  <a:srgbClr val="002060"/>
+                </a:solidFill>
+              </a:rPr>
+              <a:t>City, state country</a:t>
+            </a:r>
+            <a:endParaRPr lang="en-US" dirty="0">
+              <a:solidFill>
+                <a:srgbClr val="002060"/>
+              </a:solidFill>
+            </a:endParaRPr>
+          </a:p>
+        </p:txBody>
+      </p:sp>
+      <p:sp>
+        <p:nvSpPr>
+          <p:cNvPr id="10" name="Rounded Rectangle 9"/>
+          <p:cNvSpPr/>
+          <p:nvPr/>
+        </p:nvSpPr>
+        <p:spPr>
+          <a:xfrm>
+            <a:off x="3316982" y="4747398"/>
+            <a:ext cx="3088382" cy="360040"/>
+          </a:xfrm>
+          <a:prstGeom prst="roundRect">
+            <a:avLst/>
+          </a:prstGeom>
+          <a:solidFill>
+            <a:schemeClr val="bg1">
+              <a:lumMod val="85000"/>
+            </a:schemeClr>
+          </a:solidFill>
+          <a:ln>
+            <a:solidFill>
+              <a:schemeClr val="tx1">
+                <a:lumMod val="65000"/>
+                <a:lumOff val="35000"/>
+              </a:schemeClr>
+            </a:solidFill>
+          </a:ln>
+        </p:spPr>
+        <p:style>
+          <a:lnRef idx="2">
+            <a:schemeClr val="accent1">
+              <a:shade val="50000"/>
+            </a:schemeClr>
+          </a:lnRef>
+          <a:fillRef idx="1">
+            <a:schemeClr val="accent1"/>
+          </a:fillRef>
+          <a:effectRef idx="0">
+            <a:schemeClr val="accent1"/>
+          </a:effectRef>
+          <a:fontRef idx="minor">
+            <a:schemeClr val="lt1"/>
+          </a:fontRef>
+        </p:style>
+        <p:txBody>
+          <a:bodyPr rtlCol="0" anchor="ctr"/>
+          <a:lstStyle/>
+          <a:p>
+            <a:r>
+              <a:rPr lang="en-US" dirty="0" smtClean="0">
+                <a:solidFill>
+                  <a:srgbClr val="002060"/>
+                </a:solidFill>
+              </a:rPr>
+              <a:t>PIN/ZIP</a:t>
+            </a:r>
+            <a:endParaRPr lang="en-US" dirty="0">
+              <a:solidFill>
+                <a:srgbClr val="002060"/>
+              </a:solidFill>
+            </a:endParaRPr>
+          </a:p>
+        </p:txBody>
+      </p:sp>
+      <p:sp>
+        <p:nvSpPr>
+          <p:cNvPr id="11" name="Rounded Rectangle 10"/>
+          <p:cNvSpPr/>
+          <p:nvPr/>
+        </p:nvSpPr>
+        <p:spPr>
+          <a:xfrm>
+            <a:off x="5004048" y="6093296"/>
+            <a:ext cx="1536229" cy="432048"/>
+          </a:xfrm>
+          <a:prstGeom prst="roundRect">
+            <a:avLst/>
+          </a:prstGeom>
+          <a:solidFill>
+            <a:schemeClr val="bg2">
+              <a:lumMod val="25000"/>
+            </a:schemeClr>
+          </a:solidFill>
+        </p:spPr>
+        <p:style>
+          <a:lnRef idx="2">
+            <a:schemeClr val="accent1">
+              <a:shade val="50000"/>
+            </a:schemeClr>
+          </a:lnRef>
+          <a:fillRef idx="1">
+            <a:schemeClr val="accent1"/>
+          </a:fillRef>
+          <a:effectRef idx="0">
+            <a:schemeClr val="accent1"/>
+          </a:effectRef>
+          <a:fontRef idx="minor">
+            <a:schemeClr val="lt1"/>
+          </a:fontRef>
+        </p:style>
+        <p:txBody>
+          <a:bodyPr rtlCol="0" anchor="ctr"/>
+          <a:lstStyle/>
+          <a:p>
+            <a:pPr algn="ctr"/>
+            <a:r>
+              <a:rPr lang="en-US" dirty="0" smtClean="0"/>
+              <a:t>Register</a:t>
+            </a:r>
+            <a:endParaRPr lang="en-US" dirty="0"/>
+          </a:p>
+        </p:txBody>
+      </p:sp>
+      <p:sp>
+        <p:nvSpPr>
+          <p:cNvPr id="12" name="Rectangle 11"/>
+          <p:cNvSpPr/>
+          <p:nvPr/>
+        </p:nvSpPr>
+        <p:spPr>
+          <a:xfrm>
+            <a:off x="3358120" y="5192484"/>
+            <a:ext cx="315888" cy="288032"/>
+          </a:xfrm>
+          <a:prstGeom prst="rect">
+            <a:avLst/>
+          </a:prstGeom>
+          <a:solidFill>
+            <a:schemeClr val="bg1"/>
+          </a:solidFill>
+        </p:spPr>
+        <p:style>
+          <a:lnRef idx="2">
+            <a:schemeClr val="accent1">
+              <a:shade val="50000"/>
+            </a:schemeClr>
+          </a:lnRef>
+          <a:fillRef idx="1">
+            <a:schemeClr val="accent1"/>
+          </a:fillRef>
+          <a:effectRef idx="0">
+            <a:schemeClr val="accent1"/>
+          </a:effectRef>
+          <a:fontRef idx="minor">
+            <a:schemeClr val="lt1"/>
+          </a:fontRef>
+        </p:style>
+        <p:txBody>
+          <a:bodyPr rtlCol="0" anchor="ctr"/>
+          <a:lstStyle/>
+          <a:p>
+            <a:pPr algn="ctr"/>
+            <a:endParaRPr lang="en-US"/>
+          </a:p>
+        </p:txBody>
+      </p:sp>
+      <p:sp>
+        <p:nvSpPr>
+          <p:cNvPr id="13" name="Rounded Rectangle 12"/>
+          <p:cNvSpPr/>
+          <p:nvPr/>
+        </p:nvSpPr>
+        <p:spPr>
+          <a:xfrm>
+            <a:off x="3320008" y="5567994"/>
+            <a:ext cx="3080420" cy="360040"/>
+          </a:xfrm>
+          <a:prstGeom prst="roundRect">
+            <a:avLst/>
+          </a:prstGeom>
+          <a:solidFill>
+            <a:schemeClr val="bg1">
+              <a:lumMod val="85000"/>
+            </a:schemeClr>
+          </a:solidFill>
+          <a:ln>
+            <a:solidFill>
+              <a:schemeClr val="tx1">
+                <a:lumMod val="65000"/>
+                <a:lumOff val="35000"/>
+              </a:schemeClr>
+            </a:solidFill>
+          </a:ln>
+        </p:spPr>
+        <p:style>
+          <a:lnRef idx="2">
+            <a:schemeClr val="accent1">
+              <a:shade val="50000"/>
+            </a:schemeClr>
+          </a:lnRef>
+          <a:fillRef idx="1">
+            <a:schemeClr val="accent1"/>
+          </a:fillRef>
+          <a:effectRef idx="0">
+            <a:schemeClr val="accent1"/>
+          </a:effectRef>
+          <a:fontRef idx="minor">
+            <a:schemeClr val="lt1"/>
+          </a:fontRef>
+        </p:style>
+        <p:txBody>
+          <a:bodyPr rtlCol="0" anchor="ctr"/>
+          <a:lstStyle/>
+          <a:p>
+            <a:r>
+              <a:rPr lang="en-US" dirty="0" smtClean="0">
+                <a:solidFill>
+                  <a:srgbClr val="002060"/>
+                </a:solidFill>
+              </a:rPr>
+              <a:t>Service</a:t>
+            </a:r>
+            <a:endParaRPr lang="en-US" dirty="0">
+              <a:solidFill>
+                <a:srgbClr val="002060"/>
+              </a:solidFill>
+            </a:endParaRPr>
+          </a:p>
+        </p:txBody>
+      </p:sp>
+      <p:sp>
+        <p:nvSpPr>
+          <p:cNvPr id="14" name="TextBox 13"/>
+          <p:cNvSpPr txBox="1"/>
+          <p:nvPr/>
+        </p:nvSpPr>
+        <p:spPr>
+          <a:xfrm>
+            <a:off x="3787184" y="5170884"/>
+            <a:ext cx="1045414" cy="369332"/>
+          </a:xfrm>
+          <a:prstGeom prst="rect">
+            <a:avLst/>
+          </a:prstGeom>
+          <a:noFill/>
+        </p:spPr>
+        <p:txBody>
+          <a:bodyPr wrap="none" rtlCol="0">
+            <a:spAutoFit/>
+          </a:bodyPr>
+          <a:lstStyle/>
+          <a:p>
+            <a:r>
+              <a:rPr lang="en-US" dirty="0" smtClean="0"/>
+              <a:t>Provider</a:t>
+            </a:r>
+            <a:endParaRPr lang="en-US" dirty="0"/>
+          </a:p>
+        </p:txBody>
+      </p:sp>
+      <p:sp>
+        <p:nvSpPr>
+          <p:cNvPr id="15" name="Isosceles Triangle 14"/>
+          <p:cNvSpPr/>
+          <p:nvPr/>
+        </p:nvSpPr>
+        <p:spPr>
+          <a:xfrm rot="10800000">
+            <a:off x="5928621" y="5603996"/>
+            <a:ext cx="438231" cy="288035"/>
+          </a:xfrm>
+          <a:prstGeom prst="triangle">
+            <a:avLst/>
+          </a:prstGeom>
+        </p:spPr>
+        <p:style>
+          <a:lnRef idx="2">
+            <a:schemeClr val="accent1">
+              <a:shade val="50000"/>
+            </a:schemeClr>
+          </a:lnRef>
+          <a:fillRef idx="1">
+            <a:schemeClr val="accent1"/>
+          </a:fillRef>
+          <a:effectRef idx="0">
+            <a:schemeClr val="accent1"/>
+          </a:effectRef>
+          <a:fontRef idx="minor">
+            <a:schemeClr val="lt1"/>
+          </a:fontRef>
+        </p:style>
+        <p:txBody>
+          <a:bodyPr rtlCol="0" anchor="ctr"/>
+          <a:lstStyle/>
+          <a:p>
+            <a:pPr algn="ctr"/>
+            <a:endParaRPr lang="en-US"/>
+          </a:p>
+        </p:txBody>
+      </p:sp>
+      <p:sp>
+        <p:nvSpPr>
+          <p:cNvPr id="18" name="Rounded Rectangle 17"/>
+          <p:cNvSpPr/>
+          <p:nvPr/>
+        </p:nvSpPr>
+        <p:spPr>
+          <a:xfrm>
+            <a:off x="3309764" y="3189734"/>
+            <a:ext cx="3096344" cy="360040"/>
+          </a:xfrm>
+          <a:prstGeom prst="roundRect">
+            <a:avLst/>
+          </a:prstGeom>
+          <a:solidFill>
+            <a:schemeClr val="bg1">
+              <a:lumMod val="85000"/>
+            </a:schemeClr>
+          </a:solidFill>
+          <a:ln>
+            <a:solidFill>
+              <a:schemeClr val="tx1">
+                <a:lumMod val="65000"/>
+                <a:lumOff val="35000"/>
+              </a:schemeClr>
+            </a:solidFill>
+          </a:ln>
+        </p:spPr>
+        <p:style>
+          <a:lnRef idx="2">
+            <a:schemeClr val="accent1">
+              <a:shade val="50000"/>
+            </a:schemeClr>
+          </a:lnRef>
+          <a:fillRef idx="1">
+            <a:schemeClr val="accent1"/>
+          </a:fillRef>
+          <a:effectRef idx="0">
+            <a:schemeClr val="accent1"/>
+          </a:effectRef>
+          <a:fontRef idx="minor">
+            <a:schemeClr val="lt1"/>
+          </a:fontRef>
+        </p:style>
+        <p:txBody>
+          <a:bodyPr rtlCol="0" anchor="ctr"/>
+          <a:lstStyle/>
+          <a:p>
+            <a:r>
+              <a:rPr lang="en-US" dirty="0" smtClean="0">
+                <a:solidFill>
+                  <a:srgbClr val="002060"/>
+                </a:solidFill>
+              </a:rPr>
+              <a:t>Name</a:t>
+            </a:r>
+            <a:endParaRPr lang="en-US" dirty="0">
+              <a:solidFill>
+                <a:srgbClr val="002060"/>
+              </a:solidFill>
+            </a:endParaRPr>
+          </a:p>
+        </p:txBody>
+      </p:sp>
+    </p:spTree>
+    <p:extLst>
+      <p:ext uri="{BB962C8B-B14F-4D97-AF65-F5344CB8AC3E}">
+        <p14:creationId xmlns:p14="http://schemas.microsoft.com/office/powerpoint/2010/main" val="2551283037"/>
+      </p:ext>
+    </p:extLst>
+  </p:cSld>
+  <p:clrMapOvr>
+    <a:masterClrMapping/>
+  </p:clrMapOvr>
+  <p:timing>
+    <p:tnLst>
+      <p:par>
+        <p:cTn id="1" dur="indefinite" restart="never" nodeType="tmRoot"/>
+      </p:par>
+    </p:tnLst>
+  </p:timing>
+</p:sld>
+</file>
+
+<file path=ppt/slides/slide8.xml><?xml version="1.0" encoding="utf-8"?>
+<p:sld xmlns:a="http://schemas.openxmlformats.org/drawingml/2006/main" xmlns:r="http://schemas.openxmlformats.org/officeDocument/2006/relationships" xmlns:p="http://schemas.openxmlformats.org/presentationml/2006/main">
+  <p:cSld>
+    <p:spTree>
+      <p:nvGrpSpPr>
+        <p:cNvPr id="1" name=""/>
+        <p:cNvGrpSpPr/>
+        <p:nvPr/>
+      </p:nvGrpSpPr>
+      <p:grpSpPr>
+        <a:xfrm>
+          <a:off x="0" y="0"/>
+          <a:ext cx="0" cy="0"/>
+          <a:chOff x="0" y="0"/>
+          <a:chExt cx="0" cy="0"/>
+        </a:xfrm>
+      </p:grpSpPr>
+      <p:sp>
+        <p:nvSpPr>
+          <p:cNvPr id="2" name="Rounded Rectangle 1"/>
+          <p:cNvSpPr/>
+          <p:nvPr/>
+        </p:nvSpPr>
+        <p:spPr>
+          <a:xfrm>
+            <a:off x="813892" y="1361842"/>
+            <a:ext cx="7781478" cy="4515430"/>
+          </a:xfrm>
+          <a:prstGeom prst="roundRect">
+            <a:avLst>
+              <a:gd name="adj" fmla="val 4324"/>
+            </a:avLst>
+          </a:prstGeom>
+          <a:solidFill>
+            <a:schemeClr val="bg1"/>
+          </a:solidFill>
+        </p:spPr>
+        <p:style>
+          <a:lnRef idx="2">
+            <a:schemeClr val="accent1">
+              <a:shade val="50000"/>
+            </a:schemeClr>
+          </a:lnRef>
+          <a:fillRef idx="1">
+            <a:schemeClr val="accent1"/>
+          </a:fillRef>
+          <a:effectRef idx="0">
+            <a:schemeClr val="accent1"/>
+          </a:effectRef>
+          <a:fontRef idx="minor">
+            <a:schemeClr val="lt1"/>
+          </a:fontRef>
+        </p:style>
+        <p:txBody>
+          <a:bodyPr rtlCol="0" anchor="ctr"/>
+          <a:lstStyle/>
+          <a:p>
+            <a:pPr algn="ctr"/>
+            <a:endParaRPr lang="en-US"/>
+          </a:p>
+        </p:txBody>
+      </p:sp>
+      <p:pic>
+        <p:nvPicPr>
+          <p:cNvPr id="3" name="Picture 2"/>
+          <p:cNvPicPr>
+            <a:picLocks noChangeAspect="1"/>
+          </p:cNvPicPr>
+          <p:nvPr/>
+        </p:nvPicPr>
+        <p:blipFill>
+          <a:blip r:embed="rId2" cstate="print">
+            <a:extLst>
+              <a:ext uri="{28A0092B-C50C-407E-A947-70E740481C1C}">
+                <a14:useLocalDpi xmlns:a14="http://schemas.microsoft.com/office/drawing/2010/main" val="0"/>
+              </a:ext>
+            </a:extLst>
+          </a:blip>
+          <a:stretch>
+            <a:fillRect/>
+          </a:stretch>
+        </p:blipFill>
+        <p:spPr>
+          <a:xfrm>
+            <a:off x="813891" y="1495192"/>
+            <a:ext cx="922765" cy="750240"/>
+          </a:xfrm>
+          <a:prstGeom prst="rect">
+            <a:avLst/>
+          </a:prstGeom>
+        </p:spPr>
+      </p:pic>
+      <p:graphicFrame>
+        <p:nvGraphicFramePr>
+          <p:cNvPr id="4" name="Table 3"/>
+          <p:cNvGraphicFramePr>
+            <a:graphicFrameLocks noGrp="1"/>
+          </p:cNvGraphicFramePr>
+          <p:nvPr>
+            <p:extLst>
+              <p:ext uri="{D42A27DB-BD31-4B8C-83A1-F6EECF244321}">
+                <p14:modId xmlns:p14="http://schemas.microsoft.com/office/powerpoint/2010/main" val="1422940295"/>
+              </p:ext>
+            </p:extLst>
+          </p:nvPr>
+        </p:nvGraphicFramePr>
+        <p:xfrm>
+          <a:off x="1835696" y="2321617"/>
+          <a:ext cx="6552730" cy="2595880"/>
+        </p:xfrm>
+        <a:graphic>
+          <a:graphicData uri="http://schemas.openxmlformats.org/drawingml/2006/table">
+            <a:tbl>
+              <a:tblPr firstRow="1" bandRow="1">
+                <a:tableStyleId>{5C22544A-7EE6-4342-B048-85BDC9FD1C3A}</a:tableStyleId>
+              </a:tblPr>
+              <a:tblGrid>
+                <a:gridCol w="1008112"/>
+                <a:gridCol w="1296144"/>
+                <a:gridCol w="1224136"/>
+                <a:gridCol w="1512168"/>
+                <a:gridCol w="1512170"/>
+              </a:tblGrid>
+              <a:tr h="370840">
+                <a:tc>
+                  <a:txBody>
+                    <a:bodyPr/>
+                    <a:lstStyle/>
+                    <a:p>
+                      <a:r>
+                        <a:rPr lang="en-US" dirty="0" smtClean="0"/>
+                        <a:t>Ref.</a:t>
+                      </a:r>
+                      <a:r>
+                        <a:rPr lang="en-US" baseline="0" dirty="0" smtClean="0"/>
+                        <a:t> no.</a:t>
+                      </a:r>
+                      <a:endParaRPr lang="en-US" dirty="0"/>
+                    </a:p>
+                  </a:txBody>
+                  <a:tcPr/>
+                </a:tc>
+                <a:tc>
+                  <a:txBody>
+                    <a:bodyPr/>
+                    <a:lstStyle/>
+                    <a:p>
+                      <a:r>
+                        <a:rPr lang="en-US" dirty="0" smtClean="0"/>
+                        <a:t>service</a:t>
+                      </a:r>
+                      <a:endParaRPr lang="en-US" dirty="0"/>
+                    </a:p>
+                  </a:txBody>
+                  <a:tcPr/>
+                </a:tc>
+                <a:tc>
+                  <a:txBody>
+                    <a:bodyPr/>
+                    <a:lstStyle/>
+                    <a:p>
+                      <a:r>
+                        <a:rPr lang="en-US" dirty="0" smtClean="0"/>
+                        <a:t>when</a:t>
+                      </a:r>
+                      <a:endParaRPr lang="en-US" dirty="0"/>
+                    </a:p>
+                  </a:txBody>
+                  <a:tcPr/>
+                </a:tc>
+                <a:tc>
+                  <a:txBody>
+                    <a:bodyPr/>
+                    <a:lstStyle/>
+                    <a:p>
+                      <a:r>
+                        <a:rPr lang="en-US" dirty="0" smtClean="0"/>
+                        <a:t>status</a:t>
+                      </a:r>
+                      <a:endParaRPr lang="en-US" dirty="0"/>
+                    </a:p>
+                  </a:txBody>
+                  <a:tcPr/>
+                </a:tc>
+                <a:tc>
+                  <a:txBody>
+                    <a:bodyPr/>
+                    <a:lstStyle/>
+                    <a:p>
+                      <a:r>
+                        <a:rPr lang="en-US" dirty="0" smtClean="0"/>
+                        <a:t>comment</a:t>
+                      </a:r>
+                      <a:endParaRPr lang="en-US" dirty="0"/>
+                    </a:p>
+                  </a:txBody>
+                  <a:tcPr/>
+                </a:tc>
+              </a:tr>
+              <a:tr h="370840">
+                <a:tc>
+                  <a:txBody>
+                    <a:bodyPr/>
+                    <a:lstStyle/>
+                    <a:p>
+                      <a:r>
+                        <a:rPr lang="en-US" dirty="0" err="1" smtClean="0"/>
+                        <a:t>xxxxxx</a:t>
+                      </a:r>
+                      <a:endParaRPr lang="en-US" dirty="0"/>
+                    </a:p>
+                  </a:txBody>
+                  <a:tcPr/>
+                </a:tc>
+                <a:tc>
+                  <a:txBody>
+                    <a:bodyPr/>
+                    <a:lstStyle/>
+                    <a:p>
+                      <a:r>
+                        <a:rPr lang="en-US" dirty="0" smtClean="0"/>
+                        <a:t>water</a:t>
+                      </a:r>
+                      <a:endParaRPr lang="en-US" dirty="0"/>
+                    </a:p>
+                  </a:txBody>
+                  <a:tcPr/>
+                </a:tc>
+                <a:tc>
+                  <a:txBody>
+                    <a:bodyPr/>
+                    <a:lstStyle/>
+                    <a:p>
+                      <a:r>
+                        <a:rPr lang="en-US" dirty="0" smtClean="0"/>
+                        <a:t>10/11/15</a:t>
+                      </a:r>
+                      <a:endParaRPr lang="en-US" dirty="0"/>
+                    </a:p>
+                  </a:txBody>
+                  <a:tcPr/>
+                </a:tc>
+                <a:tc>
+                  <a:txBody>
+                    <a:bodyPr/>
+                    <a:lstStyle/>
+                    <a:p>
+                      <a:r>
+                        <a:rPr lang="en-US" dirty="0" smtClean="0"/>
+                        <a:t>In</a:t>
+                      </a:r>
+                      <a:r>
+                        <a:rPr lang="en-US" baseline="0" dirty="0" smtClean="0"/>
+                        <a:t> progress</a:t>
+                      </a:r>
+                      <a:endParaRPr lang="en-US" dirty="0"/>
+                    </a:p>
+                  </a:txBody>
+                  <a:tcPr/>
+                </a:tc>
+                <a:tc>
+                  <a:txBody>
+                    <a:bodyPr/>
+                    <a:lstStyle/>
+                    <a:p>
+                      <a:r>
+                        <a:rPr lang="en-US" dirty="0" smtClean="0"/>
+                        <a:t>Get</a:t>
+                      </a:r>
+                      <a:r>
+                        <a:rPr lang="en-US" baseline="0" dirty="0" smtClean="0"/>
+                        <a:t> a call</a:t>
+                      </a:r>
+                      <a:endParaRPr lang="en-US" dirty="0"/>
+                    </a:p>
+                  </a:txBody>
+                  <a:tcPr/>
+                </a:tc>
+              </a:tr>
+              <a:tr h="370840">
+                <a:tc>
+                  <a:txBody>
+                    <a:bodyPr/>
+                    <a:lstStyle/>
+                    <a:p>
+                      <a:r>
+                        <a:rPr lang="en-US" dirty="0" err="1" smtClean="0"/>
+                        <a:t>zzzzzz</a:t>
+                      </a:r>
+                      <a:endParaRPr lang="en-US" dirty="0"/>
+                    </a:p>
+                  </a:txBody>
+                  <a:tcPr/>
+                </a:tc>
+                <a:tc>
+                  <a:txBody>
+                    <a:bodyPr/>
+                    <a:lstStyle/>
+                    <a:p>
+                      <a:r>
+                        <a:rPr lang="en-US" dirty="0" smtClean="0"/>
+                        <a:t>bouquet</a:t>
+                      </a:r>
+                      <a:endParaRPr lang="en-US" dirty="0"/>
+                    </a:p>
+                  </a:txBody>
+                  <a:tcPr/>
+                </a:tc>
+                <a:tc>
+                  <a:txBody>
+                    <a:bodyPr/>
+                    <a:lstStyle/>
+                    <a:p>
+                      <a:r>
+                        <a:rPr lang="en-US" dirty="0" smtClean="0"/>
+                        <a:t>19/11/15</a:t>
+                      </a:r>
+                      <a:endParaRPr lang="en-US" dirty="0"/>
+                    </a:p>
+                  </a:txBody>
+                  <a:tcPr/>
+                </a:tc>
+                <a:tc>
+                  <a:txBody>
+                    <a:bodyPr/>
+                    <a:lstStyle/>
+                    <a:p>
+                      <a:r>
+                        <a:rPr lang="en-US" dirty="0" smtClean="0"/>
+                        <a:t>Done</a:t>
+                      </a:r>
+                      <a:endParaRPr lang="en-US" dirty="0"/>
+                    </a:p>
+                  </a:txBody>
+                  <a:tcPr/>
+                </a:tc>
+                <a:tc>
+                  <a:txBody>
+                    <a:bodyPr/>
+                    <a:lstStyle/>
+                    <a:p>
+                      <a:r>
+                        <a:rPr lang="en-US" dirty="0" smtClean="0"/>
+                        <a:t>delivered</a:t>
+                      </a:r>
+                      <a:endParaRPr lang="en-US" dirty="0"/>
+                    </a:p>
+                  </a:txBody>
+                  <a:tcPr/>
+                </a:tc>
+              </a:tr>
+              <a:tr h="370840">
+                <a:tc>
+                  <a:txBody>
+                    <a:bodyPr/>
+                    <a:lstStyle/>
+                    <a:p>
+                      <a:r>
+                        <a:rPr lang="en-US" dirty="0" err="1" smtClean="0"/>
+                        <a:t>yyyyyy</a:t>
+                      </a:r>
+                      <a:endParaRPr lang="en-US" dirty="0"/>
+                    </a:p>
+                  </a:txBody>
+                  <a:tcPr/>
+                </a:tc>
+                <a:tc>
+                  <a:txBody>
+                    <a:bodyPr/>
+                    <a:lstStyle/>
+                    <a:p>
+                      <a:r>
+                        <a:rPr lang="en-US" dirty="0" smtClean="0"/>
+                        <a:t>xyz</a:t>
+                      </a:r>
+                      <a:endParaRPr lang="en-US" dirty="0"/>
+                    </a:p>
+                  </a:txBody>
+                  <a:tcPr/>
+                </a:tc>
+                <a:tc>
+                  <a:txBody>
+                    <a:bodyPr/>
+                    <a:lstStyle/>
+                    <a:p>
+                      <a:r>
+                        <a:rPr lang="en-US" dirty="0" smtClean="0"/>
+                        <a:t>-----</a:t>
+                      </a:r>
+                      <a:endParaRPr lang="en-US" dirty="0"/>
+                    </a:p>
+                  </a:txBody>
+                  <a:tcPr/>
+                </a:tc>
+                <a:tc>
+                  <a:txBody>
+                    <a:bodyPr/>
+                    <a:lstStyle/>
+                    <a:p>
+                      <a:r>
+                        <a:rPr lang="en-US" dirty="0" smtClean="0"/>
+                        <a:t>Done</a:t>
+                      </a:r>
+                      <a:endParaRPr lang="en-US" dirty="0"/>
+                    </a:p>
+                  </a:txBody>
+                  <a:tcPr/>
+                </a:tc>
+                <a:tc>
+                  <a:txBody>
+                    <a:bodyPr/>
+                    <a:lstStyle/>
+                    <a:p>
+                      <a:r>
+                        <a:rPr lang="en-US" dirty="0" smtClean="0"/>
+                        <a:t>Not </a:t>
+                      </a:r>
+                      <a:r>
+                        <a:rPr lang="en-US" dirty="0" err="1" smtClean="0"/>
+                        <a:t>avaible</a:t>
+                      </a:r>
+                      <a:endParaRPr lang="en-US" dirty="0"/>
+                    </a:p>
+                  </a:txBody>
+                  <a:tcPr/>
+                </a:tc>
+              </a:tr>
+              <a:tr h="370840">
+                <a:tc>
+                  <a:txBody>
+                    <a:bodyPr/>
+                    <a:lstStyle/>
+                    <a:p>
+                      <a:endParaRPr lang="en-US"/>
+                    </a:p>
+                  </a:txBody>
+                  <a:tcPr/>
+                </a:tc>
+                <a:tc>
+                  <a:txBody>
+                    <a:bodyPr/>
+                    <a:lstStyle/>
+                    <a:p>
+                      <a:endParaRPr lang="en-US"/>
+                    </a:p>
+                  </a:txBody>
+                  <a:tcPr/>
+                </a:tc>
+                <a:tc>
+                  <a:txBody>
+                    <a:bodyPr/>
+                    <a:lstStyle/>
+                    <a:p>
+                      <a:endParaRPr lang="en-US"/>
+                    </a:p>
+                  </a:txBody>
+                  <a:tcPr/>
+                </a:tc>
+                <a:tc>
+                  <a:txBody>
+                    <a:bodyPr/>
+                    <a:lstStyle/>
+                    <a:p>
+                      <a:endParaRPr lang="en-US"/>
+                    </a:p>
+                  </a:txBody>
+                  <a:tcPr/>
+                </a:tc>
+                <a:tc>
+                  <a:txBody>
+                    <a:bodyPr/>
+                    <a:lstStyle/>
+                    <a:p>
+                      <a:endParaRPr lang="en-US"/>
+                    </a:p>
+                  </a:txBody>
+                  <a:tcPr/>
+                </a:tc>
+              </a:tr>
+              <a:tr h="370840">
+                <a:tc>
+                  <a:txBody>
+                    <a:bodyPr/>
+                    <a:lstStyle/>
+                    <a:p>
+                      <a:endParaRPr lang="en-US"/>
+                    </a:p>
+                  </a:txBody>
+                  <a:tcPr/>
+                </a:tc>
+                <a:tc>
+                  <a:txBody>
+                    <a:bodyPr/>
+                    <a:lstStyle/>
+                    <a:p>
+                      <a:endParaRPr lang="en-US"/>
+                    </a:p>
+                  </a:txBody>
+                  <a:tcPr/>
+                </a:tc>
+                <a:tc>
+                  <a:txBody>
+                    <a:bodyPr/>
+                    <a:lstStyle/>
+                    <a:p>
+                      <a:endParaRPr lang="en-US"/>
+                    </a:p>
+                  </a:txBody>
+                  <a:tcPr/>
+                </a:tc>
+                <a:tc>
+                  <a:txBody>
+                    <a:bodyPr/>
+                    <a:lstStyle/>
+                    <a:p>
+                      <a:endParaRPr lang="en-US"/>
+                    </a:p>
+                  </a:txBody>
+                  <a:tcPr/>
+                </a:tc>
+                <a:tc>
+                  <a:txBody>
+                    <a:bodyPr/>
+                    <a:lstStyle/>
+                    <a:p>
+                      <a:endParaRPr lang="en-US" dirty="0"/>
+                    </a:p>
+                  </a:txBody>
+                  <a:tcPr/>
+                </a:tc>
+              </a:tr>
+              <a:tr h="370840">
+                <a:tc>
+                  <a:txBody>
+                    <a:bodyPr/>
+                    <a:lstStyle/>
+                    <a:p>
+                      <a:endParaRPr lang="en-US"/>
+                    </a:p>
+                  </a:txBody>
+                  <a:tcPr/>
+                </a:tc>
+                <a:tc>
+                  <a:txBody>
+                    <a:bodyPr/>
+                    <a:lstStyle/>
+                    <a:p>
+                      <a:endParaRPr lang="en-US"/>
+                    </a:p>
+                  </a:txBody>
+                  <a:tcPr/>
+                </a:tc>
+                <a:tc>
+                  <a:txBody>
+                    <a:bodyPr/>
+                    <a:lstStyle/>
+                    <a:p>
+                      <a:endParaRPr lang="en-US"/>
+                    </a:p>
+                  </a:txBody>
+                  <a:tcPr/>
+                </a:tc>
+                <a:tc>
+                  <a:txBody>
+                    <a:bodyPr/>
+                    <a:lstStyle/>
+                    <a:p>
+                      <a:endParaRPr lang="en-US"/>
+                    </a:p>
+                  </a:txBody>
+                  <a:tcPr/>
+                </a:tc>
+                <a:tc>
+                  <a:txBody>
+                    <a:bodyPr/>
+                    <a:lstStyle/>
+                    <a:p>
+                      <a:endParaRPr lang="en-US" dirty="0"/>
+                    </a:p>
+                  </a:txBody>
+                  <a:tcPr/>
+                </a:tc>
+              </a:tr>
+            </a:tbl>
+          </a:graphicData>
+        </a:graphic>
+      </p:graphicFrame>
+      <p:sp>
+        <p:nvSpPr>
+          <p:cNvPr id="6" name="Rectangle 5"/>
+          <p:cNvSpPr/>
+          <p:nvPr/>
+        </p:nvSpPr>
+        <p:spPr>
+          <a:xfrm>
+            <a:off x="1747474" y="1495192"/>
+            <a:ext cx="2130327" cy="584775"/>
+          </a:xfrm>
+          <a:prstGeom prst="rect">
+            <a:avLst/>
+          </a:prstGeom>
+          <a:noFill/>
+        </p:spPr>
+        <p:txBody>
+          <a:bodyPr wrap="none" lIns="91440" tIns="45720" rIns="91440" bIns="45720">
+            <a:spAutoFit/>
+          </a:bodyPr>
+          <a:lstStyle/>
+          <a:p>
+            <a:pPr algn="ctr"/>
+            <a:r>
+              <a:rPr lang="en-US" sz="3200" b="1" u="sng" dirty="0" smtClean="0">
+                <a:ln w="10541" cmpd="sng">
+                  <a:solidFill>
+                    <a:schemeClr val="accent1">
+                      <a:shade val="88000"/>
+                      <a:satMod val="110000"/>
+                    </a:schemeClr>
+                  </a:solidFill>
+                  <a:prstDash val="solid"/>
+                </a:ln>
+                <a:gradFill>
+                  <a:gsLst>
+                    <a:gs pos="0">
+                      <a:schemeClr val="accent1">
+                        <a:tint val="40000"/>
+                        <a:satMod val="250000"/>
+                      </a:schemeClr>
+                    </a:gs>
+                    <a:gs pos="9000">
+                      <a:schemeClr val="accent1">
+                        <a:tint val="52000"/>
+                        <a:satMod val="300000"/>
+                      </a:schemeClr>
+                    </a:gs>
+                    <a:gs pos="50000">
+                      <a:schemeClr val="accent1">
+                        <a:shade val="20000"/>
+                        <a:satMod val="300000"/>
+                      </a:schemeClr>
+                    </a:gs>
+                    <a:gs pos="79000">
+                      <a:schemeClr val="accent1">
+                        <a:tint val="52000"/>
+                        <a:satMod val="300000"/>
+                      </a:schemeClr>
+                    </a:gs>
+                    <a:gs pos="100000">
+                      <a:schemeClr val="accent1">
+                        <a:tint val="40000"/>
+                        <a:satMod val="250000"/>
+                      </a:schemeClr>
+                    </a:gs>
+                  </a:gsLst>
+                  <a:lin ang="5400000"/>
+                </a:gradFill>
+              </a:rPr>
+              <a:t>Order list:</a:t>
+            </a:r>
+            <a:endParaRPr lang="en-US" sz="3200" b="1" u="sng" cap="none" spc="0" dirty="0">
+              <a:ln w="10541" cmpd="sng">
+                <a:solidFill>
+                  <a:schemeClr val="accent1">
+                    <a:shade val="88000"/>
+                    <a:satMod val="110000"/>
+                  </a:schemeClr>
+                </a:solidFill>
+                <a:prstDash val="solid"/>
+              </a:ln>
+              <a:gradFill>
+                <a:gsLst>
+                  <a:gs pos="0">
+                    <a:schemeClr val="accent1">
+                      <a:tint val="40000"/>
+                      <a:satMod val="250000"/>
+                    </a:schemeClr>
+                  </a:gs>
+                  <a:gs pos="9000">
+                    <a:schemeClr val="accent1">
+                      <a:tint val="52000"/>
+                      <a:satMod val="300000"/>
+                    </a:schemeClr>
+                  </a:gs>
+                  <a:gs pos="50000">
+                    <a:schemeClr val="accent1">
+                      <a:shade val="20000"/>
+                      <a:satMod val="300000"/>
+                    </a:schemeClr>
+                  </a:gs>
+                  <a:gs pos="79000">
+                    <a:schemeClr val="accent1">
+                      <a:tint val="52000"/>
+                      <a:satMod val="300000"/>
+                    </a:schemeClr>
+                  </a:gs>
+                  <a:gs pos="100000">
+                    <a:schemeClr val="accent1">
+                      <a:tint val="40000"/>
+                      <a:satMod val="250000"/>
+                    </a:schemeClr>
+                  </a:gs>
+                </a:gsLst>
+                <a:lin ang="5400000"/>
+              </a:gradFill>
+              <a:effectLst/>
+            </a:endParaRPr>
+          </a:p>
+        </p:txBody>
+      </p:sp>
+      <p:sp>
+        <p:nvSpPr>
+          <p:cNvPr id="8" name="Rectangle 7"/>
+          <p:cNvSpPr/>
+          <p:nvPr/>
+        </p:nvSpPr>
+        <p:spPr>
+          <a:xfrm>
+            <a:off x="7236296" y="1563261"/>
+            <a:ext cx="1128835" cy="400110"/>
+          </a:xfrm>
+          <a:prstGeom prst="rect">
+            <a:avLst/>
+          </a:prstGeom>
+          <a:noFill/>
+        </p:spPr>
+        <p:txBody>
+          <a:bodyPr wrap="none" lIns="91440" tIns="45720" rIns="91440" bIns="45720">
+            <a:spAutoFit/>
+          </a:bodyPr>
+          <a:lstStyle/>
+          <a:p>
+            <a:pPr algn="ctr"/>
+            <a:r>
+              <a:rPr lang="en-US" sz="2000" b="1" cap="none" spc="0" dirty="0" err="1" smtClean="0">
+                <a:ln w="10541" cmpd="sng">
+                  <a:solidFill>
+                    <a:schemeClr val="accent1">
+                      <a:shade val="88000"/>
+                      <a:satMod val="110000"/>
+                    </a:schemeClr>
+                  </a:solidFill>
+                  <a:prstDash val="solid"/>
+                </a:ln>
+                <a:gradFill>
+                  <a:gsLst>
+                    <a:gs pos="0">
+                      <a:schemeClr val="accent1">
+                        <a:tint val="40000"/>
+                        <a:satMod val="250000"/>
+                      </a:schemeClr>
+                    </a:gs>
+                    <a:gs pos="9000">
+                      <a:schemeClr val="accent1">
+                        <a:tint val="52000"/>
+                        <a:satMod val="300000"/>
+                      </a:schemeClr>
+                    </a:gs>
+                    <a:gs pos="50000">
+                      <a:schemeClr val="accent1">
+                        <a:shade val="20000"/>
+                        <a:satMod val="300000"/>
+                      </a:schemeClr>
+                    </a:gs>
+                    <a:gs pos="79000">
+                      <a:schemeClr val="accent1">
+                        <a:tint val="52000"/>
+                        <a:satMod val="300000"/>
+                      </a:schemeClr>
+                    </a:gs>
+                    <a:gs pos="100000">
+                      <a:schemeClr val="accent1">
+                        <a:tint val="40000"/>
+                        <a:satMod val="250000"/>
+                      </a:schemeClr>
+                    </a:gs>
+                  </a:gsLst>
+                  <a:lin ang="5400000"/>
+                </a:gradFill>
+                <a:effectLst/>
+              </a:rPr>
+              <a:t>Signout</a:t>
+            </a:r>
+            <a:endParaRPr lang="en-US" sz="5400" b="1" cap="none" spc="0" dirty="0">
+              <a:ln w="10541" cmpd="sng">
+                <a:solidFill>
+                  <a:schemeClr val="accent1">
+                    <a:shade val="88000"/>
+                    <a:satMod val="110000"/>
+                  </a:schemeClr>
+                </a:solidFill>
+                <a:prstDash val="solid"/>
+              </a:ln>
+              <a:gradFill>
+                <a:gsLst>
+                  <a:gs pos="0">
+                    <a:schemeClr val="accent1">
+                      <a:tint val="40000"/>
+                      <a:satMod val="250000"/>
+                    </a:schemeClr>
+                  </a:gs>
+                  <a:gs pos="9000">
+                    <a:schemeClr val="accent1">
+                      <a:tint val="52000"/>
+                      <a:satMod val="300000"/>
+                    </a:schemeClr>
+                  </a:gs>
+                  <a:gs pos="50000">
+                    <a:schemeClr val="accent1">
+                      <a:shade val="20000"/>
+                      <a:satMod val="300000"/>
+                    </a:schemeClr>
+                  </a:gs>
+                  <a:gs pos="79000">
+                    <a:schemeClr val="accent1">
+                      <a:tint val="52000"/>
+                      <a:satMod val="300000"/>
+                    </a:schemeClr>
+                  </a:gs>
+                  <a:gs pos="100000">
+                    <a:schemeClr val="accent1">
+                      <a:tint val="40000"/>
+                      <a:satMod val="250000"/>
+                    </a:schemeClr>
+                  </a:gs>
+                </a:gsLst>
+                <a:lin ang="5400000"/>
+              </a:gradFill>
+              <a:effectLst/>
+            </a:endParaRPr>
+          </a:p>
+        </p:txBody>
+      </p:sp>
+      <p:sp>
+        <p:nvSpPr>
+          <p:cNvPr id="9" name="Title 1"/>
+          <p:cNvSpPr txBox="1">
+            <a:spLocks/>
+          </p:cNvSpPr>
+          <p:nvPr/>
+        </p:nvSpPr>
+        <p:spPr>
+          <a:xfrm>
+            <a:off x="457200" y="274638"/>
+            <a:ext cx="8229600" cy="1143000"/>
+          </a:xfrm>
+          <a:prstGeom prst="rect">
+            <a:avLst/>
+          </a:prstGeom>
+        </p:spPr>
+        <p:txBody>
+          <a:bodyPr/>
+          <a:lstStyle>
+            <a:lvl1pPr algn="ctr" defTabSz="914400" rtl="0" eaLnBrk="1" latinLnBrk="1" hangingPunct="1">
+              <a:spcBef>
+                <a:spcPct val="0"/>
+              </a:spcBef>
+              <a:buNone/>
+              <a:defRPr sz="4400" kern="1200">
+                <a:solidFill>
+                  <a:schemeClr val="tx1"/>
+                </a:solidFill>
+                <a:latin typeface="+mj-lt"/>
+                <a:ea typeface="+mj-ea"/>
+                <a:cs typeface="+mj-cs"/>
+              </a:defRPr>
+            </a:lvl1pPr>
+          </a:lstStyle>
+          <a:p>
+            <a:r>
+              <a:rPr lang="en-US" dirty="0" smtClean="0"/>
+              <a:t>Web/ Desktop order list</a:t>
+            </a:r>
+            <a:endParaRPr lang="en-US" dirty="0"/>
+          </a:p>
+        </p:txBody>
+      </p:sp>
+    </p:spTree>
+    <p:extLst>
+      <p:ext uri="{BB962C8B-B14F-4D97-AF65-F5344CB8AC3E}">
+        <p14:creationId xmlns:p14="http://schemas.microsoft.com/office/powerpoint/2010/main" val="1291599465"/>
       </p:ext>
     </p:extLst>
   </p:cSld>

--- a/doc/www-screens.pptx
+++ b/doc/www-screens.pptx
@@ -3587,11 +3587,7 @@
           <a:p>
             <a:r>
               <a:rPr lang="en-US" dirty="0" smtClean="0"/>
-              <a:t>Web/Desktop </a:t>
-            </a:r>
-            <a:r>
-              <a:rPr lang="en-US" dirty="0" smtClean="0"/>
-              <a:t>order</a:t>
+              <a:t>Web/Desktop order</a:t>
             </a:r>
             <a:endParaRPr lang="en-US" dirty="0"/>
           </a:p>
@@ -6001,7 +5997,12 @@
             <p:ph type="title"/>
           </p:nvPr>
         </p:nvSpPr>
-        <p:spPr/>
+        <p:spPr>
+          <a:xfrm>
+            <a:off x="390922" y="14032"/>
+            <a:ext cx="8229600" cy="1143000"/>
+          </a:xfrm>
+        </p:spPr>
         <p:txBody>
           <a:bodyPr/>
           <a:lstStyle/>
@@ -6036,8 +6037,8 @@
         </p:blipFill>
         <p:spPr>
           <a:xfrm>
-            <a:off x="1043608" y="3290843"/>
-            <a:ext cx="1440160" cy="1170899"/>
+            <a:off x="611560" y="1757828"/>
+            <a:ext cx="1058788" cy="860831"/>
           </a:xfrm>
           <a:prstGeom prst="rect">
             <a:avLst/>
@@ -6052,7 +6053,7 @@
         </p:nvSpPr>
         <p:spPr>
           <a:xfrm>
-            <a:off x="3312046" y="1757828"/>
+            <a:off x="4474096" y="1757828"/>
             <a:ext cx="3096344" cy="360040"/>
           </a:xfrm>
           <a:prstGeom prst="roundRect">
@@ -6116,7 +6117,7 @@
         </p:nvSpPr>
         <p:spPr>
           <a:xfrm>
-            <a:off x="3312046" y="2220374"/>
+            <a:off x="4474096" y="2220374"/>
             <a:ext cx="3096344" cy="360040"/>
           </a:xfrm>
           <a:prstGeom prst="roundRect">
@@ -6180,7 +6181,7 @@
         </p:nvSpPr>
         <p:spPr>
           <a:xfrm>
-            <a:off x="3320008" y="2688472"/>
+            <a:off x="4482058" y="2688472"/>
             <a:ext cx="3088382" cy="360040"/>
           </a:xfrm>
           <a:prstGeom prst="roundRect">
@@ -6226,15 +6227,7 @@
                   <a:srgbClr val="002060"/>
                 </a:solidFill>
               </a:rPr>
-              <a:t>Confirm password</a:t>
-            </a:r>
-            <a:r>
-              <a:rPr lang="en-US" dirty="0" smtClean="0">
-                <a:solidFill>
-                  <a:srgbClr val="002060"/>
-                </a:solidFill>
-              </a:rPr>
-              <a:t>.</a:t>
+              <a:t>Confirm password.</a:t>
             </a:r>
             <a:endParaRPr lang="en-US" dirty="0">
               <a:solidFill>
@@ -6252,7 +6245,7 @@
         </p:nvSpPr>
         <p:spPr>
           <a:xfrm>
-            <a:off x="3320008" y="3703468"/>
+            <a:off x="4482058" y="3703468"/>
             <a:ext cx="3088382" cy="360040"/>
           </a:xfrm>
           <a:prstGeom prst="roundRect">
@@ -6316,7 +6309,7 @@
         </p:nvSpPr>
         <p:spPr>
           <a:xfrm>
-            <a:off x="3312046" y="4234958"/>
+            <a:off x="4474096" y="4234958"/>
             <a:ext cx="3088382" cy="360040"/>
           </a:xfrm>
           <a:prstGeom prst="roundRect">
@@ -6380,7 +6373,7 @@
         </p:nvSpPr>
         <p:spPr>
           <a:xfrm>
-            <a:off x="3316982" y="4747398"/>
+            <a:off x="4479032" y="4747398"/>
             <a:ext cx="3088382" cy="360040"/>
           </a:xfrm>
           <a:prstGeom prst="roundRect">
@@ -6444,7 +6437,7 @@
         </p:nvSpPr>
         <p:spPr>
           <a:xfrm>
-            <a:off x="5004048" y="6093296"/>
+            <a:off x="6166098" y="6093296"/>
             <a:ext cx="1536229" cy="432048"/>
           </a:xfrm>
           <a:prstGeom prst="roundRect">
@@ -6493,7 +6486,7 @@
         </p:nvSpPr>
         <p:spPr>
           <a:xfrm>
-            <a:off x="3358120" y="5192484"/>
+            <a:off x="4520170" y="5192484"/>
             <a:ext cx="315888" cy="288032"/>
           </a:xfrm>
           <a:prstGeom prst="rect">
@@ -6536,7 +6529,7 @@
         </p:nvSpPr>
         <p:spPr>
           <a:xfrm>
-            <a:off x="3320008" y="5567994"/>
+            <a:off x="4482058" y="5567994"/>
             <a:ext cx="3080420" cy="360040"/>
           </a:xfrm>
           <a:prstGeom prst="roundRect">
@@ -6600,7 +6593,7 @@
         </p:nvSpPr>
         <p:spPr>
           <a:xfrm>
-            <a:off x="3787184" y="5170884"/>
+            <a:off x="4949234" y="5170884"/>
             <a:ext cx="1045414" cy="369332"/>
           </a:xfrm>
           <a:prstGeom prst="rect">
@@ -6630,7 +6623,7 @@
         </p:nvSpPr>
         <p:spPr>
           <a:xfrm rot="10800000">
-            <a:off x="5928621" y="5603996"/>
+            <a:off x="7090671" y="5603996"/>
             <a:ext cx="438231" cy="288035"/>
           </a:xfrm>
           <a:prstGeom prst="triangle">
@@ -6670,7 +6663,7 @@
         </p:nvSpPr>
         <p:spPr>
           <a:xfrm>
-            <a:off x="3309764" y="3189734"/>
+            <a:off x="4471814" y="3189734"/>
             <a:ext cx="3096344" cy="360040"/>
           </a:xfrm>
           <a:prstGeom prst="roundRect">
@@ -6726,6 +6719,100 @@
           </a:p>
         </p:txBody>
       </p:sp>
+      <p:pic>
+        <p:nvPicPr>
+          <p:cNvPr id="3" name="Picture 2"/>
+          <p:cNvPicPr>
+            <a:picLocks noChangeAspect="1"/>
+          </p:cNvPicPr>
+          <p:nvPr/>
+        </p:nvPicPr>
+        <p:blipFill>
+          <a:blip r:embed="rId3">
+            <a:extLst>
+              <a:ext uri="{28A0092B-C50C-407E-A947-70E740481C1C}">
+                <a14:useLocalDpi xmlns:a14="http://schemas.microsoft.com/office/drawing/2010/main" val="0"/>
+              </a:ext>
+            </a:extLst>
+          </a:blip>
+          <a:stretch>
+            <a:fillRect/>
+          </a:stretch>
+        </p:blipFill>
+        <p:spPr>
+          <a:xfrm>
+            <a:off x="1670348" y="2580414"/>
+            <a:ext cx="2438400" cy="2438400"/>
+          </a:xfrm>
+          <a:prstGeom prst="rect">
+            <a:avLst/>
+          </a:prstGeom>
+        </p:spPr>
+      </p:pic>
+      <p:pic>
+        <p:nvPicPr>
+          <p:cNvPr id="1026" name="Picture 2"/>
+          <p:cNvPicPr>
+            <a:picLocks noChangeAspect="1" noChangeArrowheads="1"/>
+          </p:cNvPicPr>
+          <p:nvPr/>
+        </p:nvPicPr>
+        <p:blipFill>
+          <a:blip r:embed="rId4">
+            <a:extLst>
+              <a:ext uri="{28A0092B-C50C-407E-A947-70E740481C1C}">
+                <a14:useLocalDpi xmlns:a14="http://schemas.microsoft.com/office/drawing/2010/main" val="0"/>
+              </a:ext>
+            </a:extLst>
+          </a:blip>
+          <a:srcRect/>
+          <a:stretch>
+            <a:fillRect/>
+          </a:stretch>
+        </p:blipFill>
+        <p:spPr bwMode="auto">
+          <a:xfrm>
+            <a:off x="3419872" y="4390843"/>
+            <a:ext cx="554037" cy="536575"/>
+          </a:xfrm>
+          <a:prstGeom prst="rect">
+            <a:avLst/>
+          </a:prstGeom>
+          <a:noFill/>
+          <a:ln>
+            <a:noFill/>
+          </a:ln>
+          <a:effectLst/>
+          <a:extLst>
+            <a:ext uri="{909E8E84-426E-40DD-AFC4-6F175D3DCCD1}">
+              <a14:hiddenFill xmlns:a14="http://schemas.microsoft.com/office/drawing/2010/main">
+                <a:solidFill>
+                  <a:schemeClr val="accent1"/>
+                </a:solidFill>
+              </a14:hiddenFill>
+            </a:ext>
+            <a:ext uri="{91240B29-F687-4F45-9708-019B960494DF}">
+              <a14:hiddenLine xmlns:a14="http://schemas.microsoft.com/office/drawing/2010/main" w="9525">
+                <a:solidFill>
+                  <a:schemeClr val="tx1"/>
+                </a:solidFill>
+                <a:miter lim="800000"/>
+                <a:headEnd/>
+                <a:tailEnd/>
+              </a14:hiddenLine>
+            </a:ext>
+            <a:ext uri="{AF507438-7753-43E0-B8FC-AC1667EBCBE1}">
+              <a14:hiddenEffects xmlns:a14="http://schemas.microsoft.com/office/drawing/2010/main">
+                <a:effectLst>
+                  <a:outerShdw dist="35921" dir="2700000" algn="ctr" rotWithShape="0">
+                    <a:schemeClr val="bg2"/>
+                  </a:outerShdw>
+                </a:effectLst>
+              </a14:hiddenEffects>
+            </a:ext>
+          </a:extLst>
+        </p:spPr>
+      </p:pic>
     </p:spTree>
     <p:extLst>
       <p:ext uri="{BB962C8B-B14F-4D97-AF65-F5344CB8AC3E}">
@@ -6847,13 +6934,13 @@
           <p:nvPr>
             <p:extLst>
               <p:ext uri="{D42A27DB-BD31-4B8C-83A1-F6EECF244321}">
-                <p14:modId xmlns:p14="http://schemas.microsoft.com/office/powerpoint/2010/main" val="1422940295"/>
+                <p14:modId xmlns:p14="http://schemas.microsoft.com/office/powerpoint/2010/main" val="2149940738"/>
               </p:ext>
             </p:extLst>
           </p:nvPr>
         </p:nvGraphicFramePr>
         <p:xfrm>
-          <a:off x="1835696" y="2321617"/>
+          <a:off x="1816646" y="2874067"/>
           <a:ext cx="6552730" cy="2595880"/>
         </p:xfrm>
         <a:graphic>
@@ -6876,17 +6963,33 @@
                     <a:lstStyle/>
                     <a:p>
                       <a:r>
-                        <a:rPr lang="en-US" dirty="0" smtClean="0"/>
+                        <a:rPr lang="en-US" dirty="0" smtClean="0">
+                          <a:solidFill>
+                            <a:schemeClr val="tx1"/>
+                          </a:solidFill>
+                        </a:rPr>
                         <a:t>Ref.</a:t>
                       </a:r>
                       <a:r>
-                        <a:rPr lang="en-US" baseline="0" dirty="0" smtClean="0"/>
+                        <a:rPr lang="en-US" baseline="0" dirty="0" smtClean="0">
+                          <a:solidFill>
+                            <a:schemeClr val="tx1"/>
+                          </a:solidFill>
+                        </a:rPr>
                         <a:t> no.</a:t>
                       </a:r>
-                      <a:endParaRPr lang="en-US" dirty="0"/>
+                      <a:endParaRPr lang="en-US" dirty="0">
+                        <a:solidFill>
+                          <a:schemeClr val="tx1"/>
+                        </a:solidFill>
+                      </a:endParaRPr>
                     </a:p>
                   </a:txBody>
-                  <a:tcPr/>
+                  <a:tcPr>
+                    <a:solidFill>
+                      <a:srgbClr val="92D050"/>
+                    </a:solidFill>
+                  </a:tcPr>
                 </a:tc>
                 <a:tc>
                   <a:txBody>
@@ -6894,13 +6997,25 @@
                     <a:lstStyle/>
                     <a:p>
                       <a:r>
-                        <a:rPr lang="en-US" dirty="0" smtClean="0"/>
+                        <a:rPr lang="en-US" dirty="0" smtClean="0">
+                          <a:solidFill>
+                            <a:schemeClr val="tx1"/>
+                          </a:solidFill>
+                        </a:rPr>
                         <a:t>service</a:t>
                       </a:r>
-                      <a:endParaRPr lang="en-US" dirty="0"/>
+                      <a:endParaRPr lang="en-US" dirty="0">
+                        <a:solidFill>
+                          <a:schemeClr val="tx1"/>
+                        </a:solidFill>
+                      </a:endParaRPr>
                     </a:p>
                   </a:txBody>
-                  <a:tcPr/>
+                  <a:tcPr>
+                    <a:solidFill>
+                      <a:srgbClr val="92D050"/>
+                    </a:solidFill>
+                  </a:tcPr>
                 </a:tc>
                 <a:tc>
                   <a:txBody>
@@ -6908,13 +7023,25 @@
                     <a:lstStyle/>
                     <a:p>
                       <a:r>
-                        <a:rPr lang="en-US" dirty="0" smtClean="0"/>
+                        <a:rPr lang="en-US" dirty="0" smtClean="0">
+                          <a:solidFill>
+                            <a:schemeClr val="tx1"/>
+                          </a:solidFill>
+                        </a:rPr>
                         <a:t>when</a:t>
                       </a:r>
-                      <a:endParaRPr lang="en-US" dirty="0"/>
+                      <a:endParaRPr lang="en-US" dirty="0">
+                        <a:solidFill>
+                          <a:schemeClr val="tx1"/>
+                        </a:solidFill>
+                      </a:endParaRPr>
                     </a:p>
                   </a:txBody>
-                  <a:tcPr/>
+                  <a:tcPr>
+                    <a:solidFill>
+                      <a:srgbClr val="92D050"/>
+                    </a:solidFill>
+                  </a:tcPr>
                 </a:tc>
                 <a:tc>
                   <a:txBody>
@@ -6922,13 +7049,31 @@
                     <a:lstStyle/>
                     <a:p>
                       <a:r>
-                        <a:rPr lang="en-US" dirty="0" smtClean="0"/>
+                        <a:rPr lang="en-US" sz="1800" b="1" kern="1200" dirty="0" smtClean="0">
+                          <a:solidFill>
+                            <a:schemeClr val="tx1"/>
+                          </a:solidFill>
+                          <a:latin typeface="+mn-lt"/>
+                          <a:ea typeface="+mn-ea"/>
+                          <a:cs typeface="+mn-cs"/>
+                        </a:rPr>
                         <a:t>status</a:t>
                       </a:r>
-                      <a:endParaRPr lang="en-US" dirty="0"/>
+                      <a:endParaRPr lang="en-US" sz="1800" b="1" kern="1200" dirty="0">
+                        <a:solidFill>
+                          <a:schemeClr val="tx1"/>
+                        </a:solidFill>
+                        <a:latin typeface="+mn-lt"/>
+                        <a:ea typeface="+mn-ea"/>
+                        <a:cs typeface="+mn-cs"/>
+                      </a:endParaRPr>
                     </a:p>
                   </a:txBody>
-                  <a:tcPr/>
+                  <a:tcPr>
+                    <a:solidFill>
+                      <a:srgbClr val="92D050"/>
+                    </a:solidFill>
+                  </a:tcPr>
                 </a:tc>
                 <a:tc>
                   <a:txBody>
@@ -6936,13 +7081,25 @@
                     <a:lstStyle/>
                     <a:p>
                       <a:r>
-                        <a:rPr lang="en-US" dirty="0" smtClean="0"/>
+                        <a:rPr lang="en-US" dirty="0" smtClean="0">
+                          <a:solidFill>
+                            <a:schemeClr val="tx1"/>
+                          </a:solidFill>
+                        </a:rPr>
                         <a:t>comment</a:t>
                       </a:r>
-                      <a:endParaRPr lang="en-US" dirty="0"/>
+                      <a:endParaRPr lang="en-US" dirty="0">
+                        <a:solidFill>
+                          <a:schemeClr val="tx1"/>
+                        </a:solidFill>
+                      </a:endParaRPr>
                     </a:p>
                   </a:txBody>
-                  <a:tcPr/>
+                  <a:tcPr>
+                    <a:solidFill>
+                      <a:srgbClr val="92D050"/>
+                    </a:solidFill>
+                  </a:tcPr>
                 </a:tc>
               </a:tr>
               <a:tr h="370840">
@@ -7341,8 +7498,8 @@
         </p:nvSpPr>
         <p:spPr>
           <a:xfrm>
-            <a:off x="1747474" y="1495192"/>
-            <a:ext cx="2130327" cy="584775"/>
+            <a:off x="1826855" y="2390542"/>
+            <a:ext cx="1400063" cy="400110"/>
           </a:xfrm>
           <a:prstGeom prst="rect">
             <a:avLst/>
@@ -7357,7 +7514,7 @@
           <a:p>
             <a:pPr algn="ctr"/>
             <a:r>
-              <a:rPr lang="en-US" sz="3200" b="1" u="sng" dirty="0" smtClean="0">
+              <a:rPr lang="en-US" sz="2000" b="1" u="sng" dirty="0" smtClean="0">
                 <a:ln w="10541" cmpd="sng">
                   <a:solidFill>
                     <a:schemeClr val="accent1">
@@ -7405,7 +7562,7 @@
               </a:rPr>
               <a:t>Order list:</a:t>
             </a:r>
-            <a:endParaRPr lang="en-US" sz="3200" b="1" u="sng" cap="none" spc="0" dirty="0">
+            <a:endParaRPr lang="en-US" sz="2000" b="1" u="sng" cap="none" spc="0" dirty="0">
               <a:ln w="10541" cmpd="sng">
                 <a:solidFill>
                   <a:schemeClr val="accent1">
@@ -7463,8 +7620,8 @@
         </p:nvSpPr>
         <p:spPr>
           <a:xfrm>
-            <a:off x="7236296" y="1563261"/>
-            <a:ext cx="1128835" cy="400110"/>
+            <a:off x="7438236" y="1697593"/>
+            <a:ext cx="845103" cy="307777"/>
           </a:xfrm>
           <a:prstGeom prst="rect">
             <a:avLst/>
@@ -7479,7 +7636,7 @@
           <a:p>
             <a:pPr algn="ctr"/>
             <a:r>
-              <a:rPr lang="en-US" sz="2000" b="1" cap="none" spc="0" dirty="0" err="1" smtClean="0">
+              <a:rPr lang="en-US" sz="1400" b="1" cap="none" spc="0" dirty="0" err="1" smtClean="0">
                 <a:ln w="10541" cmpd="sng">
                   <a:solidFill>
                     <a:schemeClr val="accent1">
@@ -7489,41 +7646,6 @@
                   </a:solidFill>
                   <a:prstDash val="solid"/>
                 </a:ln>
-                <a:gradFill>
-                  <a:gsLst>
-                    <a:gs pos="0">
-                      <a:schemeClr val="accent1">
-                        <a:tint val="40000"/>
-                        <a:satMod val="250000"/>
-                      </a:schemeClr>
-                    </a:gs>
-                    <a:gs pos="9000">
-                      <a:schemeClr val="accent1">
-                        <a:tint val="52000"/>
-                        <a:satMod val="300000"/>
-                      </a:schemeClr>
-                    </a:gs>
-                    <a:gs pos="50000">
-                      <a:schemeClr val="accent1">
-                        <a:shade val="20000"/>
-                        <a:satMod val="300000"/>
-                      </a:schemeClr>
-                    </a:gs>
-                    <a:gs pos="79000">
-                      <a:schemeClr val="accent1">
-                        <a:tint val="52000"/>
-                        <a:satMod val="300000"/>
-                      </a:schemeClr>
-                    </a:gs>
-                    <a:gs pos="100000">
-                      <a:schemeClr val="accent1">
-                        <a:tint val="40000"/>
-                        <a:satMod val="250000"/>
-                      </a:schemeClr>
-                    </a:gs>
-                  </a:gsLst>
-                  <a:lin ang="5400000"/>
-                </a:gradFill>
                 <a:effectLst/>
               </a:rPr>
               <a:t>Signout</a:t>
@@ -7538,41 +7660,6 @@
                 </a:solidFill>
                 <a:prstDash val="solid"/>
               </a:ln>
-              <a:gradFill>
-                <a:gsLst>
-                  <a:gs pos="0">
-                    <a:schemeClr val="accent1">
-                      <a:tint val="40000"/>
-                      <a:satMod val="250000"/>
-                    </a:schemeClr>
-                  </a:gs>
-                  <a:gs pos="9000">
-                    <a:schemeClr val="accent1">
-                      <a:tint val="52000"/>
-                      <a:satMod val="300000"/>
-                    </a:schemeClr>
-                  </a:gs>
-                  <a:gs pos="50000">
-                    <a:schemeClr val="accent1">
-                      <a:shade val="20000"/>
-                      <a:satMod val="300000"/>
-                    </a:schemeClr>
-                  </a:gs>
-                  <a:gs pos="79000">
-                    <a:schemeClr val="accent1">
-                      <a:tint val="52000"/>
-                      <a:satMod val="300000"/>
-                    </a:schemeClr>
-                  </a:gs>
-                  <a:gs pos="100000">
-                    <a:schemeClr val="accent1">
-                      <a:tint val="40000"/>
-                      <a:satMod val="250000"/>
-                    </a:schemeClr>
-                  </a:gs>
-                </a:gsLst>
-                <a:lin ang="5400000"/>
-              </a:gradFill>
               <a:effectLst/>
             </a:endParaRPr>
           </a:p>
@@ -7619,6 +7706,139 @@
               <a:t>Web/ Desktop order list</a:t>
             </a:r>
             <a:endParaRPr lang="en-US" dirty="0"/>
+          </a:p>
+        </p:txBody>
+      </p:sp>
+      <p:pic>
+        <p:nvPicPr>
+          <p:cNvPr id="10" name="Picture 9"/>
+          <p:cNvPicPr>
+            <a:picLocks noChangeAspect="1"/>
+          </p:cNvPicPr>
+          <p:nvPr/>
+        </p:nvPicPr>
+        <p:blipFill>
+          <a:blip r:embed="rId3" cstate="print">
+            <a:extLst>
+              <a:ext uri="{28A0092B-C50C-407E-A947-70E740481C1C}">
+                <a14:useLocalDpi xmlns:a14="http://schemas.microsoft.com/office/drawing/2010/main" val="0"/>
+              </a:ext>
+            </a:extLst>
+          </a:blip>
+          <a:stretch>
+            <a:fillRect/>
+          </a:stretch>
+        </p:blipFill>
+        <p:spPr>
+          <a:xfrm>
+            <a:off x="6732240" y="1493246"/>
+            <a:ext cx="525388" cy="525388"/>
+          </a:xfrm>
+          <a:prstGeom prst="rect">
+            <a:avLst/>
+          </a:prstGeom>
+        </p:spPr>
+      </p:pic>
+      <p:sp>
+        <p:nvSpPr>
+          <p:cNvPr id="5" name="Rectangle 4"/>
+          <p:cNvSpPr/>
+          <p:nvPr/>
+        </p:nvSpPr>
+        <p:spPr>
+          <a:xfrm>
+            <a:off x="1965322" y="1710857"/>
+            <a:ext cx="1123128" cy="307777"/>
+          </a:xfrm>
+          <a:prstGeom prst="rect">
+            <a:avLst/>
+          </a:prstGeom>
+          <a:noFill/>
+        </p:spPr>
+        <p:txBody>
+          <a:bodyPr wrap="none" lIns="91440" tIns="45720" rIns="91440" bIns="45720">
+            <a:spAutoFit/>
+          </a:bodyPr>
+          <a:lstStyle/>
+          <a:p>
+            <a:pPr algn="ctr"/>
+            <a:r>
+              <a:rPr lang="en-US" sz="1400" b="1" cap="none" spc="0" dirty="0" smtClean="0">
+                <a:ln w="10541" cmpd="sng">
+                  <a:solidFill>
+                    <a:schemeClr val="accent1">
+                      <a:shade val="88000"/>
+                      <a:satMod val="110000"/>
+                    </a:schemeClr>
+                  </a:solidFill>
+                  <a:prstDash val="solid"/>
+                </a:ln>
+                <a:effectLst/>
+              </a:rPr>
+              <a:t>New Order</a:t>
+            </a:r>
+            <a:endParaRPr lang="en-US" sz="1400" b="1" cap="none" spc="0" dirty="0">
+              <a:ln w="10541" cmpd="sng">
+                <a:solidFill>
+                  <a:schemeClr val="accent1">
+                    <a:shade val="88000"/>
+                    <a:satMod val="110000"/>
+                  </a:schemeClr>
+                </a:solidFill>
+                <a:prstDash val="solid"/>
+              </a:ln>
+              <a:effectLst/>
+            </a:endParaRPr>
+          </a:p>
+        </p:txBody>
+      </p:sp>
+      <p:sp>
+        <p:nvSpPr>
+          <p:cNvPr id="7" name="Right Arrow 6"/>
+          <p:cNvSpPr/>
+          <p:nvPr/>
+        </p:nvSpPr>
+        <p:spPr>
+          <a:xfrm>
+            <a:off x="1698556" y="1984612"/>
+            <a:ext cx="6858714" cy="148322"/>
+          </a:xfrm>
+          <a:prstGeom prst="rightArrow">
+            <a:avLst/>
+          </a:prstGeom>
+          <a:solidFill>
+            <a:srgbClr val="FF0000"/>
+          </a:solidFill>
+          <a:ln>
+            <a:noFill/>
+          </a:ln>
+        </p:spPr>
+        <p:style>
+          <a:lnRef idx="2">
+            <a:schemeClr val="accent1">
+              <a:shade val="50000"/>
+            </a:schemeClr>
+          </a:lnRef>
+          <a:fillRef idx="1">
+            <a:schemeClr val="accent1"/>
+          </a:fillRef>
+          <a:effectRef idx="0">
+            <a:schemeClr val="accent1"/>
+          </a:effectRef>
+          <a:fontRef idx="minor">
+            <a:schemeClr val="lt1"/>
+          </a:fontRef>
+        </p:style>
+        <p:txBody>
+          <a:bodyPr rtlCol="0" anchor="ctr"/>
+          <a:lstStyle/>
+          <a:p>
+            <a:pPr algn="ctr"/>
+            <a:endParaRPr lang="en-US">
+              <a:solidFill>
+                <a:schemeClr val="tx1"/>
+              </a:solidFill>
+            </a:endParaRPr>
           </a:p>
         </p:txBody>
       </p:sp>
